--- a/NLP_TM/01-IntroNLP.pptx
+++ b/NLP_TM/01-IntroNLP.pptx
@@ -229,7 +229,7 @@
           <a:p>
             <a:fld id="{EEEDA64F-9691-4C16-A5F5-351C9E284E88}" type="datetimeFigureOut">
               <a:rPr lang="zh-TW" altLang="en-US" smtClean="0"/>
-              <a:t>2024/2/19</a:t>
+              <a:t>2025/2/25</a:t>
             </a:fld>
             <a:endParaRPr lang="zh-TW" altLang="en-US"/>
           </a:p>
@@ -394,7 +394,7 @@
           <a:p>
             <a:fld id="{237A1F7D-5885-4D4C-9A33-90047810F50B}" type="datetimeFigureOut">
               <a:rPr lang="zh-TW" altLang="en-US" smtClean="0"/>
-              <a:t>2024/2/19</a:t>
+              <a:t>2025/2/25</a:t>
             </a:fld>
             <a:endParaRPr lang="zh-TW" altLang="en-US"/>
           </a:p>
@@ -458,38 +458,37 @@
           <a:p>
             <a:pPr lvl="0"/>
             <a:r>
-              <a:rPr lang="zh-TW" altLang="en-US" smtClean="0"/>
+              <a:rPr lang="zh-TW" altLang="en-US"/>
               <a:t>編輯母片文字樣式</a:t>
             </a:r>
           </a:p>
           <a:p>
             <a:pPr lvl="1"/>
             <a:r>
-              <a:rPr lang="zh-TW" altLang="en-US" smtClean="0"/>
+              <a:rPr lang="zh-TW" altLang="en-US"/>
               <a:t>第二層</a:t>
             </a:r>
           </a:p>
           <a:p>
             <a:pPr lvl="2"/>
             <a:r>
-              <a:rPr lang="zh-TW" altLang="en-US" smtClean="0"/>
+              <a:rPr lang="zh-TW" altLang="en-US"/>
               <a:t>第三層</a:t>
             </a:r>
           </a:p>
           <a:p>
             <a:pPr lvl="3"/>
             <a:r>
-              <a:rPr lang="zh-TW" altLang="en-US" smtClean="0"/>
+              <a:rPr lang="zh-TW" altLang="en-US"/>
               <a:t>第四層</a:t>
             </a:r>
           </a:p>
           <a:p>
             <a:pPr lvl="4"/>
             <a:r>
-              <a:rPr lang="zh-TW" altLang="en-US" smtClean="0"/>
+              <a:rPr lang="zh-TW" altLang="en-US"/>
               <a:t>第五層</a:t>
             </a:r>
-            <a:endParaRPr lang="zh-TW" altLang="en-US"/>
           </a:p>
         </p:txBody>
       </p:sp>
@@ -2216,7 +2215,7 @@
             <a:pPr>
               <a:defRPr/>
             </a:pPr>
-            <a:endParaRPr lang="en-US" dirty="0" smtClean="0"/>
+            <a:endParaRPr lang="en-US" dirty="0"/>
           </a:p>
         </p:txBody>
       </p:sp>
@@ -2605,10 +2604,9 @@
           </a:lstStyle>
           <a:p>
             <a:r>
-              <a:rPr lang="zh-TW" altLang="en-US" smtClean="0"/>
+              <a:rPr lang="zh-TW" altLang="en-US"/>
               <a:t>按一下以編輯母片標題樣式</a:t>
             </a:r>
-            <a:endParaRPr lang="zh-TW" altLang="en-US"/>
           </a:p>
         </p:txBody>
       </p:sp>
@@ -2670,21 +2668,43 @@
           </a:lstStyle>
           <a:p>
             <a:r>
-              <a:rPr lang="zh-TW" altLang="en-US" smtClean="0"/>
+              <a:rPr lang="zh-TW" altLang="en-US"/>
               <a:t>按一下以編輯母片副標題樣式</a:t>
             </a:r>
+          </a:p>
+        </p:txBody>
+      </p:sp>
+      <p:sp>
+        <p:nvSpPr>
+          <p:cNvPr id="4" name="日期版面配置區 3"/>
+          <p:cNvSpPr>
+            <a:spLocks noGrp="1"/>
+          </p:cNvSpPr>
+          <p:nvPr>
+            <p:ph type="dt" sz="half" idx="10"/>
+          </p:nvPr>
+        </p:nvSpPr>
+        <p:spPr/>
+        <p:txBody>
+          <a:bodyPr/>
+          <a:lstStyle/>
+          <a:p>
+            <a:r>
+              <a:rPr lang="en-US" altLang="zh-TW"/>
+              <a:t>NLP &amp; TM, Spring 2025</a:t>
+            </a:r>
             <a:endParaRPr lang="zh-TW" altLang="en-US"/>
           </a:p>
         </p:txBody>
       </p:sp>
       <p:sp>
         <p:nvSpPr>
-          <p:cNvPr id="4" name="日期版面配置區 3"/>
-          <p:cNvSpPr>
-            <a:spLocks noGrp="1"/>
-          </p:cNvSpPr>
-          <p:nvPr>
-            <p:ph type="dt" sz="half" idx="10"/>
+          <p:cNvPr id="5" name="頁尾版面配置區 4"/>
+          <p:cNvSpPr>
+            <a:spLocks noGrp="1"/>
+          </p:cNvSpPr>
+          <p:nvPr>
+            <p:ph type="ftr" sz="quarter" idx="11"/>
           </p:nvPr>
         </p:nvSpPr>
         <p:spPr/>
@@ -2693,30 +2713,7 @@
           <a:lstStyle/>
           <a:p>
             <a:r>
-              <a:rPr lang="en-US" altLang="zh-TW" smtClean="0"/>
-              <a:t>NLP &amp; TM, Spring 2024</a:t>
-            </a:r>
-            <a:endParaRPr lang="zh-TW" altLang="en-US"/>
-          </a:p>
-        </p:txBody>
-      </p:sp>
-      <p:sp>
-        <p:nvSpPr>
-          <p:cNvPr id="5" name="頁尾版面配置區 4"/>
-          <p:cNvSpPr>
-            <a:spLocks noGrp="1"/>
-          </p:cNvSpPr>
-          <p:nvPr>
-            <p:ph type="ftr" sz="quarter" idx="11"/>
-          </p:nvPr>
-        </p:nvSpPr>
-        <p:spPr/>
-        <p:txBody>
-          <a:bodyPr/>
-          <a:lstStyle/>
-          <a:p>
-            <a:r>
-              <a:rPr lang="en-US" altLang="zh-TW" smtClean="0"/>
+              <a:rPr lang="en-US" altLang="zh-TW"/>
               <a:t>NTUT CSIE</a:t>
             </a:r>
             <a:endParaRPr lang="zh-TW" altLang="en-US"/>
@@ -2792,105 +2789,103 @@
           <a:lstStyle/>
           <a:p>
             <a:r>
-              <a:rPr lang="zh-TW" altLang="en-US" smtClean="0"/>
+              <a:rPr lang="zh-TW" altLang="en-US"/>
               <a:t>按一下以編輯母片標題樣式</a:t>
             </a:r>
+          </a:p>
+        </p:txBody>
+      </p:sp>
+      <p:sp>
+        <p:nvSpPr>
+          <p:cNvPr id="3" name="直排文字版面配置區 2"/>
+          <p:cNvSpPr>
+            <a:spLocks noGrp="1"/>
+          </p:cNvSpPr>
+          <p:nvPr>
+            <p:ph type="body" orient="vert" idx="1"/>
+          </p:nvPr>
+        </p:nvSpPr>
+        <p:spPr/>
+        <p:txBody>
+          <a:bodyPr vert="eaVert"/>
+          <a:lstStyle/>
+          <a:p>
+            <a:pPr lvl="0"/>
+            <a:r>
+              <a:rPr lang="zh-TW" altLang="en-US"/>
+              <a:t>編輯母片文字樣式</a:t>
+            </a:r>
+          </a:p>
+          <a:p>
+            <a:pPr lvl="1"/>
+            <a:r>
+              <a:rPr lang="zh-TW" altLang="en-US"/>
+              <a:t>第二層</a:t>
+            </a:r>
+          </a:p>
+          <a:p>
+            <a:pPr lvl="2"/>
+            <a:r>
+              <a:rPr lang="zh-TW" altLang="en-US"/>
+              <a:t>第三層</a:t>
+            </a:r>
+          </a:p>
+          <a:p>
+            <a:pPr lvl="3"/>
+            <a:r>
+              <a:rPr lang="zh-TW" altLang="en-US"/>
+              <a:t>第四層</a:t>
+            </a:r>
+          </a:p>
+          <a:p>
+            <a:pPr lvl="4"/>
+            <a:r>
+              <a:rPr lang="zh-TW" altLang="en-US"/>
+              <a:t>第五層</a:t>
+            </a:r>
+          </a:p>
+        </p:txBody>
+      </p:sp>
+      <p:sp>
+        <p:nvSpPr>
+          <p:cNvPr id="4" name="日期版面配置區 3"/>
+          <p:cNvSpPr>
+            <a:spLocks noGrp="1"/>
+          </p:cNvSpPr>
+          <p:nvPr>
+            <p:ph type="dt" sz="half" idx="10"/>
+          </p:nvPr>
+        </p:nvSpPr>
+        <p:spPr/>
+        <p:txBody>
+          <a:bodyPr/>
+          <a:lstStyle/>
+          <a:p>
+            <a:r>
+              <a:rPr lang="en-US" altLang="zh-TW"/>
+              <a:t>NLP &amp; TM, Spring 2025</a:t>
+            </a:r>
             <a:endParaRPr lang="zh-TW" altLang="en-US"/>
           </a:p>
         </p:txBody>
       </p:sp>
       <p:sp>
         <p:nvSpPr>
-          <p:cNvPr id="3" name="直排文字版面配置區 2"/>
-          <p:cNvSpPr>
-            <a:spLocks noGrp="1"/>
-          </p:cNvSpPr>
-          <p:nvPr>
-            <p:ph type="body" orient="vert" idx="1"/>
+          <p:cNvPr id="5" name="頁尾版面配置區 4"/>
+          <p:cNvSpPr>
+            <a:spLocks noGrp="1"/>
+          </p:cNvSpPr>
+          <p:nvPr>
+            <p:ph type="ftr" sz="quarter" idx="11"/>
           </p:nvPr>
         </p:nvSpPr>
         <p:spPr/>
         <p:txBody>
-          <a:bodyPr vert="eaVert"/>
-          <a:lstStyle/>
-          <a:p>
-            <a:pPr lvl="0"/>
-            <a:r>
-              <a:rPr lang="zh-TW" altLang="en-US" smtClean="0"/>
-              <a:t>編輯母片文字樣式</a:t>
-            </a:r>
-          </a:p>
-          <a:p>
-            <a:pPr lvl="1"/>
-            <a:r>
-              <a:rPr lang="zh-TW" altLang="en-US" smtClean="0"/>
-              <a:t>第二層</a:t>
-            </a:r>
-          </a:p>
-          <a:p>
-            <a:pPr lvl="2"/>
-            <a:r>
-              <a:rPr lang="zh-TW" altLang="en-US" smtClean="0"/>
-              <a:t>第三層</a:t>
-            </a:r>
-          </a:p>
-          <a:p>
-            <a:pPr lvl="3"/>
-            <a:r>
-              <a:rPr lang="zh-TW" altLang="en-US" smtClean="0"/>
-              <a:t>第四層</a:t>
-            </a:r>
-          </a:p>
-          <a:p>
-            <a:pPr lvl="4"/>
-            <a:r>
-              <a:rPr lang="zh-TW" altLang="en-US" smtClean="0"/>
-              <a:t>第五層</a:t>
-            </a:r>
-            <a:endParaRPr lang="zh-TW" altLang="en-US"/>
-          </a:p>
-        </p:txBody>
-      </p:sp>
-      <p:sp>
-        <p:nvSpPr>
-          <p:cNvPr id="4" name="日期版面配置區 3"/>
-          <p:cNvSpPr>
-            <a:spLocks noGrp="1"/>
-          </p:cNvSpPr>
-          <p:nvPr>
-            <p:ph type="dt" sz="half" idx="10"/>
-          </p:nvPr>
-        </p:nvSpPr>
-        <p:spPr/>
-        <p:txBody>
           <a:bodyPr/>
           <a:lstStyle/>
           <a:p>
             <a:r>
-              <a:rPr lang="en-US" altLang="zh-TW" smtClean="0"/>
-              <a:t>NLP &amp; TM, Spring 2024</a:t>
-            </a:r>
-            <a:endParaRPr lang="zh-TW" altLang="en-US"/>
-          </a:p>
-        </p:txBody>
-      </p:sp>
-      <p:sp>
-        <p:nvSpPr>
-          <p:cNvPr id="5" name="頁尾版面配置區 4"/>
-          <p:cNvSpPr>
-            <a:spLocks noGrp="1"/>
-          </p:cNvSpPr>
-          <p:nvPr>
-            <p:ph type="ftr" sz="quarter" idx="11"/>
-          </p:nvPr>
-        </p:nvSpPr>
-        <p:spPr/>
-        <p:txBody>
-          <a:bodyPr/>
-          <a:lstStyle/>
-          <a:p>
-            <a:r>
-              <a:rPr lang="en-US" altLang="zh-TW" smtClean="0"/>
+              <a:rPr lang="en-US" altLang="zh-TW"/>
               <a:t>NTUT CSIE</a:t>
             </a:r>
             <a:endParaRPr lang="zh-TW" altLang="en-US"/>
@@ -2971,10 +2966,9 @@
           <a:lstStyle/>
           <a:p>
             <a:r>
-              <a:rPr lang="zh-TW" altLang="en-US" smtClean="0"/>
+              <a:rPr lang="zh-TW" altLang="en-US"/>
               <a:t>按一下以編輯母片標題樣式</a:t>
             </a:r>
-            <a:endParaRPr lang="zh-TW" altLang="en-US"/>
           </a:p>
         </p:txBody>
       </p:sp>
@@ -3000,49 +2994,71 @@
           <a:p>
             <a:pPr lvl="0"/>
             <a:r>
-              <a:rPr lang="zh-TW" altLang="en-US" smtClean="0"/>
+              <a:rPr lang="zh-TW" altLang="en-US"/>
               <a:t>編輯母片文字樣式</a:t>
             </a:r>
           </a:p>
           <a:p>
             <a:pPr lvl="1"/>
             <a:r>
-              <a:rPr lang="zh-TW" altLang="en-US" smtClean="0"/>
+              <a:rPr lang="zh-TW" altLang="en-US"/>
               <a:t>第二層</a:t>
             </a:r>
           </a:p>
           <a:p>
             <a:pPr lvl="2"/>
             <a:r>
-              <a:rPr lang="zh-TW" altLang="en-US" smtClean="0"/>
+              <a:rPr lang="zh-TW" altLang="en-US"/>
               <a:t>第三層</a:t>
             </a:r>
           </a:p>
           <a:p>
             <a:pPr lvl="3"/>
             <a:r>
-              <a:rPr lang="zh-TW" altLang="en-US" smtClean="0"/>
+              <a:rPr lang="zh-TW" altLang="en-US"/>
               <a:t>第四層</a:t>
             </a:r>
           </a:p>
           <a:p>
             <a:pPr lvl="4"/>
             <a:r>
-              <a:rPr lang="zh-TW" altLang="en-US" smtClean="0"/>
+              <a:rPr lang="zh-TW" altLang="en-US"/>
               <a:t>第五層</a:t>
             </a:r>
+          </a:p>
+        </p:txBody>
+      </p:sp>
+      <p:sp>
+        <p:nvSpPr>
+          <p:cNvPr id="4" name="日期版面配置區 3"/>
+          <p:cNvSpPr>
+            <a:spLocks noGrp="1"/>
+          </p:cNvSpPr>
+          <p:nvPr>
+            <p:ph type="dt" sz="half" idx="10"/>
+          </p:nvPr>
+        </p:nvSpPr>
+        <p:spPr/>
+        <p:txBody>
+          <a:bodyPr/>
+          <a:lstStyle/>
+          <a:p>
+            <a:r>
+              <a:rPr lang="en-US" altLang="zh-TW"/>
+              <a:t>NLP &amp; TM, Spring 2025</a:t>
+            </a:r>
             <a:endParaRPr lang="zh-TW" altLang="en-US"/>
           </a:p>
         </p:txBody>
       </p:sp>
       <p:sp>
         <p:nvSpPr>
-          <p:cNvPr id="4" name="日期版面配置區 3"/>
-          <p:cNvSpPr>
-            <a:spLocks noGrp="1"/>
-          </p:cNvSpPr>
-          <p:nvPr>
-            <p:ph type="dt" sz="half" idx="10"/>
+          <p:cNvPr id="5" name="頁尾版面配置區 4"/>
+          <p:cNvSpPr>
+            <a:spLocks noGrp="1"/>
+          </p:cNvSpPr>
+          <p:nvPr>
+            <p:ph type="ftr" sz="quarter" idx="11"/>
           </p:nvPr>
         </p:nvSpPr>
         <p:spPr/>
@@ -3051,30 +3067,7 @@
           <a:lstStyle/>
           <a:p>
             <a:r>
-              <a:rPr lang="en-US" altLang="zh-TW" smtClean="0"/>
-              <a:t>NLP &amp; TM, Spring 2024</a:t>
-            </a:r>
-            <a:endParaRPr lang="zh-TW" altLang="en-US"/>
-          </a:p>
-        </p:txBody>
-      </p:sp>
-      <p:sp>
-        <p:nvSpPr>
-          <p:cNvPr id="5" name="頁尾版面配置區 4"/>
-          <p:cNvSpPr>
-            <a:spLocks noGrp="1"/>
-          </p:cNvSpPr>
-          <p:nvPr>
-            <p:ph type="ftr" sz="quarter" idx="11"/>
-          </p:nvPr>
-        </p:nvSpPr>
-        <p:spPr/>
-        <p:txBody>
-          <a:bodyPr/>
-          <a:lstStyle/>
-          <a:p>
-            <a:r>
-              <a:rPr lang="en-US" altLang="zh-TW" smtClean="0"/>
+              <a:rPr lang="en-US" altLang="zh-TW"/>
               <a:t>NTUT CSIE</a:t>
             </a:r>
             <a:endParaRPr lang="zh-TW" altLang="en-US"/>
@@ -3150,21 +3143,94 @@
           <a:lstStyle/>
           <a:p>
             <a:r>
-              <a:rPr lang="zh-TW" altLang="en-US" smtClean="0"/>
+              <a:rPr lang="zh-TW" altLang="en-US"/>
               <a:t>按一下以編輯母片標題樣式</a:t>
             </a:r>
+          </a:p>
+        </p:txBody>
+      </p:sp>
+      <p:sp>
+        <p:nvSpPr>
+          <p:cNvPr id="3" name="內容版面配置區 2"/>
+          <p:cNvSpPr>
+            <a:spLocks noGrp="1"/>
+          </p:cNvSpPr>
+          <p:nvPr>
+            <p:ph idx="1"/>
+          </p:nvPr>
+        </p:nvSpPr>
+        <p:spPr/>
+        <p:txBody>
+          <a:bodyPr/>
+          <a:lstStyle/>
+          <a:p>
+            <a:pPr lvl="0"/>
+            <a:r>
+              <a:rPr lang="zh-TW" altLang="en-US"/>
+              <a:t>編輯母片文字樣式</a:t>
+            </a:r>
+          </a:p>
+          <a:p>
+            <a:pPr lvl="1"/>
+            <a:r>
+              <a:rPr lang="zh-TW" altLang="en-US"/>
+              <a:t>第二層</a:t>
+            </a:r>
+          </a:p>
+          <a:p>
+            <a:pPr lvl="2"/>
+            <a:r>
+              <a:rPr lang="zh-TW" altLang="en-US"/>
+              <a:t>第三層</a:t>
+            </a:r>
+          </a:p>
+          <a:p>
+            <a:pPr lvl="3"/>
+            <a:r>
+              <a:rPr lang="zh-TW" altLang="en-US"/>
+              <a:t>第四層</a:t>
+            </a:r>
+          </a:p>
+          <a:p>
+            <a:pPr lvl="4"/>
+            <a:r>
+              <a:rPr lang="zh-TW" altLang="en-US"/>
+              <a:t>第五層</a:t>
+            </a:r>
+          </a:p>
+        </p:txBody>
+      </p:sp>
+      <p:sp>
+        <p:nvSpPr>
+          <p:cNvPr id="4" name="日期版面配置區 3"/>
+          <p:cNvSpPr>
+            <a:spLocks noGrp="1"/>
+          </p:cNvSpPr>
+          <p:nvPr>
+            <p:ph type="dt" sz="half" idx="10"/>
+          </p:nvPr>
+        </p:nvSpPr>
+        <p:spPr/>
+        <p:txBody>
+          <a:bodyPr/>
+          <a:lstStyle/>
+          <a:p>
+            <a:r>
+              <a:rPr lang="en-US" altLang="zh-TW"/>
+              <a:t>NLP &amp; TM, Spring 2025</a:t>
+            </a:r>
             <a:endParaRPr lang="zh-TW" altLang="en-US"/>
           </a:p>
         </p:txBody>
       </p:sp>
       <p:sp>
         <p:nvSpPr>
-          <p:cNvPr id="3" name="內容版面配置區 2"/>
-          <p:cNvSpPr>
-            <a:spLocks noGrp="1"/>
-          </p:cNvSpPr>
-          <p:nvPr>
-            <p:ph idx="1"/>
+          <p:cNvPr id="5" name="頁尾版面配置區 4"/>
+          <p:cNvSpPr>
+            <a:spLocks noGrp="1"/>
+          </p:cNvSpPr>
+          <p:nvPr>
+            <p:ph type="ftr" sz="quarter" idx="11"/>
           </p:nvPr>
         </p:nvSpPr>
         <p:spPr/>
@@ -3172,83 +3238,8 @@
           <a:bodyPr/>
           <a:lstStyle/>
           <a:p>
-            <a:pPr lvl="0"/>
-            <a:r>
-              <a:rPr lang="zh-TW" altLang="en-US" smtClean="0"/>
-              <a:t>編輯母片文字樣式</a:t>
-            </a:r>
-          </a:p>
-          <a:p>
-            <a:pPr lvl="1"/>
-            <a:r>
-              <a:rPr lang="zh-TW" altLang="en-US" smtClean="0"/>
-              <a:t>第二層</a:t>
-            </a:r>
-          </a:p>
-          <a:p>
-            <a:pPr lvl="2"/>
-            <a:r>
-              <a:rPr lang="zh-TW" altLang="en-US" smtClean="0"/>
-              <a:t>第三層</a:t>
-            </a:r>
-          </a:p>
-          <a:p>
-            <a:pPr lvl="3"/>
-            <a:r>
-              <a:rPr lang="zh-TW" altLang="en-US" smtClean="0"/>
-              <a:t>第四層</a:t>
-            </a:r>
-          </a:p>
-          <a:p>
-            <a:pPr lvl="4"/>
-            <a:r>
-              <a:rPr lang="zh-TW" altLang="en-US" smtClean="0"/>
-              <a:t>第五層</a:t>
-            </a:r>
-            <a:endParaRPr lang="zh-TW" altLang="en-US"/>
-          </a:p>
-        </p:txBody>
-      </p:sp>
-      <p:sp>
-        <p:nvSpPr>
-          <p:cNvPr id="4" name="日期版面配置區 3"/>
-          <p:cNvSpPr>
-            <a:spLocks noGrp="1"/>
-          </p:cNvSpPr>
-          <p:nvPr>
-            <p:ph type="dt" sz="half" idx="10"/>
-          </p:nvPr>
-        </p:nvSpPr>
-        <p:spPr/>
-        <p:txBody>
-          <a:bodyPr/>
-          <a:lstStyle/>
-          <a:p>
-            <a:r>
-              <a:rPr lang="en-US" altLang="zh-TW" smtClean="0"/>
-              <a:t>NLP &amp; TM, Spring 2024</a:t>
-            </a:r>
-            <a:endParaRPr lang="zh-TW" altLang="en-US"/>
-          </a:p>
-        </p:txBody>
-      </p:sp>
-      <p:sp>
-        <p:nvSpPr>
-          <p:cNvPr id="5" name="頁尾版面配置區 4"/>
-          <p:cNvSpPr>
-            <a:spLocks noGrp="1"/>
-          </p:cNvSpPr>
-          <p:nvPr>
-            <p:ph type="ftr" sz="quarter" idx="11"/>
-          </p:nvPr>
-        </p:nvSpPr>
-        <p:spPr/>
-        <p:txBody>
-          <a:bodyPr/>
-          <a:lstStyle/>
-          <a:p>
-            <a:r>
-              <a:rPr lang="en-US" altLang="zh-TW" smtClean="0"/>
+            <a:r>
+              <a:rPr lang="en-US" altLang="zh-TW"/>
               <a:t>NTUT CSIE</a:t>
             </a:r>
             <a:endParaRPr lang="zh-TW" altLang="en-US"/>
@@ -3333,10 +3324,9 @@
           </a:lstStyle>
           <a:p>
             <a:r>
-              <a:rPr lang="zh-TW" altLang="en-US" smtClean="0"/>
+              <a:rPr lang="zh-TW" altLang="en-US"/>
               <a:t>按一下以編輯母片標題樣式</a:t>
             </a:r>
-            <a:endParaRPr lang="zh-TW" altLang="en-US"/>
           </a:p>
         </p:txBody>
       </p:sp>
@@ -3453,7 +3443,7 @@
           <a:p>
             <a:pPr lvl="0"/>
             <a:r>
-              <a:rPr lang="zh-TW" altLang="en-US" smtClean="0"/>
+              <a:rPr lang="zh-TW" altLang="en-US"/>
               <a:t>編輯母片文字樣式</a:t>
             </a:r>
           </a:p>
@@ -3475,8 +3465,8 @@
           <a:lstStyle/>
           <a:p>
             <a:r>
-              <a:rPr lang="en-US" altLang="zh-TW" smtClean="0"/>
-              <a:t>NLP &amp; TM, Spring 2024</a:t>
+              <a:rPr lang="en-US" altLang="zh-TW"/>
+              <a:t>NLP &amp; TM, Spring 2025</a:t>
             </a:r>
             <a:endParaRPr lang="zh-TW" altLang="en-US"/>
           </a:p>
@@ -3498,7 +3488,7 @@
           <a:lstStyle/>
           <a:p>
             <a:r>
-              <a:rPr lang="en-US" altLang="zh-TW" smtClean="0"/>
+              <a:rPr lang="en-US" altLang="zh-TW"/>
               <a:t>NTUT CSIE</a:t>
             </a:r>
             <a:endParaRPr lang="zh-TW" altLang="en-US"/>
@@ -3574,10 +3564,9 @@
           <a:lstStyle/>
           <a:p>
             <a:r>
-              <a:rPr lang="zh-TW" altLang="en-US" smtClean="0"/>
+              <a:rPr lang="zh-TW" altLang="en-US"/>
               <a:t>按一下以編輯母片標題樣式</a:t>
             </a:r>
-            <a:endParaRPr lang="zh-TW" altLang="en-US"/>
           </a:p>
         </p:txBody>
       </p:sp>
@@ -3603,38 +3592,37 @@
           <a:p>
             <a:pPr lvl="0"/>
             <a:r>
-              <a:rPr lang="zh-TW" altLang="en-US" smtClean="0"/>
+              <a:rPr lang="zh-TW" altLang="en-US"/>
               <a:t>編輯母片文字樣式</a:t>
             </a:r>
           </a:p>
           <a:p>
             <a:pPr lvl="1"/>
             <a:r>
-              <a:rPr lang="zh-TW" altLang="en-US" smtClean="0"/>
+              <a:rPr lang="zh-TW" altLang="en-US"/>
               <a:t>第二層</a:t>
             </a:r>
           </a:p>
           <a:p>
             <a:pPr lvl="2"/>
             <a:r>
-              <a:rPr lang="zh-TW" altLang="en-US" smtClean="0"/>
+              <a:rPr lang="zh-TW" altLang="en-US"/>
               <a:t>第三層</a:t>
             </a:r>
           </a:p>
           <a:p>
             <a:pPr lvl="3"/>
             <a:r>
-              <a:rPr lang="zh-TW" altLang="en-US" smtClean="0"/>
+              <a:rPr lang="zh-TW" altLang="en-US"/>
               <a:t>第四層</a:t>
             </a:r>
           </a:p>
           <a:p>
             <a:pPr lvl="4"/>
             <a:r>
-              <a:rPr lang="zh-TW" altLang="en-US" smtClean="0"/>
+              <a:rPr lang="zh-TW" altLang="en-US"/>
               <a:t>第五層</a:t>
             </a:r>
-            <a:endParaRPr lang="zh-TW" altLang="en-US"/>
           </a:p>
         </p:txBody>
       </p:sp>
@@ -3660,49 +3648,71 @@
           <a:p>
             <a:pPr lvl="0"/>
             <a:r>
-              <a:rPr lang="zh-TW" altLang="en-US" smtClean="0"/>
+              <a:rPr lang="zh-TW" altLang="en-US"/>
               <a:t>編輯母片文字樣式</a:t>
             </a:r>
           </a:p>
           <a:p>
             <a:pPr lvl="1"/>
             <a:r>
-              <a:rPr lang="zh-TW" altLang="en-US" smtClean="0"/>
+              <a:rPr lang="zh-TW" altLang="en-US"/>
               <a:t>第二層</a:t>
             </a:r>
           </a:p>
           <a:p>
             <a:pPr lvl="2"/>
             <a:r>
-              <a:rPr lang="zh-TW" altLang="en-US" smtClean="0"/>
+              <a:rPr lang="zh-TW" altLang="en-US"/>
               <a:t>第三層</a:t>
             </a:r>
           </a:p>
           <a:p>
             <a:pPr lvl="3"/>
             <a:r>
-              <a:rPr lang="zh-TW" altLang="en-US" smtClean="0"/>
+              <a:rPr lang="zh-TW" altLang="en-US"/>
               <a:t>第四層</a:t>
             </a:r>
           </a:p>
           <a:p>
             <a:pPr lvl="4"/>
             <a:r>
-              <a:rPr lang="zh-TW" altLang="en-US" smtClean="0"/>
+              <a:rPr lang="zh-TW" altLang="en-US"/>
               <a:t>第五層</a:t>
             </a:r>
+          </a:p>
+        </p:txBody>
+      </p:sp>
+      <p:sp>
+        <p:nvSpPr>
+          <p:cNvPr id="5" name="日期版面配置區 4"/>
+          <p:cNvSpPr>
+            <a:spLocks noGrp="1"/>
+          </p:cNvSpPr>
+          <p:nvPr>
+            <p:ph type="dt" sz="half" idx="10"/>
+          </p:nvPr>
+        </p:nvSpPr>
+        <p:spPr/>
+        <p:txBody>
+          <a:bodyPr/>
+          <a:lstStyle/>
+          <a:p>
+            <a:r>
+              <a:rPr lang="en-US" altLang="zh-TW"/>
+              <a:t>NLP &amp; TM, Spring 2025</a:t>
+            </a:r>
             <a:endParaRPr lang="zh-TW" altLang="en-US"/>
           </a:p>
         </p:txBody>
       </p:sp>
       <p:sp>
         <p:nvSpPr>
-          <p:cNvPr id="5" name="日期版面配置區 4"/>
-          <p:cNvSpPr>
-            <a:spLocks noGrp="1"/>
-          </p:cNvSpPr>
-          <p:nvPr>
-            <p:ph type="dt" sz="half" idx="10"/>
+          <p:cNvPr id="6" name="頁尾版面配置區 5"/>
+          <p:cNvSpPr>
+            <a:spLocks noGrp="1"/>
+          </p:cNvSpPr>
+          <p:nvPr>
+            <p:ph type="ftr" sz="quarter" idx="11"/>
           </p:nvPr>
         </p:nvSpPr>
         <p:spPr/>
@@ -3711,30 +3721,7 @@
           <a:lstStyle/>
           <a:p>
             <a:r>
-              <a:rPr lang="en-US" altLang="zh-TW" smtClean="0"/>
-              <a:t>NLP &amp; TM, Spring 2024</a:t>
-            </a:r>
-            <a:endParaRPr lang="zh-TW" altLang="en-US"/>
-          </a:p>
-        </p:txBody>
-      </p:sp>
-      <p:sp>
-        <p:nvSpPr>
-          <p:cNvPr id="6" name="頁尾版面配置區 5"/>
-          <p:cNvSpPr>
-            <a:spLocks noGrp="1"/>
-          </p:cNvSpPr>
-          <p:nvPr>
-            <p:ph type="ftr" sz="quarter" idx="11"/>
-          </p:nvPr>
-        </p:nvSpPr>
-        <p:spPr/>
-        <p:txBody>
-          <a:bodyPr/>
-          <a:lstStyle/>
-          <a:p>
-            <a:r>
-              <a:rPr lang="en-US" altLang="zh-TW" smtClean="0"/>
+              <a:rPr lang="en-US" altLang="zh-TW"/>
               <a:t>NTUT CSIE</a:t>
             </a:r>
             <a:endParaRPr lang="zh-TW" altLang="en-US"/>
@@ -3815,10 +3802,9 @@
           <a:lstStyle/>
           <a:p>
             <a:r>
-              <a:rPr lang="zh-TW" altLang="en-US" smtClean="0"/>
+              <a:rPr lang="zh-TW" altLang="en-US"/>
               <a:t>按一下以編輯母片標題樣式</a:t>
             </a:r>
-            <a:endParaRPr lang="zh-TW" altLang="en-US"/>
           </a:p>
         </p:txBody>
       </p:sp>
@@ -3881,7 +3867,7 @@
           <a:p>
             <a:pPr lvl="0"/>
             <a:r>
-              <a:rPr lang="zh-TW" altLang="en-US" smtClean="0"/>
+              <a:rPr lang="zh-TW" altLang="en-US"/>
               <a:t>編輯母片文字樣式</a:t>
             </a:r>
           </a:p>
@@ -3909,38 +3895,37 @@
           <a:p>
             <a:pPr lvl="0"/>
             <a:r>
-              <a:rPr lang="zh-TW" altLang="en-US" smtClean="0"/>
+              <a:rPr lang="zh-TW" altLang="en-US"/>
               <a:t>編輯母片文字樣式</a:t>
             </a:r>
           </a:p>
           <a:p>
             <a:pPr lvl="1"/>
             <a:r>
-              <a:rPr lang="zh-TW" altLang="en-US" smtClean="0"/>
+              <a:rPr lang="zh-TW" altLang="en-US"/>
               <a:t>第二層</a:t>
             </a:r>
           </a:p>
           <a:p>
             <a:pPr lvl="2"/>
             <a:r>
-              <a:rPr lang="zh-TW" altLang="en-US" smtClean="0"/>
+              <a:rPr lang="zh-TW" altLang="en-US"/>
               <a:t>第三層</a:t>
             </a:r>
           </a:p>
           <a:p>
             <a:pPr lvl="3"/>
             <a:r>
-              <a:rPr lang="zh-TW" altLang="en-US" smtClean="0"/>
+              <a:rPr lang="zh-TW" altLang="en-US"/>
               <a:t>第四層</a:t>
             </a:r>
           </a:p>
           <a:p>
             <a:pPr lvl="4"/>
             <a:r>
-              <a:rPr lang="zh-TW" altLang="en-US" smtClean="0"/>
+              <a:rPr lang="zh-TW" altLang="en-US"/>
               <a:t>第五層</a:t>
             </a:r>
-            <a:endParaRPr lang="zh-TW" altLang="en-US"/>
           </a:p>
         </p:txBody>
       </p:sp>
@@ -4003,7 +3988,7 @@
           <a:p>
             <a:pPr lvl="0"/>
             <a:r>
-              <a:rPr lang="zh-TW" altLang="en-US" smtClean="0"/>
+              <a:rPr lang="zh-TW" altLang="en-US"/>
               <a:t>編輯母片文字樣式</a:t>
             </a:r>
           </a:p>
@@ -4031,49 +4016,71 @@
           <a:p>
             <a:pPr lvl="0"/>
             <a:r>
-              <a:rPr lang="zh-TW" altLang="en-US" smtClean="0"/>
+              <a:rPr lang="zh-TW" altLang="en-US"/>
               <a:t>編輯母片文字樣式</a:t>
             </a:r>
           </a:p>
           <a:p>
             <a:pPr lvl="1"/>
             <a:r>
-              <a:rPr lang="zh-TW" altLang="en-US" smtClean="0"/>
+              <a:rPr lang="zh-TW" altLang="en-US"/>
               <a:t>第二層</a:t>
             </a:r>
           </a:p>
           <a:p>
             <a:pPr lvl="2"/>
             <a:r>
-              <a:rPr lang="zh-TW" altLang="en-US" smtClean="0"/>
+              <a:rPr lang="zh-TW" altLang="en-US"/>
               <a:t>第三層</a:t>
             </a:r>
           </a:p>
           <a:p>
             <a:pPr lvl="3"/>
             <a:r>
-              <a:rPr lang="zh-TW" altLang="en-US" smtClean="0"/>
+              <a:rPr lang="zh-TW" altLang="en-US"/>
               <a:t>第四層</a:t>
             </a:r>
           </a:p>
           <a:p>
             <a:pPr lvl="4"/>
             <a:r>
-              <a:rPr lang="zh-TW" altLang="en-US" smtClean="0"/>
+              <a:rPr lang="zh-TW" altLang="en-US"/>
               <a:t>第五層</a:t>
             </a:r>
+          </a:p>
+        </p:txBody>
+      </p:sp>
+      <p:sp>
+        <p:nvSpPr>
+          <p:cNvPr id="7" name="日期版面配置區 6"/>
+          <p:cNvSpPr>
+            <a:spLocks noGrp="1"/>
+          </p:cNvSpPr>
+          <p:nvPr>
+            <p:ph type="dt" sz="half" idx="10"/>
+          </p:nvPr>
+        </p:nvSpPr>
+        <p:spPr/>
+        <p:txBody>
+          <a:bodyPr/>
+          <a:lstStyle/>
+          <a:p>
+            <a:r>
+              <a:rPr lang="en-US" altLang="zh-TW"/>
+              <a:t>NLP &amp; TM, Spring 2025</a:t>
+            </a:r>
             <a:endParaRPr lang="zh-TW" altLang="en-US"/>
           </a:p>
         </p:txBody>
       </p:sp>
       <p:sp>
         <p:nvSpPr>
-          <p:cNvPr id="7" name="日期版面配置區 6"/>
-          <p:cNvSpPr>
-            <a:spLocks noGrp="1"/>
-          </p:cNvSpPr>
-          <p:nvPr>
-            <p:ph type="dt" sz="half" idx="10"/>
+          <p:cNvPr id="8" name="頁尾版面配置區 7"/>
+          <p:cNvSpPr>
+            <a:spLocks noGrp="1"/>
+          </p:cNvSpPr>
+          <p:nvPr>
+            <p:ph type="ftr" sz="quarter" idx="11"/>
           </p:nvPr>
         </p:nvSpPr>
         <p:spPr/>
@@ -4082,30 +4089,7 @@
           <a:lstStyle/>
           <a:p>
             <a:r>
-              <a:rPr lang="en-US" altLang="zh-TW" smtClean="0"/>
-              <a:t>NLP &amp; TM, Spring 2024</a:t>
-            </a:r>
-            <a:endParaRPr lang="zh-TW" altLang="en-US"/>
-          </a:p>
-        </p:txBody>
-      </p:sp>
-      <p:sp>
-        <p:nvSpPr>
-          <p:cNvPr id="8" name="頁尾版面配置區 7"/>
-          <p:cNvSpPr>
-            <a:spLocks noGrp="1"/>
-          </p:cNvSpPr>
-          <p:nvPr>
-            <p:ph type="ftr" sz="quarter" idx="11"/>
-          </p:nvPr>
-        </p:nvSpPr>
-        <p:spPr/>
-        <p:txBody>
-          <a:bodyPr/>
-          <a:lstStyle/>
-          <a:p>
-            <a:r>
-              <a:rPr lang="en-US" altLang="zh-TW" smtClean="0"/>
+              <a:rPr lang="en-US" altLang="zh-TW"/>
               <a:t>NTUT CSIE</a:t>
             </a:r>
             <a:endParaRPr lang="zh-TW" altLang="en-US"/>
@@ -4181,21 +4165,43 @@
           <a:lstStyle/>
           <a:p>
             <a:r>
-              <a:rPr lang="zh-TW" altLang="en-US" smtClean="0"/>
+              <a:rPr lang="zh-TW" altLang="en-US"/>
               <a:t>按一下以編輯母片標題樣式</a:t>
             </a:r>
+          </a:p>
+        </p:txBody>
+      </p:sp>
+      <p:sp>
+        <p:nvSpPr>
+          <p:cNvPr id="3" name="日期版面配置區 2"/>
+          <p:cNvSpPr>
+            <a:spLocks noGrp="1"/>
+          </p:cNvSpPr>
+          <p:nvPr>
+            <p:ph type="dt" sz="half" idx="10"/>
+          </p:nvPr>
+        </p:nvSpPr>
+        <p:spPr/>
+        <p:txBody>
+          <a:bodyPr/>
+          <a:lstStyle/>
+          <a:p>
+            <a:r>
+              <a:rPr lang="en-US" altLang="zh-TW"/>
+              <a:t>NLP &amp; TM, Spring 2025</a:t>
+            </a:r>
             <a:endParaRPr lang="zh-TW" altLang="en-US"/>
           </a:p>
         </p:txBody>
       </p:sp>
       <p:sp>
         <p:nvSpPr>
-          <p:cNvPr id="3" name="日期版面配置區 2"/>
-          <p:cNvSpPr>
-            <a:spLocks noGrp="1"/>
-          </p:cNvSpPr>
-          <p:nvPr>
-            <p:ph type="dt" sz="half" idx="10"/>
+          <p:cNvPr id="4" name="頁尾版面配置區 3"/>
+          <p:cNvSpPr>
+            <a:spLocks noGrp="1"/>
+          </p:cNvSpPr>
+          <p:nvPr>
+            <p:ph type="ftr" sz="quarter" idx="11"/>
           </p:nvPr>
         </p:nvSpPr>
         <p:spPr/>
@@ -4204,30 +4210,7 @@
           <a:lstStyle/>
           <a:p>
             <a:r>
-              <a:rPr lang="en-US" altLang="zh-TW" smtClean="0"/>
-              <a:t>NLP &amp; TM, Spring 2024</a:t>
-            </a:r>
-            <a:endParaRPr lang="zh-TW" altLang="en-US"/>
-          </a:p>
-        </p:txBody>
-      </p:sp>
-      <p:sp>
-        <p:nvSpPr>
-          <p:cNvPr id="4" name="頁尾版面配置區 3"/>
-          <p:cNvSpPr>
-            <a:spLocks noGrp="1"/>
-          </p:cNvSpPr>
-          <p:nvPr>
-            <p:ph type="ftr" sz="quarter" idx="11"/>
-          </p:nvPr>
-        </p:nvSpPr>
-        <p:spPr/>
-        <p:txBody>
-          <a:bodyPr/>
-          <a:lstStyle/>
-          <a:p>
-            <a:r>
-              <a:rPr lang="en-US" altLang="zh-TW" smtClean="0"/>
+              <a:rPr lang="en-US" altLang="zh-TW"/>
               <a:t>NTUT CSIE</a:t>
             </a:r>
             <a:endParaRPr lang="zh-TW" altLang="en-US"/>
@@ -4303,8 +4286,8 @@
           <a:lstStyle/>
           <a:p>
             <a:r>
-              <a:rPr lang="en-US" altLang="zh-TW" smtClean="0"/>
-              <a:t>NLP &amp; TM, Spring 2024</a:t>
+              <a:rPr lang="en-US" altLang="zh-TW"/>
+              <a:t>NLP &amp; TM, Spring 2025</a:t>
             </a:r>
             <a:endParaRPr lang="zh-TW" altLang="en-US"/>
           </a:p>
@@ -4326,7 +4309,7 @@
           <a:lstStyle/>
           <a:p>
             <a:r>
-              <a:rPr lang="en-US" altLang="zh-TW" smtClean="0"/>
+              <a:rPr lang="en-US" altLang="zh-TW"/>
               <a:t>NTUT CSIE</a:t>
             </a:r>
             <a:endParaRPr lang="zh-TW" altLang="en-US"/>
@@ -4411,10 +4394,9 @@
           </a:lstStyle>
           <a:p>
             <a:r>
-              <a:rPr lang="zh-TW" altLang="en-US" smtClean="0"/>
+              <a:rPr lang="zh-TW" altLang="en-US"/>
               <a:t>按一下以編輯母片標題樣式</a:t>
             </a:r>
-            <a:endParaRPr lang="zh-TW" altLang="en-US"/>
           </a:p>
         </p:txBody>
       </p:sp>
@@ -4468,38 +4450,37 @@
           <a:p>
             <a:pPr lvl="0"/>
             <a:r>
-              <a:rPr lang="zh-TW" altLang="en-US" smtClean="0"/>
+              <a:rPr lang="zh-TW" altLang="en-US"/>
               <a:t>編輯母片文字樣式</a:t>
             </a:r>
           </a:p>
           <a:p>
             <a:pPr lvl="1"/>
             <a:r>
-              <a:rPr lang="zh-TW" altLang="en-US" smtClean="0"/>
+              <a:rPr lang="zh-TW" altLang="en-US"/>
               <a:t>第二層</a:t>
             </a:r>
           </a:p>
           <a:p>
             <a:pPr lvl="2"/>
             <a:r>
-              <a:rPr lang="zh-TW" altLang="en-US" smtClean="0"/>
+              <a:rPr lang="zh-TW" altLang="en-US"/>
               <a:t>第三層</a:t>
             </a:r>
           </a:p>
           <a:p>
             <a:pPr lvl="3"/>
             <a:r>
-              <a:rPr lang="zh-TW" altLang="en-US" smtClean="0"/>
+              <a:rPr lang="zh-TW" altLang="en-US"/>
               <a:t>第四層</a:t>
             </a:r>
           </a:p>
           <a:p>
             <a:pPr lvl="4"/>
             <a:r>
-              <a:rPr lang="zh-TW" altLang="en-US" smtClean="0"/>
+              <a:rPr lang="zh-TW" altLang="en-US"/>
               <a:t>第五層</a:t>
             </a:r>
-            <a:endParaRPr lang="zh-TW" altLang="en-US"/>
           </a:p>
         </p:txBody>
       </p:sp>
@@ -4562,7 +4543,7 @@
           <a:p>
             <a:pPr lvl="0"/>
             <a:r>
-              <a:rPr lang="zh-TW" altLang="en-US" smtClean="0"/>
+              <a:rPr lang="zh-TW" altLang="en-US"/>
               <a:t>編輯母片文字樣式</a:t>
             </a:r>
           </a:p>
@@ -4584,8 +4565,8 @@
           <a:lstStyle/>
           <a:p>
             <a:r>
-              <a:rPr lang="en-US" altLang="zh-TW" smtClean="0"/>
-              <a:t>NLP &amp; TM, Spring 2024</a:t>
+              <a:rPr lang="en-US" altLang="zh-TW"/>
+              <a:t>NLP &amp; TM, Spring 2025</a:t>
             </a:r>
             <a:endParaRPr lang="zh-TW" altLang="en-US"/>
           </a:p>
@@ -4607,7 +4588,7 @@
           <a:lstStyle/>
           <a:p>
             <a:r>
-              <a:rPr lang="en-US" altLang="zh-TW" smtClean="0"/>
+              <a:rPr lang="en-US" altLang="zh-TW"/>
               <a:t>NTUT CSIE</a:t>
             </a:r>
             <a:endParaRPr lang="zh-TW" altLang="en-US"/>
@@ -4692,10 +4673,9 @@
           </a:lstStyle>
           <a:p>
             <a:r>
-              <a:rPr lang="zh-TW" altLang="en-US" smtClean="0"/>
+              <a:rPr lang="zh-TW" altLang="en-US"/>
               <a:t>按一下以編輯母片標題樣式</a:t>
             </a:r>
-            <a:endParaRPr lang="zh-TW" altLang="en-US"/>
           </a:p>
         </p:txBody>
       </p:sp>
@@ -4819,7 +4799,7 @@
           <a:p>
             <a:pPr lvl="0"/>
             <a:r>
-              <a:rPr lang="zh-TW" altLang="en-US" smtClean="0"/>
+              <a:rPr lang="zh-TW" altLang="en-US"/>
               <a:t>編輯母片文字樣式</a:t>
             </a:r>
           </a:p>
@@ -4841,8 +4821,8 @@
           <a:lstStyle/>
           <a:p>
             <a:r>
-              <a:rPr lang="en-US" altLang="zh-TW" smtClean="0"/>
-              <a:t>NLP &amp; TM, Spring 2024</a:t>
+              <a:rPr lang="en-US" altLang="zh-TW"/>
+              <a:t>NLP &amp; TM, Spring 2025</a:t>
             </a:r>
             <a:endParaRPr lang="zh-TW" altLang="en-US"/>
           </a:p>
@@ -4864,7 +4844,7 @@
           <a:lstStyle/>
           <a:p>
             <a:r>
-              <a:rPr lang="en-US" altLang="zh-TW" smtClean="0"/>
+              <a:rPr lang="en-US" altLang="zh-TW"/>
               <a:t>NTUT CSIE</a:t>
             </a:r>
             <a:endParaRPr lang="zh-TW" altLang="en-US"/>
@@ -4955,10 +4935,9 @@
           <a:lstStyle/>
           <a:p>
             <a:r>
-              <a:rPr lang="zh-TW" altLang="en-US" smtClean="0"/>
+              <a:rPr lang="zh-TW" altLang="en-US"/>
               <a:t>按一下以編輯母片標題樣式</a:t>
             </a:r>
-            <a:endParaRPr lang="zh-TW" altLang="en-US"/>
           </a:p>
         </p:txBody>
       </p:sp>
@@ -4989,38 +4968,37 @@
           <a:p>
             <a:pPr lvl="0"/>
             <a:r>
-              <a:rPr lang="zh-TW" altLang="en-US" smtClean="0"/>
+              <a:rPr lang="zh-TW" altLang="en-US"/>
               <a:t>編輯母片文字樣式</a:t>
             </a:r>
           </a:p>
           <a:p>
             <a:pPr lvl="1"/>
             <a:r>
-              <a:rPr lang="zh-TW" altLang="en-US" smtClean="0"/>
+              <a:rPr lang="zh-TW" altLang="en-US"/>
               <a:t>第二層</a:t>
             </a:r>
           </a:p>
           <a:p>
             <a:pPr lvl="2"/>
             <a:r>
-              <a:rPr lang="zh-TW" altLang="en-US" smtClean="0"/>
+              <a:rPr lang="zh-TW" altLang="en-US"/>
               <a:t>第三層</a:t>
             </a:r>
           </a:p>
           <a:p>
             <a:pPr lvl="3"/>
             <a:r>
-              <a:rPr lang="zh-TW" altLang="en-US" smtClean="0"/>
+              <a:rPr lang="zh-TW" altLang="en-US"/>
               <a:t>第四層</a:t>
             </a:r>
           </a:p>
           <a:p>
             <a:pPr lvl="4"/>
             <a:r>
-              <a:rPr lang="zh-TW" altLang="en-US" smtClean="0"/>
+              <a:rPr lang="zh-TW" altLang="en-US"/>
               <a:t>第五層</a:t>
             </a:r>
-            <a:endParaRPr lang="zh-TW" altLang="en-US"/>
           </a:p>
         </p:txBody>
       </p:sp>
@@ -5058,8 +5036,8 @@
           </a:lstStyle>
           <a:p>
             <a:r>
-              <a:rPr lang="en-US" altLang="zh-TW" smtClean="0"/>
-              <a:t>NLP &amp; TM, Spring 2024</a:t>
+              <a:rPr lang="en-US" altLang="zh-TW"/>
+              <a:t>NLP &amp; TM, Spring 2025</a:t>
             </a:r>
             <a:endParaRPr lang="zh-TW" altLang="en-US"/>
           </a:p>
@@ -5099,7 +5077,7 @@
           </a:lstStyle>
           <a:p>
             <a:r>
-              <a:rPr lang="en-US" altLang="zh-TW" smtClean="0"/>
+              <a:rPr lang="en-US" altLang="zh-TW"/>
               <a:t>NTUT CSIE</a:t>
             </a:r>
             <a:endParaRPr lang="zh-TW" altLang="en-US"/>
@@ -5485,7 +5463,7 @@
           <a:lstStyle/>
           <a:p>
             <a:r>
-              <a:rPr lang="en-US" altLang="zh-TW" dirty="0" smtClean="0"/>
+              <a:rPr lang="en-US" altLang="zh-TW" dirty="0"/>
               <a:t>Introduction to Natural Language Processing</a:t>
             </a:r>
             <a:endParaRPr lang="zh-TW" altLang="en-US" dirty="0"/>
@@ -5507,26 +5485,18 @@
           <a:bodyPr/>
           <a:lstStyle/>
           <a:p>
-            <a:endParaRPr lang="en-US" altLang="zh-TW" dirty="0" smtClean="0"/>
-          </a:p>
-          <a:p>
-            <a:r>
-              <a:rPr lang="en-US" altLang="zh-TW" dirty="0" smtClean="0"/>
+            <a:endParaRPr lang="en-US" altLang="zh-TW" dirty="0"/>
+          </a:p>
+          <a:p>
+            <a:r>
+              <a:rPr lang="en-US" altLang="zh-TW" dirty="0"/>
               <a:t>By J. H. Wang</a:t>
             </a:r>
           </a:p>
           <a:p>
             <a:r>
-              <a:rPr lang="en-US" altLang="zh-TW" dirty="0" smtClean="0"/>
-              <a:t>Feb. </a:t>
-            </a:r>
-            <a:r>
-              <a:rPr lang="en-US" altLang="zh-TW" smtClean="0"/>
-              <a:t>21, </a:t>
-            </a:r>
-            <a:r>
-              <a:rPr lang="en-US" altLang="zh-TW" dirty="0" smtClean="0"/>
-              <a:t>2024</a:t>
+              <a:rPr lang="en-US" altLang="zh-TW" dirty="0"/>
+              <a:t>Feb. 25, 2025</a:t>
             </a:r>
             <a:endParaRPr lang="zh-TW" altLang="en-US" dirty="0"/>
           </a:p>
@@ -5548,8 +5518,8 @@
           <a:lstStyle/>
           <a:p>
             <a:r>
-              <a:rPr lang="en-US" altLang="zh-TW" smtClean="0"/>
-              <a:t>NLP &amp; TM, Spring 2024</a:t>
+              <a:rPr lang="en-US" altLang="zh-TW"/>
+              <a:t>NLP &amp; TM, Spring 2025</a:t>
             </a:r>
             <a:endParaRPr lang="zh-TW" altLang="en-US"/>
           </a:p>
@@ -5571,7 +5541,7 @@
           <a:lstStyle/>
           <a:p>
             <a:r>
-              <a:rPr lang="en-US" altLang="zh-TW" smtClean="0"/>
+              <a:rPr lang="en-US" altLang="zh-TW"/>
               <a:t>NTUT CSIE</a:t>
             </a:r>
             <a:endParaRPr lang="zh-TW" altLang="en-US"/>
@@ -5611,13 +5581,6 @@
   <p:clrMapOvr>
     <a:masterClrMapping/>
   </p:clrMapOvr>
-  <p:timing>
-    <p:tnLst>
-      <p:par>
-        <p:cTn id="1" dur="indefinite" restart="never" nodeType="tmRoot"/>
-      </p:par>
-    </p:tnLst>
-  </p:timing>
 </p:sld>
 </file>
 
@@ -5659,10 +5622,9 @@
           <a:lstStyle/>
           <a:p>
             <a:r>
-              <a:rPr lang="en-US" dirty="0" smtClean="0"/>
+              <a:rPr lang="en-US" dirty="0"/>
               <a:t>Machine Translation</a:t>
             </a:r>
-            <a:endParaRPr lang="en-US" dirty="0"/>
           </a:p>
         </p:txBody>
       </p:sp>
@@ -6245,8 +6207,8 @@
           <a:lstStyle/>
           <a:p>
             <a:r>
-              <a:rPr lang="en-US" altLang="zh-TW" smtClean="0"/>
-              <a:t>NLP &amp; TM, Spring 2024</a:t>
+              <a:rPr lang="en-US" altLang="zh-TW"/>
+              <a:t>NLP &amp; TM, Spring 2025</a:t>
             </a:r>
             <a:endParaRPr lang="zh-TW" altLang="en-US"/>
           </a:p>
@@ -6268,7 +6230,7 @@
           <a:lstStyle/>
           <a:p>
             <a:r>
-              <a:rPr lang="en-US" altLang="zh-TW" smtClean="0"/>
+              <a:rPr lang="en-US" altLang="zh-TW"/>
               <a:t>NTUT CSIE</a:t>
             </a:r>
             <a:endParaRPr lang="zh-TW" altLang="en-US"/>
@@ -13245,8 +13207,8 @@
           <a:lstStyle/>
           <a:p>
             <a:r>
-              <a:rPr lang="en-US" altLang="zh-TW" smtClean="0"/>
-              <a:t>NLP &amp; TM, Spring 2024</a:t>
+              <a:rPr lang="en-US" altLang="zh-TW"/>
+              <a:t>NLP &amp; TM, Spring 2025</a:t>
             </a:r>
             <a:endParaRPr lang="zh-TW" altLang="en-US"/>
           </a:p>
@@ -13268,7 +13230,7 @@
           <a:lstStyle/>
           <a:p>
             <a:r>
-              <a:rPr lang="en-US" altLang="zh-TW" smtClean="0"/>
+              <a:rPr lang="en-US" altLang="zh-TW"/>
               <a:t>NTUT CSIE</a:t>
             </a:r>
             <a:endParaRPr lang="zh-TW" altLang="en-US"/>
@@ -13308,13 +13270,6 @@
   <p:clrMapOvr>
     <a:masterClrMapping/>
   </p:clrMapOvr>
-  <p:timing>
-    <p:tnLst>
-      <p:par>
-        <p:cTn id="1" dur="indefinite" restart="never" nodeType="tmRoot"/>
-      </p:par>
-    </p:tnLst>
-  </p:timing>
 </p:sld>
 </file>
 
@@ -13351,7 +13306,7 @@
           <a:lstStyle/>
           <a:p>
             <a:r>
-              <a:rPr lang="en-US" altLang="zh-TW" dirty="0" smtClean="0"/>
+              <a:rPr lang="en-US" altLang="zh-TW" dirty="0"/>
               <a:t>Knowledge of Language</a:t>
             </a:r>
             <a:endParaRPr lang="zh-TW" altLang="en-US" dirty="0"/>
@@ -13375,21 +13330,12 @@
           <a:p>
             <a:r>
               <a:rPr lang="en-US" altLang="zh-TW" dirty="0"/>
-              <a:t>Phonetics and </a:t>
-            </a:r>
-            <a:r>
-              <a:rPr lang="en-US" altLang="zh-TW" dirty="0" smtClean="0"/>
-              <a:t>Phonology - </a:t>
-            </a:r>
-            <a:r>
-              <a:rPr lang="en-US" altLang="zh-TW" dirty="0"/>
-              <a:t>knowledge about linguistic sounds</a:t>
-            </a:r>
-            <a:endParaRPr lang="en-US" altLang="zh-TW" dirty="0" smtClean="0"/>
-          </a:p>
-          <a:p>
-            <a:r>
-              <a:rPr lang="en-US" altLang="zh-TW" dirty="0" smtClean="0">
+              <a:t>Phonetics and Phonology - knowledge about linguistic sounds</a:t>
+            </a:r>
+          </a:p>
+          <a:p>
+            <a:r>
+              <a:rPr lang="en-US" altLang="zh-TW" dirty="0">
                 <a:solidFill>
                   <a:srgbClr val="FF0000"/>
                 </a:solidFill>
@@ -13397,12 +13343,8 @@
               <a:t>Morphology</a:t>
             </a:r>
             <a:r>
-              <a:rPr lang="en-US" altLang="zh-TW" dirty="0" smtClean="0"/>
-              <a:t> - </a:t>
-            </a:r>
-            <a:r>
               <a:rPr lang="en-US" altLang="zh-TW" dirty="0"/>
-              <a:t>knowledge of the meaningful components of </a:t>
+              <a:t> - knowledge of the meaningful components of </a:t>
             </a:r>
             <a:r>
               <a:rPr lang="en-US" altLang="zh-TW" dirty="0">
@@ -13412,15 +13354,10 @@
               </a:rPr>
               <a:t>words</a:t>
             </a:r>
-            <a:endParaRPr lang="en-US" altLang="zh-TW" dirty="0" smtClean="0">
-              <a:solidFill>
-                <a:srgbClr val="0000FF"/>
-              </a:solidFill>
-            </a:endParaRPr>
-          </a:p>
-          <a:p>
-            <a:r>
-              <a:rPr lang="en-US" altLang="zh-TW" dirty="0" smtClean="0">
+          </a:p>
+          <a:p>
+            <a:r>
+              <a:rPr lang="en-US" altLang="zh-TW" dirty="0">
                 <a:solidFill>
                   <a:srgbClr val="FF0000"/>
                 </a:solidFill>
@@ -13428,12 +13365,8 @@
               <a:t>Syntax</a:t>
             </a:r>
             <a:r>
-              <a:rPr lang="en-US" altLang="zh-TW" dirty="0" smtClean="0"/>
-              <a:t> - </a:t>
-            </a:r>
-            <a:r>
               <a:rPr lang="en-US" altLang="zh-TW" dirty="0"/>
-              <a:t>knowledge of the </a:t>
+              <a:t> - knowledge of the </a:t>
             </a:r>
             <a:r>
               <a:rPr lang="en-US" altLang="zh-TW" dirty="0">
@@ -13447,11 +13380,10 @@
               <a:rPr lang="en-US" altLang="zh-TW" dirty="0"/>
               <a:t>between words</a:t>
             </a:r>
-            <a:endParaRPr lang="en-US" altLang="zh-TW" dirty="0" smtClean="0"/>
-          </a:p>
-          <a:p>
-            <a:r>
-              <a:rPr lang="en-US" altLang="zh-TW" dirty="0" smtClean="0">
+          </a:p>
+          <a:p>
+            <a:r>
+              <a:rPr lang="en-US" altLang="zh-TW" dirty="0">
                 <a:solidFill>
                   <a:srgbClr val="FF0000"/>
                 </a:solidFill>
@@ -13459,12 +13391,8 @@
               <a:t>Semantics </a:t>
             </a:r>
             <a:r>
-              <a:rPr lang="en-US" altLang="zh-TW" dirty="0" smtClean="0"/>
-              <a:t>- </a:t>
-            </a:r>
-            <a:r>
               <a:rPr lang="en-US" altLang="zh-TW" dirty="0"/>
-              <a:t>knowledge of </a:t>
+              <a:t>- knowledge of </a:t>
             </a:r>
             <a:r>
               <a:rPr lang="en-US" altLang="zh-TW" dirty="0">
@@ -13474,41 +13402,18 @@
               </a:rPr>
               <a:t>meaning</a:t>
             </a:r>
-            <a:endParaRPr lang="en-US" altLang="zh-TW" dirty="0" smtClean="0">
-              <a:solidFill>
-                <a:srgbClr val="0000FF"/>
-              </a:solidFill>
-            </a:endParaRPr>
-          </a:p>
-          <a:p>
-            <a:r>
-              <a:rPr lang="en-US" altLang="zh-TW" dirty="0" smtClean="0"/>
-              <a:t>Pragmatics - </a:t>
-            </a:r>
+          </a:p>
+          <a:p>
             <a:r>
               <a:rPr lang="en-US" altLang="zh-TW" dirty="0"/>
-              <a:t>knowledge of the relationship of meaning to the goals and </a:t>
-            </a:r>
-            <a:r>
-              <a:rPr lang="en-US" altLang="zh-TW" dirty="0" smtClean="0"/>
-              <a:t>intentions of </a:t>
-            </a:r>
+              <a:t>Pragmatics - knowledge of the relationship of meaning to the goals and intentions of the speaker</a:t>
+            </a:r>
+          </a:p>
+          <a:p>
             <a:r>
               <a:rPr lang="en-US" altLang="zh-TW" dirty="0"/>
-              <a:t>the speaker</a:t>
-            </a:r>
-            <a:endParaRPr lang="en-US" altLang="zh-TW" dirty="0" smtClean="0"/>
-          </a:p>
-          <a:p>
-            <a:r>
-              <a:rPr lang="en-US" altLang="zh-TW" dirty="0" smtClean="0"/>
-              <a:t>Discourse - </a:t>
-            </a:r>
-            <a:r>
-              <a:rPr lang="en-US" altLang="zh-TW" dirty="0"/>
-              <a:t>knowledge about linguistic units larger than a single utterance</a:t>
-            </a:r>
-            <a:endParaRPr lang="en-US" altLang="zh-TW" dirty="0" smtClean="0"/>
+              <a:t>Discourse - knowledge about linguistic units larger than a single utterance</a:t>
+            </a:r>
           </a:p>
           <a:p>
             <a:endParaRPr lang="zh-TW" altLang="en-US" dirty="0"/>
@@ -13531,8 +13436,8 @@
           <a:lstStyle/>
           <a:p>
             <a:r>
-              <a:rPr lang="en-US" altLang="zh-TW" smtClean="0"/>
-              <a:t>NLP &amp; TM, Spring 2024</a:t>
+              <a:rPr lang="en-US" altLang="zh-TW"/>
+              <a:t>NLP &amp; TM, Spring 2025</a:t>
             </a:r>
             <a:endParaRPr lang="zh-TW" altLang="en-US"/>
           </a:p>
@@ -13554,7 +13459,7 @@
           <a:lstStyle/>
           <a:p>
             <a:r>
-              <a:rPr lang="en-US" altLang="zh-TW" smtClean="0"/>
+              <a:rPr lang="en-US" altLang="zh-TW"/>
               <a:t>NTUT CSIE</a:t>
             </a:r>
             <a:endParaRPr lang="zh-TW" altLang="en-US"/>
@@ -13594,13 +13499,6 @@
   <p:clrMapOvr>
     <a:masterClrMapping/>
   </p:clrMapOvr>
-  <p:timing>
-    <p:tnLst>
-      <p:par>
-        <p:cTn id="1" dur="indefinite" restart="never" nodeType="tmRoot"/>
-      </p:par>
-    </p:tnLst>
-  </p:timing>
 </p:sld>
 </file>
 
@@ -13637,7 +13535,7 @@
           <a:lstStyle/>
           <a:p>
             <a:r>
-              <a:rPr lang="en-US" altLang="zh-TW" dirty="0" smtClean="0"/>
+              <a:rPr lang="en-US" altLang="zh-TW" dirty="0"/>
               <a:t>Ambiguity</a:t>
             </a:r>
             <a:endParaRPr lang="zh-TW" altLang="en-US" dirty="0"/>
@@ -13660,12 +13558,8 @@
           <a:lstStyle/>
           <a:p>
             <a:r>
-              <a:rPr lang="en-US" altLang="zh-TW" dirty="0" smtClean="0"/>
-              <a:t>Some </a:t>
-            </a:r>
-            <a:r>
               <a:rPr lang="en-US" altLang="zh-TW" dirty="0"/>
-              <a:t>input is </a:t>
+              <a:t>Some input is </a:t>
             </a:r>
             <a:r>
               <a:rPr lang="en-US" altLang="zh-TW" b="1" dirty="0"/>
@@ -13673,54 +13567,26 @@
             </a:r>
             <a:r>
               <a:rPr lang="en-US" altLang="zh-TW" dirty="0"/>
-              <a:t>if multiple, alternative </a:t>
-            </a:r>
-            <a:r>
-              <a:rPr lang="en-US" altLang="zh-TW" dirty="0" smtClean="0"/>
-              <a:t>linguistic structures </a:t>
-            </a:r>
+              <a:t>if multiple, alternative linguistic structures can be built for it</a:t>
+            </a:r>
+          </a:p>
+          <a:p>
             <a:r>
               <a:rPr lang="en-US" altLang="zh-TW" dirty="0"/>
-              <a:t>can be built for </a:t>
-            </a:r>
-            <a:r>
-              <a:rPr lang="en-US" altLang="zh-TW" dirty="0" smtClean="0"/>
-              <a:t>it</a:t>
-            </a:r>
-          </a:p>
-          <a:p>
-            <a:r>
-              <a:rPr lang="en-US" altLang="zh-TW" dirty="0" smtClean="0"/>
               <a:t>For example: </a:t>
             </a:r>
             <a:r>
-              <a:rPr lang="en-US" altLang="zh-TW" i="1" dirty="0" smtClean="0">
+              <a:rPr lang="en-US" altLang="zh-TW" i="1" dirty="0">
                 <a:solidFill>
                   <a:srgbClr val="0000FF"/>
                 </a:solidFill>
               </a:rPr>
-              <a:t>I </a:t>
-            </a:r>
-            <a:r>
-              <a:rPr lang="en-US" altLang="zh-TW" i="1" dirty="0">
-                <a:solidFill>
-                  <a:srgbClr val="0000FF"/>
-                </a:solidFill>
-              </a:rPr>
-              <a:t>made her duck</a:t>
-            </a:r>
-            <a:r>
-              <a:rPr lang="en-US" altLang="zh-TW" i="1" dirty="0" smtClean="0">
-                <a:solidFill>
-                  <a:srgbClr val="0000FF"/>
-                </a:solidFill>
-              </a:rPr>
-              <a:t>.</a:t>
-            </a:r>
-          </a:p>
-          <a:p>
-            <a:r>
-              <a:rPr lang="en-US" altLang="zh-TW" dirty="0" smtClean="0"/>
+              <a:t>I made her duck.</a:t>
+            </a:r>
+          </a:p>
+          <a:p>
+            <a:r>
+              <a:rPr lang="en-US" altLang="zh-TW" dirty="0"/>
               <a:t>What’s the meaning?</a:t>
             </a:r>
             <a:endParaRPr lang="zh-TW" altLang="en-US" dirty="0"/>
@@ -13743,8 +13609,8 @@
           <a:lstStyle/>
           <a:p>
             <a:r>
-              <a:rPr lang="en-US" altLang="zh-TW" smtClean="0"/>
-              <a:t>NLP &amp; TM, Spring 2024</a:t>
+              <a:rPr lang="en-US" altLang="zh-TW"/>
+              <a:t>NLP &amp; TM, Spring 2025</a:t>
             </a:r>
             <a:endParaRPr lang="zh-TW" altLang="en-US"/>
           </a:p>
@@ -13766,7 +13632,7 @@
           <a:lstStyle/>
           <a:p>
             <a:r>
-              <a:rPr lang="en-US" altLang="zh-TW" smtClean="0"/>
+              <a:rPr lang="en-US" altLang="zh-TW"/>
               <a:t>NTUT CSIE</a:t>
             </a:r>
             <a:endParaRPr lang="zh-TW" altLang="en-US"/>
@@ -13849,7 +13715,7 @@
           <a:lstStyle/>
           <a:p>
             <a:r>
-              <a:rPr lang="en-US" altLang="zh-TW" sz="3600" b="1" dirty="0" smtClean="0">
+              <a:rPr lang="en-US" altLang="zh-TW" sz="3600" b="1" dirty="0">
                 <a:solidFill>
                   <a:srgbClr val="FF0000"/>
                 </a:solidFill>
@@ -13874,13 +13740,6 @@
   <p:clrMapOvr>
     <a:masterClrMapping/>
   </p:clrMapOvr>
-  <p:timing>
-    <p:tnLst>
-      <p:par>
-        <p:cTn id="1" dur="indefinite" restart="never" nodeType="tmRoot"/>
-      </p:par>
-    </p:tnLst>
-  </p:timing>
 </p:sld>
 </file>
 
@@ -13917,7 +13776,7 @@
           <a:lstStyle/>
           <a:p>
             <a:r>
-              <a:rPr lang="en-US" altLang="zh-TW" dirty="0" smtClean="0"/>
+              <a:rPr lang="en-US" altLang="zh-TW" dirty="0"/>
               <a:t>Possible Answers:</a:t>
             </a:r>
             <a:endParaRPr lang="zh-TW" altLang="en-US" dirty="0"/>
@@ -13989,8 +13848,8 @@
           <a:lstStyle/>
           <a:p>
             <a:r>
-              <a:rPr lang="en-US" altLang="zh-TW" smtClean="0"/>
-              <a:t>NLP &amp; TM, Spring 2024</a:t>
+              <a:rPr lang="en-US" altLang="zh-TW"/>
+              <a:t>NLP &amp; TM, Spring 2025</a:t>
             </a:r>
             <a:endParaRPr lang="zh-TW" altLang="en-US"/>
           </a:p>
@@ -14012,7 +13871,7 @@
           <a:lstStyle/>
           <a:p>
             <a:r>
-              <a:rPr lang="en-US" altLang="zh-TW" smtClean="0"/>
+              <a:rPr lang="en-US" altLang="zh-TW"/>
               <a:t>NTUT CSIE</a:t>
             </a:r>
             <a:endParaRPr lang="zh-TW" altLang="en-US"/>
@@ -14120,7 +13979,7 @@
           <a:lstStyle/>
           <a:p>
             <a:r>
-              <a:rPr lang="en-US" altLang="zh-TW" dirty="0" smtClean="0"/>
+              <a:rPr lang="en-US" altLang="zh-TW" dirty="0"/>
               <a:t>Resolving Ambiguities</a:t>
             </a:r>
             <a:endParaRPr lang="zh-TW" altLang="en-US" dirty="0"/>
@@ -14143,54 +14002,54 @@
           <a:lstStyle/>
           <a:p>
             <a:r>
-              <a:rPr lang="en-US" altLang="zh-TW" dirty="0" smtClean="0"/>
+              <a:rPr lang="en-US" altLang="zh-TW" dirty="0"/>
               <a:t>Lexical disambiguation</a:t>
             </a:r>
           </a:p>
           <a:p>
             <a:pPr lvl="1"/>
             <a:r>
-              <a:rPr lang="en-US" altLang="zh-TW" dirty="0" smtClean="0"/>
+              <a:rPr lang="en-US" altLang="zh-TW" dirty="0"/>
               <a:t>Part-of-Speech (POS) Tagging</a:t>
             </a:r>
           </a:p>
           <a:p>
             <a:pPr lvl="2"/>
             <a:r>
-              <a:rPr lang="en-US" altLang="zh-TW" dirty="0" smtClean="0"/>
+              <a:rPr lang="en-US" altLang="zh-TW" dirty="0"/>
               <a:t>E.g. duck: noun vs. verb</a:t>
             </a:r>
           </a:p>
           <a:p>
             <a:pPr lvl="1"/>
             <a:r>
-              <a:rPr lang="en-US" altLang="zh-TW" dirty="0" smtClean="0"/>
+              <a:rPr lang="en-US" altLang="zh-TW" dirty="0"/>
               <a:t>Word sense disambiguation</a:t>
             </a:r>
           </a:p>
           <a:p>
             <a:pPr lvl="2"/>
             <a:r>
-              <a:rPr lang="en-US" altLang="zh-TW" dirty="0" smtClean="0"/>
+              <a:rPr lang="en-US" altLang="zh-TW" dirty="0"/>
               <a:t>E.g. make: create vs. cook</a:t>
             </a:r>
           </a:p>
           <a:p>
             <a:r>
-              <a:rPr lang="en-US" altLang="zh-TW" dirty="0" smtClean="0"/>
+              <a:rPr lang="en-US" altLang="zh-TW" dirty="0"/>
               <a:t>Syntactic disambiguation</a:t>
             </a:r>
           </a:p>
           <a:p>
             <a:pPr lvl="1"/>
             <a:r>
-              <a:rPr lang="en-US" altLang="zh-TW" dirty="0" smtClean="0"/>
+              <a:rPr lang="en-US" altLang="zh-TW" dirty="0"/>
               <a:t>Parsing</a:t>
             </a:r>
           </a:p>
           <a:p>
             <a:pPr lvl="1"/>
-            <a:endParaRPr lang="en-US" altLang="zh-TW" dirty="0" smtClean="0"/>
+            <a:endParaRPr lang="en-US" altLang="zh-TW" dirty="0"/>
           </a:p>
           <a:p>
             <a:pPr lvl="1"/>
@@ -14214,8 +14073,8 @@
           <a:lstStyle/>
           <a:p>
             <a:r>
-              <a:rPr lang="en-US" altLang="zh-TW" smtClean="0"/>
-              <a:t>NLP &amp; TM, Spring 2024</a:t>
+              <a:rPr lang="en-US" altLang="zh-TW"/>
+              <a:t>NLP &amp; TM, Spring 2025</a:t>
             </a:r>
             <a:endParaRPr lang="zh-TW" altLang="en-US"/>
           </a:p>
@@ -14237,7 +14096,7 @@
           <a:lstStyle/>
           <a:p>
             <a:r>
-              <a:rPr lang="en-US" altLang="zh-TW" smtClean="0"/>
+              <a:rPr lang="en-US" altLang="zh-TW"/>
               <a:t>NTUT CSIE</a:t>
             </a:r>
             <a:endParaRPr lang="zh-TW" altLang="en-US"/>
@@ -15768,23 +15627,7 @@
                 <a:ea typeface="ＭＳ Ｐゴシック" charset="0"/>
                 <a:cs typeface="ＭＳ Ｐゴシック" charset="0"/>
               </a:rPr>
-              <a:t>Why </a:t>
-            </a:r>
-            <a:r>
-              <a:rPr lang="en-US" dirty="0" smtClean="0">
-                <a:latin typeface="Lucida Sans" charset="0"/>
-                <a:ea typeface="ＭＳ Ｐゴシック" charset="0"/>
-                <a:cs typeface="ＭＳ Ｐゴシック" charset="0"/>
-              </a:rPr>
-              <a:t>else is </a:t>
-            </a:r>
-            <a:r>
-              <a:rPr lang="en-US" dirty="0">
-                <a:latin typeface="Lucida Sans" charset="0"/>
-                <a:ea typeface="ＭＳ Ｐゴシック" charset="0"/>
-                <a:cs typeface="ＭＳ Ｐゴシック" charset="0"/>
-              </a:rPr>
-              <a:t>natural language understanding difficult?</a:t>
+              <a:t>Why else is natural language understanding difficult?</a:t>
             </a:r>
             <a:endParaRPr lang="en-US" dirty="0"/>
           </a:p>
@@ -15806,8 +15649,8 @@
           <a:lstStyle/>
           <a:p>
             <a:r>
-              <a:rPr lang="en-US" altLang="zh-TW" smtClean="0"/>
-              <a:t>NLP &amp; TM, Spring 2024</a:t>
+              <a:rPr lang="en-US" altLang="zh-TW"/>
+              <a:t>NLP &amp; TM, Spring 2025</a:t>
             </a:r>
             <a:endParaRPr lang="zh-TW" altLang="en-US"/>
           </a:p>
@@ -15829,7 +15672,7 @@
           <a:lstStyle/>
           <a:p>
             <a:r>
-              <a:rPr lang="en-US" altLang="zh-TW" smtClean="0"/>
+              <a:rPr lang="en-US" altLang="zh-TW"/>
               <a:t>NTUT CSIE</a:t>
             </a:r>
             <a:endParaRPr lang="zh-TW" altLang="en-US"/>
@@ -15869,13 +15712,6 @@
   <p:clrMapOvr>
     <a:masterClrMapping/>
   </p:clrMapOvr>
-  <p:timing>
-    <p:tnLst>
-      <p:par>
-        <p:cTn id="1" dur="indefinite" restart="never" nodeType="tmRoot"/>
-      </p:par>
-    </p:tnLst>
-  </p:timing>
 </p:sld>
 </file>
 
@@ -15912,7 +15748,7 @@
           <a:lstStyle/>
           <a:p>
             <a:r>
-              <a:rPr lang="en-US" altLang="zh-TW" dirty="0" smtClean="0"/>
+              <a:rPr lang="en-US" altLang="zh-TW" dirty="0"/>
               <a:t>Models and Algorithms</a:t>
             </a:r>
             <a:endParaRPr lang="zh-TW" altLang="en-US" dirty="0"/>
@@ -15935,36 +15771,36 @@
           <a:lstStyle/>
           <a:p>
             <a:r>
-              <a:rPr lang="en-US" altLang="zh-TW" dirty="0" smtClean="0"/>
+              <a:rPr lang="en-US" altLang="zh-TW" dirty="0"/>
               <a:t>State machines, rule systems, logic, probabilistic models, vector-space models</a:t>
             </a:r>
           </a:p>
           <a:p>
             <a:r>
-              <a:rPr lang="en-US" altLang="zh-TW" dirty="0" smtClean="0"/>
+              <a:rPr lang="en-US" altLang="zh-TW" dirty="0"/>
               <a:t>State space search algorithm: dynamic programming</a:t>
             </a:r>
           </a:p>
           <a:p>
             <a:r>
-              <a:rPr lang="en-US" altLang="zh-TW" dirty="0" smtClean="0"/>
+              <a:rPr lang="en-US" altLang="zh-TW" dirty="0"/>
               <a:t>Machine learning algorithm: classification, expectation-maximization (EM), …</a:t>
             </a:r>
           </a:p>
           <a:p>
             <a:r>
-              <a:rPr lang="en-US" altLang="zh-TW" dirty="0" smtClean="0"/>
+              <a:rPr lang="en-US" altLang="zh-TW" dirty="0"/>
               <a:t>Deterministic and non-deterministic finite state automata, finite-state transducers</a:t>
             </a:r>
           </a:p>
           <a:p>
             <a:r>
-              <a:rPr lang="en-US" altLang="zh-TW" dirty="0" smtClean="0"/>
+              <a:rPr lang="en-US" altLang="zh-TW" dirty="0"/>
               <a:t>Regular grammars, context free grammars, …</a:t>
             </a:r>
           </a:p>
           <a:p>
-            <a:endParaRPr lang="en-US" altLang="zh-TW" dirty="0" smtClean="0"/>
+            <a:endParaRPr lang="en-US" altLang="zh-TW" dirty="0"/>
           </a:p>
           <a:p>
             <a:endParaRPr lang="zh-TW" altLang="en-US" dirty="0"/>
@@ -15987,8 +15823,8 @@
           <a:lstStyle/>
           <a:p>
             <a:r>
-              <a:rPr lang="en-US" altLang="zh-TW" smtClean="0"/>
-              <a:t>NLP &amp; TM, Spring 2024</a:t>
+              <a:rPr lang="en-US" altLang="zh-TW"/>
+              <a:t>NLP &amp; TM, Spring 2025</a:t>
             </a:r>
             <a:endParaRPr lang="zh-TW" altLang="en-US"/>
           </a:p>
@@ -16010,7 +15846,7 @@
           <a:lstStyle/>
           <a:p>
             <a:r>
-              <a:rPr lang="en-US" altLang="zh-TW" smtClean="0"/>
+              <a:rPr lang="en-US" altLang="zh-TW"/>
               <a:t>NTUT CSIE</a:t>
             </a:r>
             <a:endParaRPr lang="zh-TW" altLang="en-US"/>
@@ -16050,13 +15886,6 @@
   <p:clrMapOvr>
     <a:masterClrMapping/>
   </p:clrMapOvr>
-  <p:timing>
-    <p:tnLst>
-      <p:par>
-        <p:cTn id="1" dur="indefinite" restart="never" nodeType="tmRoot"/>
-      </p:par>
-    </p:tnLst>
-  </p:timing>
 </p:sld>
 </file>
 
@@ -16093,7 +15922,7 @@
           <a:lstStyle/>
           <a:p>
             <a:r>
-              <a:rPr lang="en-US" altLang="zh-TW" dirty="0" smtClean="0"/>
+              <a:rPr lang="en-US" altLang="zh-TW" dirty="0"/>
               <a:t>Language, Thought, Understanding</a:t>
             </a:r>
             <a:endParaRPr lang="zh-TW" altLang="en-US" dirty="0"/>
@@ -16116,7 +15945,7 @@
           <a:lstStyle/>
           <a:p>
             <a:r>
-              <a:rPr lang="en-US" altLang="zh-TW" dirty="0" smtClean="0"/>
+              <a:rPr lang="en-US" altLang="zh-TW" dirty="0"/>
               <a:t>The ability to process language as skillfully as humans do</a:t>
             </a:r>
           </a:p>
@@ -16124,14 +15953,10 @@
             <a:pPr lvl="1"/>
             <a:r>
               <a:rPr lang="en-US" altLang="zh-TW" dirty="0"/>
-              <a:t>“Can </a:t>
-            </a:r>
-            <a:r>
-              <a:rPr lang="en-US" altLang="zh-TW" dirty="0" smtClean="0"/>
-              <a:t>machines </a:t>
-            </a:r>
-            <a:r>
-              <a:rPr lang="en-US" altLang="zh-TW" dirty="0" smtClean="0">
+              <a:t>“Can machines </a:t>
+            </a:r>
+            <a:r>
+              <a:rPr lang="en-US" altLang="zh-TW" dirty="0">
                 <a:solidFill>
                   <a:srgbClr val="0000FF"/>
                 </a:solidFill>
@@ -16142,37 +15967,28 @@
               <a:rPr lang="en-US" altLang="zh-TW" dirty="0"/>
               <a:t>?”</a:t>
             </a:r>
-            <a:endParaRPr lang="en-US" altLang="zh-TW" dirty="0" smtClean="0"/>
-          </a:p>
-          <a:p>
-            <a:r>
-              <a:rPr lang="en-US" altLang="zh-TW" dirty="0" smtClean="0"/>
+          </a:p>
+          <a:p>
+            <a:r>
+              <a:rPr lang="en-US" altLang="zh-TW" dirty="0"/>
               <a:t>Turing test: by Alan Turing (1950)</a:t>
             </a:r>
           </a:p>
           <a:p>
             <a:pPr lvl="1"/>
             <a:r>
-              <a:rPr lang="en-US" altLang="zh-TW" dirty="0" smtClean="0"/>
+              <a:rPr lang="en-US" altLang="zh-TW" dirty="0"/>
               <a:t>“Imitation game”</a:t>
             </a:r>
           </a:p>
           <a:p>
             <a:pPr lvl="1"/>
             <a:r>
-              <a:rPr lang="en-US" altLang="zh-TW" dirty="0" smtClean="0"/>
-              <a:t>“</a:t>
-            </a:r>
-            <a:r>
               <a:rPr lang="en-US" altLang="zh-TW" dirty="0"/>
-              <a:t>Can </a:t>
-            </a:r>
-            <a:r>
-              <a:rPr lang="en-US" altLang="zh-TW" dirty="0" smtClean="0"/>
-              <a:t>machines </a:t>
-            </a:r>
-            <a:r>
-              <a:rPr lang="en-US" altLang="zh-TW" dirty="0" smtClean="0">
+              <a:t>“Can machines </a:t>
+            </a:r>
+            <a:r>
+              <a:rPr lang="en-US" altLang="zh-TW" dirty="0">
                 <a:solidFill>
                   <a:srgbClr val="0000FF"/>
                 </a:solidFill>
@@ -16180,18 +15996,18 @@
               <a:t>do</a:t>
             </a:r>
             <a:r>
-              <a:rPr lang="en-US" altLang="zh-TW" dirty="0" smtClean="0"/>
+              <a:rPr lang="en-US" altLang="zh-TW" dirty="0"/>
               <a:t> what we can do?”</a:t>
             </a:r>
           </a:p>
           <a:p>
             <a:r>
-              <a:rPr lang="en-US" altLang="zh-TW" dirty="0" smtClean="0"/>
+              <a:rPr lang="en-US" altLang="zh-TW" dirty="0"/>
               <a:t>Conversational agents</a:t>
             </a:r>
           </a:p>
           <a:p>
-            <a:endParaRPr lang="en-US" altLang="zh-TW" dirty="0" smtClean="0"/>
+            <a:endParaRPr lang="en-US" altLang="zh-TW" dirty="0"/>
           </a:p>
           <a:p>
             <a:endParaRPr lang="zh-TW" altLang="en-US" dirty="0"/>
@@ -16273,8 +16089,8 @@
           <a:lstStyle/>
           <a:p>
             <a:r>
-              <a:rPr lang="en-US" altLang="zh-TW" smtClean="0"/>
-              <a:t>NLP &amp; TM, Spring 2024</a:t>
+              <a:rPr lang="en-US" altLang="zh-TW"/>
+              <a:t>NLP &amp; TM, Spring 2025</a:t>
             </a:r>
             <a:endParaRPr lang="zh-TW" altLang="en-US"/>
           </a:p>
@@ -16296,7 +16112,7 @@
           <a:lstStyle/>
           <a:p>
             <a:r>
-              <a:rPr lang="en-US" altLang="zh-TW" smtClean="0"/>
+              <a:rPr lang="en-US" altLang="zh-TW"/>
               <a:t>NTUT CSIE</a:t>
             </a:r>
             <a:endParaRPr lang="zh-TW" altLang="en-US"/>
@@ -16496,18 +16312,14 @@
           <a:lstStyle/>
           <a:p>
             <a:r>
-              <a:rPr lang="en-US" altLang="zh-TW" dirty="0" smtClean="0"/>
+              <a:rPr lang="en-US" altLang="zh-TW" dirty="0"/>
               <a:t>Q: Please write me a sonnet on the topic of the Forth Bridge.</a:t>
             </a:r>
           </a:p>
           <a:p>
             <a:r>
-              <a:rPr lang="en-US" altLang="zh-TW" dirty="0" smtClean="0"/>
-              <a:t>A</a:t>
-            </a:r>
-            <a:r>
               <a:rPr lang="en-US" altLang="zh-TW" dirty="0"/>
-              <a:t>: Count me out on this one. I never could write poetry.</a:t>
+              <a:t>A: Count me out on this one. I never could write poetry.</a:t>
             </a:r>
           </a:p>
           <a:p>
@@ -16541,8 +16353,8 @@
           <a:lstStyle/>
           <a:p>
             <a:r>
-              <a:rPr lang="en-US" altLang="zh-TW" smtClean="0"/>
-              <a:t>NLP &amp; TM, Spring 2024</a:t>
+              <a:rPr lang="en-US" altLang="zh-TW"/>
+              <a:t>NLP &amp; TM, Spring 2025</a:t>
             </a:r>
             <a:endParaRPr lang="zh-TW" altLang="en-US"/>
           </a:p>
@@ -16564,7 +16376,7 @@
           <a:lstStyle/>
           <a:p>
             <a:r>
-              <a:rPr lang="en-US" altLang="zh-TW" smtClean="0"/>
+              <a:rPr lang="en-US" altLang="zh-TW"/>
               <a:t>NTUT CSIE</a:t>
             </a:r>
             <a:endParaRPr lang="zh-TW" altLang="en-US"/>
@@ -16604,13 +16416,6 @@
   <p:clrMapOvr>
     <a:masterClrMapping/>
   </p:clrMapOvr>
-  <p:timing>
-    <p:tnLst>
-      <p:par>
-        <p:cTn id="1" dur="indefinite" restart="never" nodeType="tmRoot"/>
-      </p:par>
-    </p:tnLst>
-  </p:timing>
 </p:sld>
 </file>
 
@@ -16647,7 +16452,7 @@
           <a:lstStyle/>
           <a:p>
             <a:r>
-              <a:rPr lang="en-US" altLang="zh-TW" dirty="0" smtClean="0"/>
+              <a:rPr lang="en-US" altLang="zh-TW" dirty="0"/>
               <a:t>Outline</a:t>
             </a:r>
             <a:endParaRPr lang="zh-TW" altLang="en-US" dirty="0"/>
@@ -16670,24 +16475,24 @@
           <a:lstStyle/>
           <a:p>
             <a:r>
-              <a:rPr lang="en-US" altLang="zh-TW" dirty="0" smtClean="0"/>
+              <a:rPr lang="en-US" altLang="zh-TW" dirty="0"/>
               <a:t>What is NLP?</a:t>
             </a:r>
           </a:p>
           <a:p>
             <a:r>
-              <a:rPr lang="en-US" altLang="zh-TW" dirty="0" smtClean="0"/>
+              <a:rPr lang="en-US" altLang="zh-TW" dirty="0"/>
               <a:t>Example Tasks</a:t>
             </a:r>
           </a:p>
           <a:p>
             <a:r>
-              <a:rPr lang="en-US" altLang="zh-TW" dirty="0" smtClean="0"/>
+              <a:rPr lang="en-US" altLang="zh-TW" dirty="0"/>
               <a:t>The state-of-the-art</a:t>
             </a:r>
           </a:p>
           <a:p>
-            <a:endParaRPr lang="en-US" altLang="zh-TW" dirty="0" smtClean="0"/>
+            <a:endParaRPr lang="en-US" altLang="zh-TW" dirty="0"/>
           </a:p>
         </p:txBody>
       </p:sp>
@@ -16707,8 +16512,8 @@
           <a:lstStyle/>
           <a:p>
             <a:r>
-              <a:rPr lang="en-US" altLang="zh-TW" smtClean="0"/>
-              <a:t>NLP &amp; TM, Spring 2024</a:t>
+              <a:rPr lang="en-US" altLang="zh-TW"/>
+              <a:t>NLP &amp; TM, Spring 2025</a:t>
             </a:r>
             <a:endParaRPr lang="zh-TW" altLang="en-US"/>
           </a:p>
@@ -16730,7 +16535,7 @@
           <a:lstStyle/>
           <a:p>
             <a:r>
-              <a:rPr lang="en-US" altLang="zh-TW" smtClean="0"/>
+              <a:rPr lang="en-US" altLang="zh-TW"/>
               <a:t>NTUT CSIE</a:t>
             </a:r>
             <a:endParaRPr lang="zh-TW" altLang="en-US"/>
@@ -16806,7 +16611,7 @@
           <a:lstStyle/>
           <a:p>
             <a:r>
-              <a:rPr lang="en-US" altLang="zh-TW" dirty="0" smtClean="0"/>
+              <a:rPr lang="en-US" altLang="zh-TW" dirty="0"/>
               <a:t>Example dialog of ELIZA (1966)</a:t>
             </a:r>
             <a:endParaRPr lang="zh-TW" altLang="en-US" dirty="0"/>
@@ -16896,8 +16701,8 @@
           <a:lstStyle/>
           <a:p>
             <a:r>
-              <a:rPr lang="en-US" altLang="zh-TW" smtClean="0"/>
-              <a:t>NLP &amp; TM, Spring 2024</a:t>
+              <a:rPr lang="en-US" altLang="zh-TW"/>
+              <a:t>NLP &amp; TM, Spring 2025</a:t>
             </a:r>
             <a:endParaRPr lang="zh-TW" altLang="en-US"/>
           </a:p>
@@ -16919,7 +16724,7 @@
           <a:lstStyle/>
           <a:p>
             <a:r>
-              <a:rPr lang="en-US" altLang="zh-TW" smtClean="0"/>
+              <a:rPr lang="en-US" altLang="zh-TW"/>
               <a:t>NTUT CSIE</a:t>
             </a:r>
             <a:endParaRPr lang="zh-TW" altLang="en-US"/>
@@ -16998,23 +16803,7 @@
                   <a:srgbClr val="FF0000"/>
                 </a:solidFill>
               </a:rPr>
-              <a:t>Rogerian </a:t>
-            </a:r>
-            <a:r>
-              <a:rPr lang="en-US" altLang="zh-TW" dirty="0" smtClean="0">
-                <a:solidFill>
-                  <a:srgbClr val="FF0000"/>
-                </a:solidFill>
-              </a:rPr>
-              <a:t>Psychotherapy </a:t>
-            </a:r>
-            <a:r>
-              <a:rPr lang="en-US" altLang="zh-TW" dirty="0">
-                <a:solidFill>
-                  <a:srgbClr val="FF0000"/>
-                </a:solidFill>
-              </a:rPr>
-              <a:t>(person-centered therapy)</a:t>
+              <a:t>Rogerian Psychotherapy (person-centered therapy)</a:t>
             </a:r>
             <a:endParaRPr lang="zh-TW" altLang="en-US" dirty="0">
               <a:solidFill>
@@ -17148,7 +16937,7 @@
           <a:lstStyle/>
           <a:p>
             <a:r>
-              <a:rPr lang="en-US" altLang="zh-TW" dirty="0" smtClean="0"/>
+              <a:rPr lang="en-US" altLang="zh-TW" dirty="0"/>
               <a:t>The State of the Art</a:t>
             </a:r>
             <a:endParaRPr lang="zh-TW" altLang="en-US" dirty="0"/>
@@ -17173,49 +16962,49 @@
           <a:lstStyle/>
           <a:p>
             <a:r>
-              <a:rPr lang="en-US" altLang="zh-TW" dirty="0" smtClean="0"/>
+              <a:rPr lang="en-US" altLang="zh-TW" dirty="0"/>
               <a:t>Travelers calling travel providers interact with conversational agents</a:t>
             </a:r>
           </a:p>
           <a:p>
             <a:r>
-              <a:rPr lang="en-US" altLang="zh-TW" dirty="0" smtClean="0"/>
+              <a:rPr lang="en-US" altLang="zh-TW" dirty="0"/>
               <a:t>Cars that allow drivers to control by voice</a:t>
             </a:r>
           </a:p>
           <a:p>
             <a:r>
-              <a:rPr lang="en-US" altLang="zh-TW" dirty="0" smtClean="0"/>
+              <a:rPr lang="en-US" altLang="zh-TW" dirty="0"/>
               <a:t>Searching video on the Web by speech</a:t>
             </a:r>
           </a:p>
           <a:p>
             <a:r>
-              <a:rPr lang="en-US" altLang="zh-TW" dirty="0" smtClean="0"/>
+              <a:rPr lang="en-US" altLang="zh-TW" dirty="0"/>
               <a:t>Cross-language information retrieval and translation by Google</a:t>
             </a:r>
           </a:p>
           <a:p>
             <a:r>
-              <a:rPr lang="en-US" altLang="zh-TW" dirty="0" smtClean="0"/>
+              <a:rPr lang="en-US" altLang="zh-TW" dirty="0"/>
               <a:t>Grading and assessing student essays by automated systems</a:t>
             </a:r>
           </a:p>
           <a:p>
             <a:r>
-              <a:rPr lang="en-US" altLang="zh-TW" dirty="0" smtClean="0"/>
+              <a:rPr lang="en-US" altLang="zh-TW" dirty="0"/>
               <a:t>Interactive virtual agents</a:t>
             </a:r>
           </a:p>
           <a:p>
             <a:r>
-              <a:rPr lang="en-US" altLang="zh-TW" dirty="0" smtClean="0"/>
+              <a:rPr lang="en-US" altLang="zh-TW" dirty="0"/>
               <a:t>Automated measurement of user opinions, preferences, attitudes in social media</a:t>
             </a:r>
           </a:p>
           <a:p>
             <a:r>
-              <a:rPr lang="en-US" altLang="zh-TW" dirty="0" smtClean="0"/>
+              <a:rPr lang="en-US" altLang="zh-TW" dirty="0"/>
               <a:t>…</a:t>
             </a:r>
             <a:endParaRPr lang="zh-TW" altLang="en-US" dirty="0"/>
@@ -17238,8 +17027,8 @@
           <a:lstStyle/>
           <a:p>
             <a:r>
-              <a:rPr lang="en-US" altLang="zh-TW" smtClean="0"/>
-              <a:t>NLP &amp; TM, Spring 2024</a:t>
+              <a:rPr lang="en-US" altLang="zh-TW"/>
+              <a:t>NLP &amp; TM, Spring 2025</a:t>
             </a:r>
             <a:endParaRPr lang="zh-TW" altLang="en-US"/>
           </a:p>
@@ -17261,7 +17050,7 @@
           <a:lstStyle/>
           <a:p>
             <a:r>
-              <a:rPr lang="en-US" altLang="zh-TW" smtClean="0"/>
+              <a:rPr lang="en-US" altLang="zh-TW"/>
               <a:t>NTUT CSIE</a:t>
             </a:r>
             <a:endParaRPr lang="zh-TW" altLang="en-US"/>
@@ -17301,13 +17090,6 @@
   <p:clrMapOvr>
     <a:masterClrMapping/>
   </p:clrMapOvr>
-  <p:timing>
-    <p:tnLst>
-      <p:par>
-        <p:cTn id="1" dur="indefinite" restart="never" nodeType="tmRoot"/>
-      </p:par>
-    </p:tnLst>
-  </p:timing>
 </p:sld>
 </file>
 
@@ -17344,7 +17126,7 @@
           <a:lstStyle/>
           <a:p>
             <a:r>
-              <a:rPr lang="en-US" altLang="zh-TW" dirty="0" smtClean="0"/>
+              <a:rPr lang="en-US" altLang="zh-TW" dirty="0"/>
               <a:t>Brief History of NLP</a:t>
             </a:r>
             <a:endParaRPr lang="zh-TW" altLang="en-US" dirty="0"/>
@@ -17367,35 +17149,35 @@
           <a:lstStyle/>
           <a:p>
             <a:r>
-              <a:rPr lang="en-US" altLang="zh-TW" dirty="0" smtClean="0"/>
+              <a:rPr lang="en-US" altLang="zh-TW" dirty="0"/>
               <a:t>Different fields in different departments</a:t>
             </a:r>
           </a:p>
           <a:p>
             <a:pPr lvl="1"/>
             <a:r>
-              <a:rPr lang="en-US" altLang="zh-TW" dirty="0" smtClean="0"/>
+              <a:rPr lang="en-US" altLang="zh-TW" dirty="0"/>
               <a:t>Computational linguistics: in linguistics</a:t>
             </a:r>
           </a:p>
           <a:p>
             <a:pPr lvl="1"/>
             <a:r>
-              <a:rPr lang="en-US" altLang="zh-TW" dirty="0" smtClean="0"/>
+              <a:rPr lang="en-US" altLang="zh-TW" dirty="0"/>
               <a:t>Natural language processing: in computer science</a:t>
             </a:r>
           </a:p>
           <a:p>
             <a:pPr lvl="1"/>
             <a:r>
-              <a:rPr lang="en-US" altLang="zh-TW" dirty="0" smtClean="0"/>
+              <a:rPr lang="en-US" altLang="zh-TW" dirty="0"/>
               <a:t>Speech recognition: in electrical engineering</a:t>
             </a:r>
           </a:p>
           <a:p>
             <a:pPr lvl="1"/>
             <a:r>
-              <a:rPr lang="en-US" altLang="zh-TW" dirty="0" smtClean="0"/>
+              <a:rPr lang="en-US" altLang="zh-TW" dirty="0"/>
               <a:t>Computational psycholinguistics: in psychology</a:t>
             </a:r>
           </a:p>
@@ -17420,8 +17202,8 @@
           <a:lstStyle/>
           <a:p>
             <a:r>
-              <a:rPr lang="en-US" altLang="zh-TW" smtClean="0"/>
-              <a:t>NLP &amp; TM, Spring 2024</a:t>
+              <a:rPr lang="en-US" altLang="zh-TW"/>
+              <a:t>NLP &amp; TM, Spring 2025</a:t>
             </a:r>
             <a:endParaRPr lang="zh-TW" altLang="en-US"/>
           </a:p>
@@ -17443,7 +17225,7 @@
           <a:lstStyle/>
           <a:p>
             <a:r>
-              <a:rPr lang="en-US" altLang="zh-TW" smtClean="0"/>
+              <a:rPr lang="en-US" altLang="zh-TW"/>
               <a:t>NTUT CSIE</a:t>
             </a:r>
             <a:endParaRPr lang="zh-TW" altLang="en-US"/>
@@ -17483,13 +17265,6 @@
   <p:clrMapOvr>
     <a:masterClrMapping/>
   </p:clrMapOvr>
-  <p:timing>
-    <p:tnLst>
-      <p:par>
-        <p:cTn id="1" dur="indefinite" restart="never" nodeType="tmRoot"/>
-      </p:par>
-    </p:tnLst>
-  </p:timing>
 </p:sld>
 </file>
 
@@ -17549,51 +17324,50 @@
           <a:lstStyle/>
           <a:p>
             <a:r>
-              <a:rPr lang="en-US" altLang="zh-TW" dirty="0" smtClean="0"/>
+              <a:rPr lang="en-US" altLang="zh-TW" dirty="0"/>
               <a:t>Automaton: 1950s</a:t>
             </a:r>
           </a:p>
           <a:p>
             <a:pPr lvl="1"/>
             <a:r>
-              <a:rPr lang="en-US" altLang="zh-TW" dirty="0" smtClean="0"/>
+              <a:rPr lang="en-US" altLang="zh-TW" dirty="0"/>
               <a:t>Turing (1936)</a:t>
             </a:r>
           </a:p>
           <a:p>
             <a:pPr lvl="1"/>
             <a:r>
-              <a:rPr lang="en-US" altLang="zh-TW" dirty="0" smtClean="0"/>
+              <a:rPr lang="en-US" altLang="zh-TW" dirty="0"/>
               <a:t>McCulloch-Pitts neuron (1943)</a:t>
             </a:r>
-            <a:endParaRPr lang="en-US" altLang="zh-TW" dirty="0"/>
           </a:p>
           <a:p>
             <a:pPr lvl="1"/>
             <a:r>
-              <a:rPr lang="en-US" altLang="zh-TW" dirty="0" smtClean="0"/>
+              <a:rPr lang="en-US" altLang="zh-TW" dirty="0"/>
               <a:t>Finite automata, regular expressions (1951, 1956)</a:t>
             </a:r>
           </a:p>
           <a:p>
             <a:pPr lvl="1"/>
             <a:r>
-              <a:rPr lang="en-US" altLang="zh-TW" dirty="0" smtClean="0"/>
+              <a:rPr lang="en-US" altLang="zh-TW" dirty="0"/>
               <a:t>Shannon (1948)</a:t>
             </a:r>
           </a:p>
           <a:p>
             <a:pPr lvl="1"/>
             <a:r>
-              <a:rPr lang="en-US" altLang="zh-TW" dirty="0" smtClean="0"/>
+              <a:rPr lang="en-US" altLang="zh-TW" dirty="0"/>
               <a:t>Context-free grammar: Chomsky (1956), Backus (1959), </a:t>
             </a:r>
             <a:r>
-              <a:rPr lang="en-US" altLang="zh-TW" dirty="0" err="1" smtClean="0"/>
+              <a:rPr lang="en-US" altLang="zh-TW" dirty="0" err="1"/>
               <a:t>Naur</a:t>
             </a:r>
             <a:r>
-              <a:rPr lang="en-US" altLang="zh-TW" dirty="0" smtClean="0"/>
+              <a:rPr lang="en-US" altLang="zh-TW" dirty="0"/>
               <a:t> (1960)</a:t>
             </a:r>
           </a:p>
@@ -17606,14 +17380,14 @@
           <a:p>
             <a:pPr lvl="1"/>
             <a:r>
-              <a:rPr lang="en-US" altLang="zh-TW" dirty="0" smtClean="0"/>
+              <a:rPr lang="en-US" altLang="zh-TW" dirty="0"/>
               <a:t>Shannon: communication, entropy</a:t>
             </a:r>
           </a:p>
           <a:p>
             <a:pPr lvl="1"/>
             <a:r>
-              <a:rPr lang="en-US" altLang="zh-TW" dirty="0" smtClean="0">
+              <a:rPr lang="en-US" altLang="zh-TW" dirty="0">
                 <a:solidFill>
                   <a:schemeClr val="bg1">
                     <a:lumMod val="85000"/>
@@ -17645,8 +17419,8 @@
           <a:lstStyle/>
           <a:p>
             <a:r>
-              <a:rPr lang="en-US" altLang="zh-TW" smtClean="0"/>
-              <a:t>NLP &amp; TM, Spring 2024</a:t>
+              <a:rPr lang="en-US" altLang="zh-TW"/>
+              <a:t>NLP &amp; TM, Spring 2025</a:t>
             </a:r>
             <a:endParaRPr lang="zh-TW" altLang="en-US"/>
           </a:p>
@@ -17668,7 +17442,7 @@
           <a:lstStyle/>
           <a:p>
             <a:r>
-              <a:rPr lang="en-US" altLang="zh-TW" smtClean="0"/>
+              <a:rPr lang="en-US" altLang="zh-TW"/>
               <a:t>NTUT CSIE</a:t>
             </a:r>
             <a:endParaRPr lang="zh-TW" altLang="en-US"/>
@@ -17768,13 +17542,6 @@
   <p:clrMapOvr>
     <a:masterClrMapping/>
   </p:clrMapOvr>
-  <p:timing>
-    <p:tnLst>
-      <p:par>
-        <p:cTn id="1" dur="indefinite" restart="never" nodeType="tmRoot"/>
-      </p:par>
-    </p:tnLst>
-  </p:timing>
 </p:sld>
 </file>
 
@@ -17834,28 +17601,28 @@
           <a:lstStyle/>
           <a:p>
             <a:r>
-              <a:rPr lang="en-US" altLang="zh-TW" dirty="0" smtClean="0"/>
+              <a:rPr lang="en-US" altLang="zh-TW" dirty="0"/>
               <a:t>Two paradigms</a:t>
             </a:r>
           </a:p>
           <a:p>
             <a:pPr lvl="1"/>
             <a:r>
-              <a:rPr lang="en-US" altLang="zh-TW" dirty="0" smtClean="0"/>
+              <a:rPr lang="en-US" altLang="zh-TW" dirty="0"/>
               <a:t>Symbolic</a:t>
             </a:r>
           </a:p>
           <a:p>
             <a:pPr lvl="2"/>
             <a:r>
-              <a:rPr lang="en-US" altLang="zh-TW" dirty="0" smtClean="0"/>
+              <a:rPr lang="en-US" altLang="zh-TW" dirty="0"/>
               <a:t>Formal language theory, parsing</a:t>
             </a:r>
           </a:p>
           <a:p>
             <a:pPr lvl="2"/>
             <a:r>
-              <a:rPr lang="en-US" altLang="zh-TW" dirty="0" smtClean="0">
+              <a:rPr lang="en-US" altLang="zh-TW" dirty="0">
                 <a:solidFill>
                   <a:srgbClr val="0000FF"/>
                 </a:solidFill>
@@ -17863,29 +17630,21 @@
               <a:t>Artificial intelligence</a:t>
             </a:r>
             <a:r>
-              <a:rPr lang="en-US" altLang="zh-TW" dirty="0" smtClean="0"/>
-              <a:t>: </a:t>
-            </a:r>
-            <a:r>
               <a:rPr lang="en-US" altLang="zh-TW" dirty="0"/>
-              <a:t>John McCarthy, Marvin Minsky, Claude Shannon, and Nathaniel </a:t>
-            </a:r>
-            <a:r>
-              <a:rPr lang="en-US" altLang="zh-TW" dirty="0" smtClean="0"/>
-              <a:t>Rochester (1956)</a:t>
+              <a:t>: John McCarthy, Marvin Minsky, Claude Shannon, and Nathaniel Rochester (1956)</a:t>
             </a:r>
           </a:p>
           <a:p>
             <a:pPr lvl="1"/>
             <a:r>
-              <a:rPr lang="en-US" altLang="zh-TW" dirty="0" smtClean="0"/>
+              <a:rPr lang="en-US" altLang="zh-TW" dirty="0"/>
               <a:t>Stochastic</a:t>
             </a:r>
           </a:p>
           <a:p>
             <a:pPr lvl="2"/>
             <a:r>
-              <a:rPr lang="en-US" altLang="zh-TW" dirty="0" smtClean="0"/>
+              <a:rPr lang="en-US" altLang="zh-TW" dirty="0"/>
               <a:t>Bayesian method</a:t>
             </a:r>
           </a:p>
@@ -17911,8 +17670,8 @@
           <a:lstStyle/>
           <a:p>
             <a:r>
-              <a:rPr lang="en-US" altLang="zh-TW" smtClean="0"/>
-              <a:t>NLP &amp; TM, Spring 2024</a:t>
+              <a:rPr lang="en-US" altLang="zh-TW"/>
+              <a:t>NLP &amp; TM, Spring 2025</a:t>
             </a:r>
             <a:endParaRPr lang="zh-TW" altLang="en-US"/>
           </a:p>
@@ -17934,7 +17693,7 @@
           <a:lstStyle/>
           <a:p>
             <a:r>
-              <a:rPr lang="en-US" altLang="zh-TW" smtClean="0"/>
+              <a:rPr lang="en-US" altLang="zh-TW"/>
               <a:t>NTUT CSIE</a:t>
             </a:r>
             <a:endParaRPr lang="zh-TW" altLang="en-US"/>
@@ -18289,32 +18048,32 @@
           <a:lstStyle/>
           <a:p>
             <a:r>
-              <a:rPr lang="en-US" altLang="zh-TW" dirty="0" smtClean="0"/>
+              <a:rPr lang="en-US" altLang="zh-TW" dirty="0"/>
               <a:t>Stochastic</a:t>
             </a:r>
           </a:p>
           <a:p>
             <a:pPr lvl="1"/>
             <a:r>
-              <a:rPr lang="en-US" altLang="zh-TW" dirty="0" smtClean="0"/>
+              <a:rPr lang="en-US" altLang="zh-TW" dirty="0"/>
               <a:t>Hidden Markov model</a:t>
             </a:r>
           </a:p>
           <a:p>
             <a:r>
-              <a:rPr lang="en-US" altLang="zh-TW" dirty="0" smtClean="0"/>
+              <a:rPr lang="en-US" altLang="zh-TW" dirty="0"/>
               <a:t>Logic-based</a:t>
             </a:r>
           </a:p>
           <a:p>
             <a:r>
-              <a:rPr lang="en-US" altLang="zh-TW" dirty="0" smtClean="0"/>
+              <a:rPr lang="en-US" altLang="zh-TW" dirty="0"/>
               <a:t>Natural language understanding</a:t>
             </a:r>
           </a:p>
           <a:p>
             <a:r>
-              <a:rPr lang="en-US" altLang="zh-TW" dirty="0" smtClean="0"/>
+              <a:rPr lang="en-US" altLang="zh-TW" dirty="0"/>
               <a:t>Discourse modeling</a:t>
             </a:r>
           </a:p>
@@ -18339,8 +18098,8 @@
           <a:lstStyle/>
           <a:p>
             <a:r>
-              <a:rPr lang="en-US" altLang="zh-TW" smtClean="0"/>
-              <a:t>NLP &amp; TM, Spring 2024</a:t>
+              <a:rPr lang="en-US" altLang="zh-TW"/>
+              <a:t>NLP &amp; TM, Spring 2025</a:t>
             </a:r>
             <a:endParaRPr lang="zh-TW" altLang="en-US"/>
           </a:p>
@@ -18362,7 +18121,7 @@
           <a:lstStyle/>
           <a:p>
             <a:r>
-              <a:rPr lang="en-US" altLang="zh-TW" smtClean="0"/>
+              <a:rPr lang="en-US" altLang="zh-TW"/>
               <a:t>NTUT CSIE</a:t>
             </a:r>
             <a:endParaRPr lang="zh-TW" altLang="en-US"/>
@@ -18432,13 +18191,6 @@
   <p:clrMapOvr>
     <a:masterClrMapping/>
   </p:clrMapOvr>
-  <p:timing>
-    <p:tnLst>
-      <p:par>
-        <p:cTn id="1" dur="indefinite" restart="never" nodeType="tmRoot"/>
-      </p:par>
-    </p:tnLst>
-  </p:timing>
 </p:sld>
 </file>
 
@@ -18506,13 +18258,13 @@
           <a:lstStyle/>
           <a:p>
             <a:r>
-              <a:rPr lang="en-US" altLang="zh-TW" dirty="0" smtClean="0"/>
+              <a:rPr lang="en-US" altLang="zh-TW" dirty="0"/>
               <a:t>Finite-state models</a:t>
             </a:r>
           </a:p>
           <a:p>
             <a:r>
-              <a:rPr lang="en-US" altLang="zh-TW" dirty="0" smtClean="0"/>
+              <a:rPr lang="en-US" altLang="zh-TW" dirty="0"/>
               <a:t>Probabilistic models</a:t>
             </a:r>
           </a:p>
@@ -18537,8 +18289,8 @@
           <a:lstStyle/>
           <a:p>
             <a:r>
-              <a:rPr lang="en-US" altLang="zh-TW" smtClean="0"/>
-              <a:t>NLP &amp; TM, Spring 2024</a:t>
+              <a:rPr lang="en-US" altLang="zh-TW"/>
+              <a:t>NLP &amp; TM, Spring 2025</a:t>
             </a:r>
             <a:endParaRPr lang="zh-TW" altLang="en-US"/>
           </a:p>
@@ -18560,7 +18312,7 @@
           <a:lstStyle/>
           <a:p>
             <a:r>
-              <a:rPr lang="en-US" altLang="zh-TW" smtClean="0"/>
+              <a:rPr lang="en-US" altLang="zh-TW"/>
               <a:t>NTUT CSIE</a:t>
             </a:r>
             <a:endParaRPr lang="zh-TW" altLang="en-US"/>
@@ -18600,13 +18352,6 @@
   <p:clrMapOvr>
     <a:masterClrMapping/>
   </p:clrMapOvr>
-  <p:timing>
-    <p:tnLst>
-      <p:par>
-        <p:cTn id="1" dur="indefinite" restart="never" nodeType="tmRoot"/>
-      </p:par>
-    </p:tnLst>
-  </p:timing>
 </p:sld>
 </file>
 
@@ -18666,7 +18411,7 @@
           <a:lstStyle/>
           <a:p>
             <a:r>
-              <a:rPr lang="en-US" altLang="zh-TW" dirty="0" smtClean="0">
+              <a:rPr lang="en-US" altLang="zh-TW" dirty="0">
                 <a:solidFill>
                   <a:srgbClr val="0000FF"/>
                 </a:solidFill>
@@ -18674,12 +18419,8 @@
               <a:t>Probabilistic</a:t>
             </a:r>
             <a:r>
-              <a:rPr lang="en-US" altLang="zh-TW" dirty="0" smtClean="0"/>
-              <a:t> </a:t>
-            </a:r>
-            <a:r>
               <a:rPr lang="en-US" altLang="zh-TW" dirty="0"/>
-              <a:t>and </a:t>
+              <a:t> and </a:t>
             </a:r>
             <a:r>
               <a:rPr lang="en-US" altLang="zh-TW" dirty="0">
@@ -18691,71 +18432,23 @@
             </a:r>
             <a:r>
               <a:rPr lang="en-US" altLang="zh-TW" dirty="0"/>
-              <a:t> models had become quite </a:t>
-            </a:r>
-            <a:r>
-              <a:rPr lang="en-US" altLang="zh-TW" dirty="0" smtClean="0"/>
-              <a:t>standard throughout </a:t>
-            </a:r>
+              <a:t> models had become quite standard throughout natural language processing</a:t>
+            </a:r>
+          </a:p>
+          <a:p>
             <a:r>
               <a:rPr lang="en-US" altLang="zh-TW" dirty="0"/>
-              <a:t>natural language </a:t>
-            </a:r>
-            <a:r>
-              <a:rPr lang="en-US" altLang="zh-TW" dirty="0" smtClean="0"/>
-              <a:t>processing</a:t>
-            </a:r>
-          </a:p>
-          <a:p>
-            <a:r>
-              <a:rPr lang="en-US" altLang="zh-TW" dirty="0" smtClean="0"/>
-              <a:t>The </a:t>
-            </a:r>
+              <a:t>The increases in the speed and memory of computers had allowed commercial exploitation of a number of subareas of speech and language processing, in particular, speech recognition, and spelling and grammar correction</a:t>
+            </a:r>
+          </a:p>
+          <a:p>
             <a:r>
               <a:rPr lang="en-US" altLang="zh-TW" dirty="0"/>
-              <a:t>increases in the speed and memory of </a:t>
-            </a:r>
-            <a:r>
-              <a:rPr lang="en-US" altLang="zh-TW" dirty="0" smtClean="0"/>
-              <a:t>computers had </a:t>
-            </a:r>
-            <a:r>
-              <a:rPr lang="en-US" altLang="zh-TW" dirty="0"/>
-              <a:t>allowed commercial exploitation of a number of subareas of speech and </a:t>
-            </a:r>
-            <a:r>
-              <a:rPr lang="en-US" altLang="zh-TW" dirty="0" smtClean="0"/>
-              <a:t>language processing</a:t>
-            </a:r>
-            <a:r>
-              <a:rPr lang="en-US" altLang="zh-TW" dirty="0"/>
-              <a:t>, in particular, speech recognition, and spelling and grammar </a:t>
-            </a:r>
-            <a:r>
-              <a:rPr lang="en-US" altLang="zh-TW" dirty="0" smtClean="0"/>
-              <a:t>correction</a:t>
-            </a:r>
-          </a:p>
-          <a:p>
-            <a:r>
-              <a:rPr lang="en-US" altLang="zh-TW" dirty="0" smtClean="0"/>
-              <a:t>The </a:t>
-            </a:r>
-            <a:r>
-              <a:rPr lang="en-US" altLang="zh-TW" dirty="0"/>
-              <a:t>rise of the Web emphasized the </a:t>
-            </a:r>
-            <a:r>
-              <a:rPr lang="en-US" altLang="zh-TW" dirty="0" smtClean="0"/>
-              <a:t>need </a:t>
-            </a:r>
-            <a:r>
-              <a:rPr lang="hsb-DE" altLang="zh-TW" dirty="0" smtClean="0"/>
-              <a:t>for </a:t>
+              <a:t>The rise of the Web emphasized the need </a:t>
             </a:r>
             <a:r>
               <a:rPr lang="hsb-DE" altLang="zh-TW" dirty="0"/>
-              <a:t>language-based information retrieval and information extraction</a:t>
+              <a:t>for language-based information retrieval and information extraction</a:t>
             </a:r>
             <a:endParaRPr lang="zh-TW" altLang="en-US" dirty="0"/>
           </a:p>
@@ -18777,8 +18470,8 @@
           <a:lstStyle/>
           <a:p>
             <a:r>
-              <a:rPr lang="en-US" altLang="zh-TW" smtClean="0"/>
-              <a:t>NLP &amp; TM, Spring 2024</a:t>
+              <a:rPr lang="en-US" altLang="zh-TW"/>
+              <a:t>NLP &amp; TM, Spring 2025</a:t>
             </a:r>
             <a:endParaRPr lang="zh-TW" altLang="en-US"/>
           </a:p>
@@ -18800,7 +18493,7 @@
           <a:lstStyle/>
           <a:p>
             <a:r>
-              <a:rPr lang="en-US" altLang="zh-TW" smtClean="0"/>
+              <a:rPr lang="en-US" altLang="zh-TW"/>
               <a:t>NTUT CSIE</a:t>
             </a:r>
             <a:endParaRPr lang="zh-TW" altLang="en-US"/>
@@ -18840,13 +18533,6 @@
   <p:clrMapOvr>
     <a:masterClrMapping/>
   </p:clrMapOvr>
-  <p:timing>
-    <p:tnLst>
-      <p:par>
-        <p:cTn id="1" dur="indefinite" restart="never" nodeType="tmRoot"/>
-      </p:par>
-    </p:tnLst>
-  </p:timing>
 </p:sld>
 </file>
 
@@ -18908,103 +18594,39 @@
           <a:lstStyle/>
           <a:p>
             <a:r>
-              <a:rPr lang="en-US" altLang="zh-TW" dirty="0" smtClean="0"/>
-              <a:t>Large </a:t>
-            </a:r>
-            <a:r>
               <a:rPr lang="en-US" altLang="zh-TW" dirty="0"/>
-              <a:t>amounts of spoken and written material became widely available </a:t>
-            </a:r>
-            <a:r>
-              <a:rPr lang="en-US" altLang="zh-TW" dirty="0" smtClean="0"/>
-              <a:t>through the </a:t>
-            </a:r>
+              <a:t>Large amounts of spoken and written material became widely available through the auspices of the Linguistic Data Consortium (LDC) and other similar organizations</a:t>
+            </a:r>
+          </a:p>
+          <a:p>
             <a:r>
               <a:rPr lang="en-US" altLang="zh-TW" dirty="0"/>
-              <a:t>auspices of the Linguistic Data Consortium (LDC) and other similar </a:t>
-            </a:r>
-            <a:r>
-              <a:rPr lang="en-US" altLang="zh-TW" dirty="0" smtClean="0"/>
-              <a:t>organizations</a:t>
-            </a:r>
-          </a:p>
-          <a:p>
-            <a:r>
-              <a:rPr lang="en-US" altLang="zh-TW" dirty="0" smtClean="0"/>
-              <a:t>This </a:t>
-            </a:r>
+              <a:t>This increased focus on learning led to a more serious interplay with the statistical machine learning community</a:t>
+            </a:r>
+          </a:p>
+          <a:p>
+            <a:pPr lvl="1"/>
             <a:r>
               <a:rPr lang="en-US" altLang="zh-TW" dirty="0"/>
-              <a:t>increased focus on learning led to a more serious interplay with </a:t>
-            </a:r>
-            <a:r>
-              <a:rPr lang="en-US" altLang="zh-TW" dirty="0" smtClean="0"/>
-              <a:t>the statistical </a:t>
-            </a:r>
+              <a:t>SVM, maximum entropy, multinomial logistic regression, graphical Bayesian models</a:t>
+            </a:r>
+          </a:p>
+          <a:p>
             <a:r>
               <a:rPr lang="en-US" altLang="zh-TW" dirty="0"/>
-              <a:t>machine learning </a:t>
-            </a:r>
-            <a:r>
-              <a:rPr lang="en-US" altLang="zh-TW" dirty="0" smtClean="0"/>
-              <a:t>community</a:t>
+              <a:t>The widespread availability of high-performance computing systems facilitated the training and deployment of systems that could not have been imagined a decade earlier</a:t>
+            </a:r>
+          </a:p>
+          <a:p>
+            <a:r>
+              <a:rPr lang="en-US" altLang="zh-TW" dirty="0"/>
+              <a:t>Near the end of this period, largely unsupervised statistical approaches began to receive renewed attention</a:t>
             </a:r>
           </a:p>
           <a:p>
             <a:pPr lvl="1"/>
             <a:r>
-              <a:rPr lang="en-US" altLang="zh-TW" dirty="0" smtClean="0"/>
-              <a:t>SVM, maximum entropy, multinomial logistic regression, graphical Bayesian models</a:t>
-            </a:r>
-          </a:p>
-          <a:p>
-            <a:r>
-              <a:rPr lang="en-US" altLang="zh-TW" dirty="0" smtClean="0"/>
-              <a:t>The </a:t>
-            </a:r>
-            <a:r>
               <a:rPr lang="en-US" altLang="zh-TW" dirty="0"/>
-              <a:t>widespread availability of high-performance computing systems </a:t>
-            </a:r>
-            <a:r>
-              <a:rPr lang="en-US" altLang="zh-TW" dirty="0" smtClean="0"/>
-              <a:t>facilitated the </a:t>
-            </a:r>
-            <a:r>
-              <a:rPr lang="en-US" altLang="zh-TW" dirty="0"/>
-              <a:t>training and deployment of systems that could not have been imagined </a:t>
-            </a:r>
-            <a:r>
-              <a:rPr lang="en-US" altLang="zh-TW" dirty="0" smtClean="0"/>
-              <a:t>a decade earlier</a:t>
-            </a:r>
-          </a:p>
-          <a:p>
-            <a:r>
-              <a:rPr lang="en-US" altLang="zh-TW" dirty="0" smtClean="0"/>
-              <a:t>Near </a:t>
-            </a:r>
-            <a:r>
-              <a:rPr lang="en-US" altLang="zh-TW" dirty="0"/>
-              <a:t>the end of this period, largely unsupervised statistical approaches </a:t>
-            </a:r>
-            <a:r>
-              <a:rPr lang="en-US" altLang="zh-TW" dirty="0" smtClean="0"/>
-              <a:t>began to </a:t>
-            </a:r>
-            <a:r>
-              <a:rPr lang="en-US" altLang="zh-TW" dirty="0"/>
-              <a:t>receive renewed </a:t>
-            </a:r>
-            <a:r>
-              <a:rPr lang="en-US" altLang="zh-TW" dirty="0" smtClean="0"/>
-              <a:t>attention</a:t>
-            </a:r>
-          </a:p>
-          <a:p>
-            <a:pPr lvl="1"/>
-            <a:r>
-              <a:rPr lang="en-US" altLang="zh-TW" dirty="0" smtClean="0"/>
               <a:t>Topic modeling, …</a:t>
             </a:r>
             <a:endParaRPr lang="zh-TW" altLang="en-US" dirty="0"/>
@@ -19027,8 +18649,8 @@
           <a:lstStyle/>
           <a:p>
             <a:r>
-              <a:rPr lang="en-US" altLang="zh-TW" smtClean="0"/>
-              <a:t>NLP &amp; TM, Spring 2024</a:t>
+              <a:rPr lang="en-US" altLang="zh-TW"/>
+              <a:t>NLP &amp; TM, Spring 2025</a:t>
             </a:r>
             <a:endParaRPr lang="zh-TW" altLang="en-US"/>
           </a:p>
@@ -19050,7 +18672,7 @@
           <a:lstStyle/>
           <a:p>
             <a:r>
-              <a:rPr lang="en-US" altLang="zh-TW" smtClean="0"/>
+              <a:rPr lang="en-US" altLang="zh-TW"/>
               <a:t>NTUT CSIE</a:t>
             </a:r>
             <a:endParaRPr lang="zh-TW" altLang="en-US"/>
@@ -19090,13 +18712,6 @@
   <p:clrMapOvr>
     <a:masterClrMapping/>
   </p:clrMapOvr>
-  <p:timing>
-    <p:tnLst>
-      <p:par>
-        <p:cTn id="1" dur="indefinite" restart="never" nodeType="tmRoot"/>
-      </p:par>
-    </p:tnLst>
-  </p:timing>
 </p:sld>
 </file>
 
@@ -19133,7 +18748,7 @@
           <a:lstStyle/>
           <a:p>
             <a:r>
-              <a:rPr lang="en-US" altLang="zh-TW" dirty="0" smtClean="0"/>
+              <a:rPr lang="en-US" altLang="zh-TW" dirty="0"/>
               <a:t>New Potentials for NLP</a:t>
             </a:r>
             <a:endParaRPr lang="zh-TW" altLang="en-US" dirty="0"/>
@@ -19156,25 +18771,25 @@
           <a:lstStyle/>
           <a:p>
             <a:r>
-              <a:rPr lang="en-US" altLang="zh-TW" dirty="0" smtClean="0"/>
+              <a:rPr lang="en-US" altLang="zh-TW" dirty="0"/>
               <a:t>Powerful computing resources</a:t>
             </a:r>
           </a:p>
           <a:p>
             <a:r>
-              <a:rPr lang="en-US" altLang="zh-TW" dirty="0" smtClean="0"/>
+              <a:rPr lang="en-US" altLang="zh-TW" dirty="0"/>
               <a:t>Web as the massive source of information </a:t>
             </a:r>
           </a:p>
           <a:p>
             <a:r>
-              <a:rPr lang="en-US" altLang="zh-TW" dirty="0" smtClean="0"/>
+              <a:rPr lang="en-US" altLang="zh-TW" dirty="0"/>
               <a:t>Availability of wireless mobile access</a:t>
             </a:r>
           </a:p>
           <a:p>
             <a:r>
-              <a:rPr lang="en-US" altLang="zh-TW" dirty="0" smtClean="0"/>
+              <a:rPr lang="en-US" altLang="zh-TW" dirty="0"/>
               <a:t>Many new application scenarios</a:t>
             </a:r>
           </a:p>
@@ -19202,8 +18817,8 @@
           <a:lstStyle/>
           <a:p>
             <a:r>
-              <a:rPr lang="en-US" altLang="zh-TW" smtClean="0"/>
-              <a:t>NLP &amp; TM, Spring 2024</a:t>
+              <a:rPr lang="en-US" altLang="zh-TW"/>
+              <a:t>NLP &amp; TM, Spring 2025</a:t>
             </a:r>
             <a:endParaRPr lang="zh-TW" altLang="en-US"/>
           </a:p>
@@ -19225,7 +18840,7 @@
           <a:lstStyle/>
           <a:p>
             <a:r>
-              <a:rPr lang="en-US" altLang="zh-TW" smtClean="0"/>
+              <a:rPr lang="en-US" altLang="zh-TW"/>
               <a:t>NTUT CSIE</a:t>
             </a:r>
             <a:endParaRPr lang="zh-TW" altLang="en-US"/>
@@ -19265,13 +18880,6 @@
   <p:clrMapOvr>
     <a:masterClrMapping/>
   </p:clrMapOvr>
-  <p:timing>
-    <p:tnLst>
-      <p:par>
-        <p:cTn id="1" dur="indefinite" restart="never" nodeType="tmRoot"/>
-      </p:par>
-    </p:tnLst>
-  </p:timing>
 </p:sld>
 </file>
 
@@ -19308,7 +18916,7 @@
           <a:lstStyle/>
           <a:p>
             <a:r>
-              <a:rPr lang="en-US" altLang="zh-TW" dirty="0" smtClean="0"/>
+              <a:rPr lang="en-US" altLang="zh-TW" dirty="0"/>
               <a:t>What is Natural Language Processing</a:t>
             </a:r>
             <a:endParaRPr lang="zh-TW" altLang="en-US" dirty="0"/>
@@ -19331,19 +18939,19 @@
           <a:lstStyle/>
           <a:p>
             <a:r>
-              <a:rPr lang="en-US" altLang="zh-TW" dirty="0" smtClean="0"/>
+              <a:rPr lang="en-US" altLang="zh-TW" dirty="0"/>
               <a:t>(speech and) language processing</a:t>
             </a:r>
           </a:p>
           <a:p>
             <a:r>
-              <a:rPr lang="en-US" altLang="zh-TW" dirty="0" smtClean="0"/>
+              <a:rPr lang="en-US" altLang="zh-TW" dirty="0"/>
               <a:t>Human language technology</a:t>
             </a:r>
           </a:p>
           <a:p>
             <a:r>
-              <a:rPr lang="en-US" altLang="zh-TW" dirty="0" smtClean="0"/>
+              <a:rPr lang="en-US" altLang="zh-TW" dirty="0"/>
               <a:t>Computational linguistics</a:t>
             </a:r>
           </a:p>
@@ -19351,21 +18959,21 @@
             <a:endParaRPr lang="en-US" altLang="zh-TW" dirty="0"/>
           </a:p>
           <a:p>
-            <a:endParaRPr lang="en-US" altLang="zh-TW" dirty="0" smtClean="0"/>
-          </a:p>
-          <a:p>
-            <a:r>
-              <a:rPr lang="en-US" altLang="zh-TW" dirty="0" smtClean="0"/>
+            <a:endParaRPr lang="en-US" altLang="zh-TW" dirty="0"/>
+          </a:p>
+          <a:p>
+            <a:r>
+              <a:rPr lang="en-US" altLang="zh-TW" dirty="0"/>
               <a:t>To give computers ability to process human language</a:t>
             </a:r>
           </a:p>
           <a:p>
             <a:r>
-              <a:rPr lang="en-US" altLang="zh-TW" dirty="0" smtClean="0"/>
+              <a:rPr lang="en-US" altLang="zh-TW" dirty="0"/>
               <a:t>To enable </a:t>
             </a:r>
             <a:r>
-              <a:rPr lang="en-US" altLang="zh-TW" dirty="0" smtClean="0">
+              <a:rPr lang="en-US" altLang="zh-TW" dirty="0">
                 <a:solidFill>
                   <a:srgbClr val="0000FF"/>
                 </a:solidFill>
@@ -19375,7 +18983,7 @@
           </a:p>
           <a:p>
             <a:r>
-              <a:rPr lang="en-US" altLang="zh-TW" dirty="0" smtClean="0"/>
+              <a:rPr lang="en-US" altLang="zh-TW" dirty="0"/>
               <a:t>E.g. conversational agent</a:t>
             </a:r>
             <a:endParaRPr lang="zh-TW" altLang="en-US" dirty="0"/>
@@ -19398,8 +19006,8 @@
           <a:lstStyle/>
           <a:p>
             <a:r>
-              <a:rPr lang="en-US" altLang="zh-TW" smtClean="0"/>
-              <a:t>NLP &amp; TM, Spring 2024</a:t>
+              <a:rPr lang="en-US" altLang="zh-TW"/>
+              <a:t>NLP &amp; TM, Spring 2025</a:t>
             </a:r>
             <a:endParaRPr lang="zh-TW" altLang="en-US"/>
           </a:p>
@@ -19421,7 +19029,7 @@
           <a:lstStyle/>
           <a:p>
             <a:r>
-              <a:rPr lang="en-US" altLang="zh-TW" smtClean="0"/>
+              <a:rPr lang="en-US" altLang="zh-TW"/>
               <a:t>NTUT CSIE</a:t>
             </a:r>
             <a:endParaRPr lang="zh-TW" altLang="en-US"/>
@@ -19497,7 +19105,7 @@
           <a:lstStyle/>
           <a:p>
             <a:r>
-              <a:rPr lang="en-US" altLang="zh-TW" dirty="0" smtClean="0"/>
+              <a:rPr lang="en-US" altLang="zh-TW" dirty="0"/>
               <a:t>Thanks for Your Attention!</a:t>
             </a:r>
             <a:endParaRPr lang="zh-TW" altLang="en-US" dirty="0"/>
@@ -19539,8 +19147,8 @@
           <a:lstStyle/>
           <a:p>
             <a:r>
-              <a:rPr lang="en-US" altLang="zh-TW" smtClean="0"/>
-              <a:t>NLP &amp; TM, Spring 2024</a:t>
+              <a:rPr lang="en-US" altLang="zh-TW"/>
+              <a:t>NLP &amp; TM, Spring 2025</a:t>
             </a:r>
             <a:endParaRPr lang="zh-TW" altLang="en-US"/>
           </a:p>
@@ -19562,7 +19170,7 @@
           <a:lstStyle/>
           <a:p>
             <a:r>
-              <a:rPr lang="en-US" altLang="zh-TW" smtClean="0"/>
+              <a:rPr lang="en-US" altLang="zh-TW"/>
               <a:t>NTUT CSIE</a:t>
             </a:r>
             <a:endParaRPr lang="zh-TW" altLang="en-US"/>
@@ -19602,13 +19210,6 @@
   <p:clrMapOvr>
     <a:masterClrMapping/>
   </p:clrMapOvr>
-  <p:timing>
-    <p:tnLst>
-      <p:par>
-        <p:cTn id="1" dur="indefinite" restart="never" nodeType="tmRoot"/>
-      </p:par>
-    </p:tnLst>
-  </p:timing>
 </p:sld>
 </file>
 
@@ -19645,7 +19246,7 @@
           <a:lstStyle/>
           <a:p>
             <a:r>
-              <a:rPr lang="en-US" altLang="zh-TW" dirty="0" smtClean="0"/>
+              <a:rPr lang="en-US" altLang="zh-TW" dirty="0"/>
               <a:t>Example: 2001: A Space Odyssey</a:t>
             </a:r>
             <a:endParaRPr lang="zh-TW" altLang="en-US" dirty="0"/>
@@ -19668,82 +19269,54 @@
           <a:lstStyle/>
           <a:p>
             <a:r>
-              <a:rPr lang="en-US" altLang="zh-TW" dirty="0" smtClean="0"/>
-              <a:t>A </a:t>
-            </a:r>
-            <a:r>
               <a:rPr lang="en-US" altLang="zh-TW" dirty="0"/>
-              <a:t>1968 epic science fiction film produced and directed by Stanley </a:t>
-            </a:r>
-            <a:r>
-              <a:rPr lang="en-US" altLang="zh-TW" dirty="0" smtClean="0"/>
-              <a:t>Kubrick</a:t>
-            </a:r>
-          </a:p>
-          <a:p>
-            <a:r>
-              <a:rPr lang="en-US" altLang="zh-TW" dirty="0" smtClean="0"/>
-              <a:t>Based on a novel by </a:t>
-            </a:r>
+              <a:t>A 1968 epic science fiction film produced and directed by Stanley Kubrick</a:t>
+            </a:r>
+          </a:p>
+          <a:p>
+            <a:pPr lvl="1"/>
             <a:r>
               <a:rPr lang="en-US" altLang="zh-TW" dirty="0"/>
-              <a:t>Arthur C. Clarke</a:t>
-            </a:r>
-            <a:endParaRPr lang="en-US" altLang="zh-TW" dirty="0" smtClean="0"/>
-          </a:p>
-          <a:p>
-            <a:r>
-              <a:rPr lang="en-US" altLang="zh-TW" dirty="0" smtClean="0"/>
+              <a:t>Based on a novel by Arthur C. Clarke</a:t>
+            </a:r>
+          </a:p>
+          <a:p>
+            <a:r>
+              <a:rPr lang="en-US" altLang="zh-TW" dirty="0"/>
               <a:t>HAL 9000 computer</a:t>
             </a:r>
           </a:p>
           <a:p>
             <a:pPr lvl="1"/>
             <a:r>
-              <a:rPr lang="en-US" altLang="zh-TW" dirty="0" smtClean="0"/>
-              <a:t>Speaking </a:t>
-            </a:r>
-            <a:r>
               <a:rPr lang="en-US" altLang="zh-TW" dirty="0"/>
-              <a:t>and understanding </a:t>
-            </a:r>
-            <a:r>
-              <a:rPr lang="en-US" altLang="zh-TW" dirty="0" smtClean="0"/>
-              <a:t>English</a:t>
+              <a:t>Speaking and understanding English</a:t>
             </a:r>
           </a:p>
           <a:p>
             <a:pPr lvl="1"/>
             <a:r>
-              <a:rPr lang="en-US" altLang="zh-TW" dirty="0" smtClean="0"/>
-              <a:t>Even </a:t>
-            </a:r>
-            <a:r>
               <a:rPr lang="en-US" altLang="zh-TW" dirty="0"/>
-              <a:t>reading </a:t>
-            </a:r>
-            <a:r>
-              <a:rPr lang="en-US" altLang="zh-TW" dirty="0" smtClean="0"/>
-              <a:t>lips</a:t>
-            </a:r>
-          </a:p>
-          <a:p>
-            <a:r>
-              <a:rPr lang="en-US" altLang="zh-TW" dirty="0" smtClean="0"/>
+              <a:t>Even reading lips</a:t>
+            </a:r>
+          </a:p>
+          <a:p>
+            <a:r>
+              <a:rPr lang="en-US" altLang="zh-TW" dirty="0"/>
               <a:t>Conversational agent, dialog system</a:t>
             </a:r>
           </a:p>
           <a:p>
             <a:pPr lvl="1"/>
             <a:r>
-              <a:rPr lang="en-US" altLang="zh-TW" dirty="0" smtClean="0"/>
+              <a:rPr lang="en-US" altLang="zh-TW" dirty="0"/>
               <a:t>Input: automatic speech recognition, natural language understanding</a:t>
             </a:r>
           </a:p>
           <a:p>
             <a:pPr lvl="1"/>
             <a:r>
-              <a:rPr lang="en-US" altLang="zh-TW" dirty="0" smtClean="0"/>
+              <a:rPr lang="en-US" altLang="zh-TW" dirty="0"/>
               <a:t>Output: dialogue and response planning, speech synthesis</a:t>
             </a:r>
             <a:endParaRPr lang="zh-TW" altLang="en-US" dirty="0"/>
@@ -19766,8 +19339,8 @@
           <a:lstStyle/>
           <a:p>
             <a:r>
-              <a:rPr lang="en-US" altLang="zh-TW" smtClean="0"/>
-              <a:t>NLP &amp; TM, Spring 2024</a:t>
+              <a:rPr lang="en-US" altLang="zh-TW"/>
+              <a:t>NLP &amp; TM, Spring 2025</a:t>
             </a:r>
             <a:endParaRPr lang="zh-TW" altLang="en-US"/>
           </a:p>
@@ -19789,7 +19362,7 @@
           <a:lstStyle/>
           <a:p>
             <a:r>
-              <a:rPr lang="en-US" altLang="zh-TW" smtClean="0"/>
+              <a:rPr lang="en-US" altLang="zh-TW"/>
               <a:t>NTUT CSIE</a:t>
             </a:r>
             <a:endParaRPr lang="zh-TW" altLang="en-US"/>
@@ -19925,11 +19498,11 @@
           <a:lstStyle/>
           <a:p>
             <a:r>
-              <a:rPr lang="en-US" altLang="zh-TW" dirty="0" smtClean="0"/>
+              <a:rPr lang="en-US" altLang="zh-TW" dirty="0"/>
               <a:t>Modern Examples: </a:t>
             </a:r>
             <a:r>
-              <a:rPr lang="en-US" altLang="zh-TW" dirty="0" err="1" smtClean="0"/>
+              <a:rPr lang="en-US" altLang="zh-TW" dirty="0" err="1"/>
               <a:t>Chatbots</a:t>
             </a:r>
             <a:endParaRPr lang="zh-TW" altLang="en-US" dirty="0"/>
@@ -19954,7 +19527,7 @@
           <a:lstStyle/>
           <a:p>
             <a:r>
-              <a:rPr lang="en-US" altLang="zh-TW" dirty="0" err="1" smtClean="0">
+              <a:rPr lang="en-US" altLang="zh-TW" dirty="0" err="1">
                 <a:solidFill>
                   <a:srgbClr val="FF0000"/>
                 </a:solidFill>
@@ -19962,11 +19535,11 @@
               <a:t>ChatGPT</a:t>
             </a:r>
             <a:r>
-              <a:rPr lang="en-US" altLang="zh-TW" dirty="0" smtClean="0"/>
+              <a:rPr lang="en-US" altLang="zh-TW" dirty="0"/>
               <a:t>, </a:t>
             </a:r>
             <a:r>
-              <a:rPr lang="en-US" altLang="zh-TW" dirty="0" smtClean="0">
+              <a:rPr lang="en-US" altLang="zh-TW" dirty="0">
                 <a:solidFill>
                   <a:srgbClr val="FF0000"/>
                 </a:solidFill>
@@ -19974,76 +19547,96 @@
               <a:t>Gemini</a:t>
             </a:r>
             <a:r>
-              <a:rPr lang="en-US" altLang="zh-TW" dirty="0" smtClean="0"/>
-              <a:t> (Bard)</a:t>
-            </a:r>
-            <a:endParaRPr lang="en-US" altLang="zh-TW" dirty="0" smtClean="0"/>
-          </a:p>
-          <a:p>
-            <a:r>
-              <a:rPr lang="en-US" altLang="zh-TW" dirty="0" smtClean="0"/>
+              <a:rPr lang="en-US" altLang="zh-TW" dirty="0"/>
+              <a:t> (Bard), </a:t>
+            </a:r>
+            <a:r>
+              <a:rPr lang="en-US" altLang="zh-TW" dirty="0" err="1">
+                <a:solidFill>
+                  <a:srgbClr val="FF0000"/>
+                </a:solidFill>
+              </a:rPr>
+              <a:t>DeepSeek</a:t>
+            </a:r>
+            <a:r>
+              <a:rPr lang="en-US" altLang="zh-TW">
+                <a:solidFill>
+                  <a:srgbClr val="FF0000"/>
+                </a:solidFill>
+              </a:rPr>
+              <a:t>, …</a:t>
+            </a:r>
+            <a:endParaRPr lang="en-US" altLang="zh-TW" dirty="0">
+              <a:solidFill>
+                <a:srgbClr val="FF0000"/>
+              </a:solidFill>
+            </a:endParaRPr>
+          </a:p>
+          <a:p>
+            <a:r>
+              <a:rPr lang="en-US" altLang="zh-TW" dirty="0"/>
               <a:t>Mobile phone assistants</a:t>
             </a:r>
           </a:p>
           <a:p>
             <a:pPr lvl="1"/>
             <a:r>
-              <a:rPr lang="en-US" altLang="zh-TW" dirty="0" smtClean="0"/>
+              <a:rPr lang="en-US" altLang="zh-TW" dirty="0"/>
               <a:t>Apple Siri, …</a:t>
             </a:r>
           </a:p>
           <a:p>
             <a:r>
-              <a:rPr lang="en-US" altLang="zh-TW" dirty="0" smtClean="0"/>
+              <a:rPr lang="en-US" altLang="zh-TW" dirty="0"/>
               <a:t>Smart speakers</a:t>
             </a:r>
           </a:p>
           <a:p>
             <a:pPr lvl="1"/>
             <a:r>
-              <a:rPr lang="en-US" altLang="zh-TW" dirty="0" smtClean="0"/>
+              <a:rPr lang="en-US" altLang="zh-TW" dirty="0"/>
               <a:t>Google Home, Amazon Alexa, LINE </a:t>
             </a:r>
             <a:r>
-              <a:rPr lang="en-US" altLang="zh-TW" dirty="0" err="1" smtClean="0"/>
+              <a:rPr lang="en-US" altLang="zh-TW" dirty="0" err="1"/>
               <a:t>Clova</a:t>
             </a:r>
             <a:r>
-              <a:rPr lang="en-US" altLang="zh-TW" dirty="0" smtClean="0"/>
+              <a:rPr lang="en-US" altLang="zh-TW" dirty="0"/>
               <a:t>, …</a:t>
             </a:r>
           </a:p>
           <a:p>
             <a:r>
-              <a:rPr lang="en-US" altLang="zh-TW" dirty="0" smtClean="0"/>
+              <a:rPr lang="en-US" altLang="zh-TW" dirty="0"/>
               <a:t>Other applications:</a:t>
             </a:r>
           </a:p>
           <a:p>
             <a:pPr lvl="1"/>
             <a:r>
-              <a:rPr lang="en-US" altLang="zh-TW" dirty="0" smtClean="0"/>
+              <a:rPr lang="en-US" altLang="zh-TW" dirty="0"/>
               <a:t>Social networking platforms</a:t>
             </a:r>
           </a:p>
           <a:p>
             <a:pPr lvl="1"/>
             <a:r>
-              <a:rPr lang="en-US" altLang="zh-TW" dirty="0" smtClean="0"/>
+              <a:rPr lang="en-US" altLang="zh-TW" dirty="0"/>
               <a:t>Healthcare</a:t>
             </a:r>
           </a:p>
           <a:p>
             <a:pPr lvl="1"/>
             <a:r>
-              <a:rPr lang="en-US" altLang="zh-TW" dirty="0" smtClean="0"/>
+              <a:rPr lang="en-US" altLang="zh-TW" dirty="0"/>
               <a:t>Banking</a:t>
             </a:r>
           </a:p>
           <a:p>
             <a:pPr lvl="1"/>
             <a:r>
-              <a:rPr lang="en-US" altLang="zh-TW" dirty="0" smtClean="0"/>
+              <a:rPr lang="en-US" altLang="zh-TW" dirty="0"/>
               <a:t>…</a:t>
             </a:r>
           </a:p>
@@ -20069,8 +19662,8 @@
           <a:lstStyle/>
           <a:p>
             <a:r>
-              <a:rPr lang="en-US" altLang="zh-TW" smtClean="0"/>
-              <a:t>NLP &amp; TM, Spring 2024</a:t>
+              <a:rPr lang="en-US" altLang="zh-TW"/>
+              <a:t>NLP &amp; TM, Spring 2025</a:t>
             </a:r>
             <a:endParaRPr lang="zh-TW" altLang="en-US"/>
           </a:p>
@@ -20092,7 +19685,7 @@
           <a:lstStyle/>
           <a:p>
             <a:r>
-              <a:rPr lang="en-US" altLang="zh-TW" smtClean="0"/>
+              <a:rPr lang="en-US" altLang="zh-TW"/>
               <a:t>NTUT CSIE</a:t>
             </a:r>
             <a:endParaRPr lang="zh-TW" altLang="en-US"/>
@@ -20318,7 +19911,7 @@
           <a:lstStyle/>
           <a:p>
             <a:r>
-              <a:rPr lang="en-US" altLang="zh-TW" dirty="0" smtClean="0"/>
+              <a:rPr lang="en-US" altLang="zh-TW" dirty="0"/>
               <a:t>Example Language-related Tasks</a:t>
             </a:r>
             <a:endParaRPr lang="zh-TW" altLang="en-US" dirty="0"/>
@@ -20348,26 +19941,21 @@
               </a:rPr>
               <a:t>Machine Translation </a:t>
             </a:r>
-            <a:endParaRPr lang="en-US" altLang="zh-TW" dirty="0" smtClean="0">
-              <a:solidFill>
-                <a:srgbClr val="0000FF"/>
-              </a:solidFill>
-            </a:endParaRPr>
           </a:p>
           <a:p>
             <a:pPr lvl="1"/>
             <a:r>
-              <a:rPr lang="en-US" altLang="zh-TW" dirty="0" smtClean="0"/>
+              <a:rPr lang="en-US" altLang="zh-TW" dirty="0"/>
               <a:t>Automatically translate a document from one language to another</a:t>
             </a:r>
           </a:p>
           <a:p>
             <a:r>
-              <a:rPr lang="en-US" altLang="zh-TW" dirty="0" smtClean="0"/>
+              <a:rPr lang="en-US" altLang="zh-TW" dirty="0"/>
               <a:t>Web-based </a:t>
             </a:r>
             <a:r>
-              <a:rPr lang="en-US" altLang="zh-TW" dirty="0" smtClean="0">
+              <a:rPr lang="en-US" altLang="zh-TW" dirty="0">
                 <a:solidFill>
                   <a:srgbClr val="0000FF"/>
                 </a:solidFill>
@@ -20375,7 +19963,7 @@
               <a:t>question answering</a:t>
             </a:r>
             <a:r>
-              <a:rPr lang="en-US" altLang="zh-TW" dirty="0" smtClean="0"/>
+              <a:rPr lang="en-US" altLang="zh-TW" dirty="0"/>
               <a:t>, for example:</a:t>
             </a:r>
           </a:p>
@@ -20389,16 +19977,8 @@
           <a:p>
             <a:pPr lvl="1"/>
             <a:r>
-              <a:rPr lang="en-US" altLang="zh-TW" dirty="0" smtClean="0"/>
-              <a:t>How </a:t>
-            </a:r>
-            <a:r>
               <a:rPr lang="en-US" altLang="zh-TW" dirty="0"/>
-              <a:t>many states were in the United States that year</a:t>
-            </a:r>
-            <a:r>
-              <a:rPr lang="en-US" altLang="zh-TW" dirty="0" smtClean="0"/>
-              <a:t>?</a:t>
+              <a:t>How many states were in the United States that year?</a:t>
             </a:r>
           </a:p>
           <a:p>
@@ -20411,27 +19991,19 @@
           <a:p>
             <a:pPr lvl="1"/>
             <a:r>
-              <a:rPr lang="en-US" altLang="zh-TW" dirty="0" smtClean="0"/>
-              <a:t>What </a:t>
-            </a:r>
-            <a:r>
               <a:rPr lang="en-US" altLang="zh-TW" dirty="0"/>
-              <a:t>do scientists think about the ethics of human cloning</a:t>
-            </a:r>
-            <a:r>
-              <a:rPr lang="en-US" altLang="zh-TW" dirty="0" smtClean="0"/>
-              <a:t>?</a:t>
-            </a:r>
-          </a:p>
-          <a:p>
-            <a:r>
-              <a:rPr lang="en-US" altLang="zh-TW" dirty="0" smtClean="0"/>
+              <a:t>What do scientists think about the ethics of human cloning?</a:t>
+            </a:r>
+          </a:p>
+          <a:p>
+            <a:r>
+              <a:rPr lang="en-US" altLang="zh-TW" dirty="0"/>
               <a:t>Information extraction, word sense disambiguation</a:t>
             </a:r>
           </a:p>
           <a:p>
             <a:r>
-              <a:rPr lang="en-US" altLang="zh-TW" dirty="0" smtClean="0"/>
+              <a:rPr lang="en-US" altLang="zh-TW" dirty="0"/>
               <a:t>Spelling correction, grammar checking, …</a:t>
             </a:r>
             <a:endParaRPr lang="zh-TW" altLang="en-US" dirty="0"/>
@@ -20454,8 +20026,8 @@
           <a:lstStyle/>
           <a:p>
             <a:r>
-              <a:rPr lang="en-US" altLang="zh-TW" smtClean="0"/>
-              <a:t>NLP &amp; TM, Spring 2024</a:t>
+              <a:rPr lang="en-US" altLang="zh-TW"/>
+              <a:t>NLP &amp; TM, Spring 2025</a:t>
             </a:r>
             <a:endParaRPr lang="zh-TW" altLang="en-US"/>
           </a:p>
@@ -20477,7 +20049,7 @@
           <a:lstStyle/>
           <a:p>
             <a:r>
-              <a:rPr lang="en-US" altLang="zh-TW" smtClean="0"/>
+              <a:rPr lang="en-US" altLang="zh-TW"/>
               <a:t>NTUT CSIE</a:t>
             </a:r>
             <a:endParaRPr lang="zh-TW" altLang="en-US"/>
@@ -20517,13 +20089,6 @@
   <p:clrMapOvr>
     <a:masterClrMapping/>
   </p:clrMapOvr>
-  <p:timing>
-    <p:tnLst>
-      <p:par>
-        <p:cTn id="1" dur="indefinite" restart="never" nodeType="tmRoot"/>
-      </p:par>
-    </p:tnLst>
-  </p:timing>
 </p:sld>
 </file>
 
@@ -20560,12 +20125,8 @@
           <a:lstStyle/>
           <a:p>
             <a:r>
-              <a:rPr lang="en-US" dirty="0" smtClean="0"/>
-              <a:t>Question Answering: IBM’s </a:t>
-            </a:r>
-            <a:r>
               <a:rPr lang="en-US" dirty="0"/>
-              <a:t>Watson</a:t>
+              <a:t>Question Answering: IBM’s Watson</a:t>
             </a:r>
           </a:p>
         </p:txBody>
@@ -20591,24 +20152,8 @@
           <a:lstStyle/>
           <a:p>
             <a:r>
-              <a:rPr lang="en-US" dirty="0" smtClean="0"/>
-              <a:t>Won Jeopardy</a:t>
-            </a:r>
-            <a:r>
               <a:rPr lang="en-US" dirty="0"/>
-              <a:t> </a:t>
-            </a:r>
-            <a:r>
-              <a:rPr lang="en-US" dirty="0" smtClean="0"/>
-              <a:t>on February 16</a:t>
-            </a:r>
-            <a:r>
-              <a:rPr lang="en-US" dirty="0"/>
-              <a:t>, 2011</a:t>
-            </a:r>
-            <a:r>
-              <a:rPr lang="en-US" dirty="0" smtClean="0"/>
-              <a:t>!</a:t>
+              <a:t>Won Jeopardy on February 16, 2011!</a:t>
             </a:r>
           </a:p>
           <a:p>
@@ -20829,8 +20374,8 @@
           <a:lstStyle/>
           <a:p>
             <a:r>
-              <a:rPr lang="en-US" altLang="zh-TW" smtClean="0"/>
-              <a:t>NLP &amp; TM, Spring 2024</a:t>
+              <a:rPr lang="en-US" altLang="zh-TW"/>
+              <a:t>NLP &amp; TM, Spring 2025</a:t>
             </a:r>
             <a:endParaRPr lang="zh-TW" altLang="en-US"/>
           </a:p>
@@ -20852,7 +20397,7 @@
           <a:lstStyle/>
           <a:p>
             <a:r>
-              <a:rPr lang="en-US" altLang="zh-TW" smtClean="0"/>
+              <a:rPr lang="en-US" altLang="zh-TW"/>
               <a:t>NTUT CSIE</a:t>
             </a:r>
             <a:endParaRPr lang="zh-TW" altLang="en-US"/>
@@ -21057,10 +20602,9 @@
           <a:lstStyle/>
           <a:p>
             <a:r>
-              <a:rPr lang="en-US" dirty="0" smtClean="0"/>
+              <a:rPr lang="en-US" dirty="0"/>
               <a:t>Information Extraction</a:t>
             </a:r>
-            <a:endParaRPr lang="en-US" dirty="0"/>
           </a:p>
         </p:txBody>
       </p:sp>
@@ -21083,7 +20627,7 @@
               <a:buNone/>
             </a:pPr>
             <a:r>
-              <a:rPr lang="en-US" dirty="0" smtClean="0">
+              <a:rPr lang="en-US" dirty="0">
                 <a:solidFill>
                   <a:schemeClr val="bg1">
                     <a:lumMod val="65000"/>
@@ -21093,7 +20637,7 @@
               <a:t>Subject: </a:t>
             </a:r>
             <a:r>
-              <a:rPr lang="en-US" b="1" dirty="0" smtClean="0"/>
+              <a:rPr lang="en-US" b="1" dirty="0"/>
               <a:t>curriculum meeting</a:t>
             </a:r>
           </a:p>
@@ -21102,11 +20646,11 @@
               <a:buNone/>
             </a:pPr>
             <a:r>
-              <a:rPr lang="en-US" dirty="0" smtClean="0"/>
+              <a:rPr lang="en-US" dirty="0"/>
               <a:t>    </a:t>
             </a:r>
             <a:r>
-              <a:rPr lang="en-US" dirty="0" smtClean="0">
+              <a:rPr lang="en-US" dirty="0">
                 <a:solidFill>
                   <a:schemeClr val="bg1">
                     <a:lumMod val="65000"/>
@@ -21116,7 +20660,7 @@
               <a:t> Date: </a:t>
             </a:r>
             <a:r>
-              <a:rPr lang="en-US" dirty="0" smtClean="0"/>
+              <a:rPr lang="en-US" dirty="0"/>
               <a:t>January 15, 2012</a:t>
             </a:r>
           </a:p>
@@ -21125,11 +20669,11 @@
               <a:buNone/>
             </a:pPr>
             <a:r>
-              <a:rPr lang="en-US" dirty="0" smtClean="0"/>
+              <a:rPr lang="en-US" dirty="0"/>
               <a:t>         </a:t>
             </a:r>
             <a:r>
-              <a:rPr lang="en-US" dirty="0" smtClean="0">
+              <a:rPr lang="en-US" dirty="0">
                 <a:solidFill>
                   <a:schemeClr val="bg1">
                     <a:lumMod val="65000"/>
@@ -21139,7 +20683,7 @@
               <a:t>To: </a:t>
             </a:r>
             <a:r>
-              <a:rPr lang="en-US" dirty="0" smtClean="0"/>
+              <a:rPr lang="en-US" dirty="0"/>
               <a:t>Dan Jurafsky</a:t>
             </a:r>
           </a:p>
@@ -21154,7 +20698,7 @@
               <a:buNone/>
             </a:pPr>
             <a:r>
-              <a:rPr lang="en-US" dirty="0" smtClean="0"/>
+              <a:rPr lang="en-US" dirty="0"/>
               <a:t>Hi Dan, we’ve now scheduled the curriculum meeting.</a:t>
             </a:r>
           </a:p>
@@ -21163,7 +20707,7 @@
               <a:buNone/>
             </a:pPr>
             <a:r>
-              <a:rPr lang="en-US" dirty="0" smtClean="0"/>
+              <a:rPr lang="en-US" dirty="0"/>
               <a:t>It will be in Gates 159 tomorrow from 10:00-11:30.</a:t>
             </a:r>
           </a:p>
@@ -21172,10 +20716,9 @@
               <a:buNone/>
             </a:pPr>
             <a:r>
-              <a:rPr lang="en-US" dirty="0" smtClean="0"/>
+              <a:rPr lang="en-US" dirty="0"/>
               <a:t>-Chris</a:t>
             </a:r>
-            <a:endParaRPr lang="en-US" dirty="0"/>
           </a:p>
         </p:txBody>
       </p:sp>
@@ -21672,8 +21215,8 @@
           <a:lstStyle/>
           <a:p>
             <a:r>
-              <a:rPr lang="en-US" altLang="zh-TW" smtClean="0"/>
-              <a:t>NLP &amp; TM, Spring 2024</a:t>
+              <a:rPr lang="en-US" altLang="zh-TW"/>
+              <a:t>NLP &amp; TM, Spring 2025</a:t>
             </a:r>
             <a:endParaRPr lang="zh-TW" altLang="en-US"/>
           </a:p>
@@ -21695,7 +21238,7 @@
           <a:lstStyle/>
           <a:p>
             <a:r>
-              <a:rPr lang="en-US" altLang="zh-TW" smtClean="0"/>
+              <a:rPr lang="en-US" altLang="zh-TW"/>
               <a:t>NTUT CSIE</a:t>
             </a:r>
             <a:endParaRPr lang="zh-TW" altLang="en-US"/>
@@ -21962,15 +21505,7 @@
           <a:p>
             <a:r>
               <a:rPr lang="en-US" dirty="0"/>
-              <a:t>Information Extraction </a:t>
-            </a:r>
-            <a:r>
-              <a:rPr lang="en-US" dirty="0" smtClean="0"/>
-              <a:t>&amp; Sentiment </a:t>
-            </a:r>
-            <a:r>
-              <a:rPr lang="en-US" dirty="0"/>
-              <a:t>Analysis</a:t>
+              <a:t>Information Extraction &amp; Sentiment Analysis</a:t>
             </a:r>
           </a:p>
         </p:txBody>
@@ -21996,14 +21531,9 @@
           <a:lstStyle/>
           <a:p>
             <a:r>
-              <a:rPr lang="en-US" dirty="0" smtClean="0"/>
-              <a:t>nice </a:t>
-            </a:r>
-            <a:r>
               <a:rPr lang="en-US" dirty="0"/>
-              <a:t>and compact to carry! </a:t>
-            </a:r>
-            <a:endParaRPr lang="en-US" dirty="0" smtClean="0"/>
+              <a:t>nice and compact to carry! </a:t>
+            </a:r>
           </a:p>
           <a:p>
             <a:r>
@@ -22013,16 +21543,8 @@
           </a:p>
           <a:p>
             <a:r>
-              <a:rPr lang="en-US" dirty="0" smtClean="0"/>
-              <a:t>the </a:t>
-            </a:r>
-            <a:r>
               <a:rPr lang="en-US" dirty="0"/>
-              <a:t>camera feels flimsy, is plastic and very light in weight you have to be very delicate in the handling of this </a:t>
-            </a:r>
-            <a:r>
-              <a:rPr lang="en-US" dirty="0" smtClean="0"/>
-              <a:t>camera</a:t>
+              <a:t>the camera feels flimsy, is plastic and very light in weight you have to be very delicate in the handling of this camera</a:t>
             </a:r>
           </a:p>
         </p:txBody>
@@ -22890,8 +22412,8 @@
           <a:lstStyle/>
           <a:p>
             <a:r>
-              <a:rPr lang="en-US" altLang="zh-TW" smtClean="0"/>
-              <a:t>NLP &amp; TM, Spring 2024</a:t>
+              <a:rPr lang="en-US" altLang="zh-TW"/>
+              <a:t>NLP &amp; TM, Spring 2025</a:t>
             </a:r>
             <a:endParaRPr lang="zh-TW" altLang="en-US"/>
           </a:p>
@@ -22913,7 +22435,7 @@
           <a:lstStyle/>
           <a:p>
             <a:r>
-              <a:rPr lang="en-US" altLang="zh-TW" smtClean="0"/>
+              <a:rPr lang="en-US" altLang="zh-TW"/>
               <a:t>NTUT CSIE</a:t>
             </a:r>
             <a:endParaRPr lang="zh-TW" altLang="en-US"/>

--- a/NLP_TM/01-IntroNLP.pptx
+++ b/NLP_TM/01-IntroNLP.pptx
@@ -229,7 +229,7 @@
           <a:p>
             <a:fld id="{EEEDA64F-9691-4C16-A5F5-351C9E284E88}" type="datetimeFigureOut">
               <a:rPr lang="zh-TW" altLang="en-US" smtClean="0"/>
-              <a:t>2025/2/25</a:t>
+              <a:t>2026/2/12</a:t>
             </a:fld>
             <a:endParaRPr lang="zh-TW" altLang="en-US"/>
           </a:p>
@@ -394,7 +394,7 @@
           <a:p>
             <a:fld id="{237A1F7D-5885-4D4C-9A33-90047810F50B}" type="datetimeFigureOut">
               <a:rPr lang="zh-TW" altLang="en-US" smtClean="0"/>
-              <a:t>2025/2/25</a:t>
+              <a:t>2026/2/12</a:t>
             </a:fld>
             <a:endParaRPr lang="zh-TW" altLang="en-US"/>
           </a:p>
@@ -959,14 +959,14 @@
           <a:ln/>
           <a:extLst>
             <a:ext uri="{909E8E84-426E-40dd-AFC4-6F175D3DCCD1}">
-              <a14:hiddenFill xmlns:a14="http://schemas.microsoft.com/office/drawing/2010/main" xmlns="">
+              <a14:hiddenFill xmlns="" xmlns:a14="http://schemas.microsoft.com/office/drawing/2010/main">
                 <a:solidFill>
                   <a:srgbClr val="FFFFFF"/>
                 </a:solidFill>
               </a14:hiddenFill>
             </a:ext>
             <a:ext uri="{91240B29-F687-4f45-9708-019B960494DF}">
-              <a14:hiddenLine xmlns:a14="http://schemas.microsoft.com/office/drawing/2010/main" xmlns="" w="9525">
+              <a14:hiddenLine xmlns="" xmlns:a14="http://schemas.microsoft.com/office/drawing/2010/main" w="9525">
                 <a:solidFill>
                   <a:srgbClr val="000000"/>
                 </a:solidFill>
@@ -1004,14 +1004,14 @@
           <a:ln/>
           <a:extLst>
             <a:ext uri="{909E8E84-426E-40dd-AFC4-6F175D3DCCD1}">
-              <a14:hiddenFill xmlns:a14="http://schemas.microsoft.com/office/drawing/2010/main" xmlns="">
+              <a14:hiddenFill xmlns="" xmlns:a14="http://schemas.microsoft.com/office/drawing/2010/main">
                 <a:solidFill>
                   <a:srgbClr val="FFFFFF"/>
                 </a:solidFill>
               </a14:hiddenFill>
             </a:ext>
             <a:ext uri="{91240B29-F687-4f45-9708-019B960494DF}">
-              <a14:hiddenLine xmlns:a14="http://schemas.microsoft.com/office/drawing/2010/main" xmlns="" w="9525">
+              <a14:hiddenLine xmlns="" xmlns:a14="http://schemas.microsoft.com/office/drawing/2010/main" w="9525">
                 <a:solidFill>
                   <a:srgbClr val="000000"/>
                 </a:solidFill>
@@ -2234,14 +2234,14 @@
           <a:ln/>
           <a:extLst>
             <a:ext uri="{909E8E84-426E-40dd-AFC4-6F175D3DCCD1}">
-              <a14:hiddenFill xmlns:a14="http://schemas.microsoft.com/office/drawing/2010/main" xmlns="">
+              <a14:hiddenFill xmlns="" xmlns:a14="http://schemas.microsoft.com/office/drawing/2010/main">
                 <a:solidFill>
                   <a:srgbClr val="FFFFFF"/>
                 </a:solidFill>
               </a14:hiddenFill>
             </a:ext>
             <a:ext uri="{91240B29-F687-4f45-9708-019B960494DF}">
-              <a14:hiddenLine xmlns:a14="http://schemas.microsoft.com/office/drawing/2010/main" xmlns="" w="9525">
+              <a14:hiddenLine xmlns="" xmlns:a14="http://schemas.microsoft.com/office/drawing/2010/main" w="9525">
                 <a:solidFill>
                   <a:srgbClr val="000000"/>
                 </a:solidFill>
@@ -5496,7 +5496,7 @@
           <a:p>
             <a:r>
               <a:rPr lang="en-US" altLang="zh-TW" dirty="0"/>
-              <a:t>Feb. 25, 2025</a:t>
+              <a:t>Feb. 12, 2026</a:t>
             </a:r>
             <a:endParaRPr lang="zh-TW" altLang="en-US" dirty="0"/>
           </a:p>
@@ -5725,14 +5725,14 @@
           </a:ln>
           <a:extLst>
             <a:ext uri="{909E8E84-426E-40dd-AFC4-6F175D3DCCD1}">
-              <a14:hiddenFill xmlns:a14="http://schemas.microsoft.com/office/drawing/2010/main" xmlns="">
+              <a14:hiddenFill xmlns="" xmlns:a14="http://schemas.microsoft.com/office/drawing/2010/main">
                 <a:solidFill>
                   <a:srgbClr val="FFFFFF"/>
                 </a:solidFill>
               </a14:hiddenFill>
             </a:ext>
             <a:ext uri="{91240B29-F687-4f45-9708-019B960494DF}">
-              <a14:hiddenLine xmlns:a14="http://schemas.microsoft.com/office/drawing/2010/main" xmlns="" w="9525">
+              <a14:hiddenLine xmlns="" xmlns:a14="http://schemas.microsoft.com/office/drawing/2010/main" w="9525">
                 <a:solidFill>
                   <a:srgbClr val="000000"/>
                 </a:solidFill>
@@ -5742,7 +5742,7 @@
               </a14:hiddenLine>
             </a:ext>
             <a:ext uri="{FAA26D3D-D897-4be2-8F04-BA451C77F1D7}">
-              <ma14:placeholderFlag xmlns:ma14="http://schemas.microsoft.com/office/mac/drawingml/2011/main" xmlns="" val="1"/>
+              <ma14:placeholderFlag xmlns="" xmlns:ma14="http://schemas.microsoft.com/office/mac/drawingml/2011/main" val="1"/>
             </a:ext>
           </a:extLst>
         </p:spPr>
@@ -7443,14 +7443,14 @@
           </a:ln>
           <a:extLst>
             <a:ext uri="{909E8E84-426E-40dd-AFC4-6F175D3DCCD1}">
-              <a14:hiddenFill xmlns:a14="http://schemas.microsoft.com/office/drawing/2010/main" xmlns="">
+              <a14:hiddenFill xmlns="" xmlns:a14="http://schemas.microsoft.com/office/drawing/2010/main">
                 <a:solidFill>
                   <a:srgbClr val="FFFFFF"/>
                 </a:solidFill>
               </a14:hiddenFill>
             </a:ext>
             <a:ext uri="{91240B29-F687-4f45-9708-019B960494DF}">
-              <a14:hiddenLine xmlns:a14="http://schemas.microsoft.com/office/drawing/2010/main" xmlns="" w="9525">
+              <a14:hiddenLine xmlns="" xmlns:a14="http://schemas.microsoft.com/office/drawing/2010/main" w="9525">
                 <a:solidFill>
                   <a:srgbClr val="000000"/>
                 </a:solidFill>
@@ -7609,14 +7609,14 @@
           </a:ln>
           <a:extLst>
             <a:ext uri="{909E8E84-426E-40dd-AFC4-6F175D3DCCD1}">
-              <a14:hiddenFill xmlns:a14="http://schemas.microsoft.com/office/drawing/2010/main" xmlns="">
+              <a14:hiddenFill xmlns="" xmlns:a14="http://schemas.microsoft.com/office/drawing/2010/main">
                 <a:solidFill>
                   <a:srgbClr val="FFFFFF"/>
                 </a:solidFill>
               </a14:hiddenFill>
             </a:ext>
             <a:ext uri="{91240B29-F687-4f45-9708-019B960494DF}">
-              <a14:hiddenLine xmlns:a14="http://schemas.microsoft.com/office/drawing/2010/main" xmlns="" w="9525">
+              <a14:hiddenLine xmlns="" xmlns:a14="http://schemas.microsoft.com/office/drawing/2010/main" w="9525">
                 <a:solidFill>
                   <a:srgbClr val="000000"/>
                 </a:solidFill>
@@ -7775,14 +7775,14 @@
           </a:ln>
           <a:extLst>
             <a:ext uri="{909E8E84-426E-40dd-AFC4-6F175D3DCCD1}">
-              <a14:hiddenFill xmlns:a14="http://schemas.microsoft.com/office/drawing/2010/main" xmlns="">
+              <a14:hiddenFill xmlns="" xmlns:a14="http://schemas.microsoft.com/office/drawing/2010/main">
                 <a:solidFill>
                   <a:srgbClr val="FFFFFF"/>
                 </a:solidFill>
               </a14:hiddenFill>
             </a:ext>
             <a:ext uri="{91240B29-F687-4f45-9708-019B960494DF}">
-              <a14:hiddenLine xmlns:a14="http://schemas.microsoft.com/office/drawing/2010/main" xmlns="" w="9525">
+              <a14:hiddenLine xmlns="" xmlns:a14="http://schemas.microsoft.com/office/drawing/2010/main" w="9525">
                 <a:solidFill>
                   <a:srgbClr val="000000"/>
                 </a:solidFill>
@@ -7941,14 +7941,14 @@
           </a:ln>
           <a:extLst>
             <a:ext uri="{909E8E84-426E-40dd-AFC4-6F175D3DCCD1}">
-              <a14:hiddenFill xmlns:a14="http://schemas.microsoft.com/office/drawing/2010/main" xmlns="">
+              <a14:hiddenFill xmlns="" xmlns:a14="http://schemas.microsoft.com/office/drawing/2010/main">
                 <a:solidFill>
                   <a:srgbClr val="FFFFFF"/>
                 </a:solidFill>
               </a14:hiddenFill>
             </a:ext>
             <a:ext uri="{91240B29-F687-4f45-9708-019B960494DF}">
-              <a14:hiddenLine xmlns:a14="http://schemas.microsoft.com/office/drawing/2010/main" xmlns="" w="9525">
+              <a14:hiddenLine xmlns="" xmlns:a14="http://schemas.microsoft.com/office/drawing/2010/main" w="9525">
                 <a:solidFill>
                   <a:srgbClr val="000000"/>
                 </a:solidFill>
@@ -8107,14 +8107,14 @@
           </a:ln>
           <a:extLst>
             <a:ext uri="{909E8E84-426E-40dd-AFC4-6F175D3DCCD1}">
-              <a14:hiddenFill xmlns:a14="http://schemas.microsoft.com/office/drawing/2010/main" xmlns="">
+              <a14:hiddenFill xmlns="" xmlns:a14="http://schemas.microsoft.com/office/drawing/2010/main">
                 <a:solidFill>
                   <a:srgbClr val="FFFFFF"/>
                 </a:solidFill>
               </a14:hiddenFill>
             </a:ext>
             <a:ext uri="{91240B29-F687-4f45-9708-019B960494DF}">
-              <a14:hiddenLine xmlns:a14="http://schemas.microsoft.com/office/drawing/2010/main" xmlns="" w="9525">
+              <a14:hiddenLine xmlns="" xmlns:a14="http://schemas.microsoft.com/office/drawing/2010/main" w="9525">
                 <a:solidFill>
                   <a:srgbClr val="000000"/>
                 </a:solidFill>
@@ -8273,14 +8273,14 @@
           </a:ln>
           <a:extLst>
             <a:ext uri="{909E8E84-426E-40dd-AFC4-6F175D3DCCD1}">
-              <a14:hiddenFill xmlns:a14="http://schemas.microsoft.com/office/drawing/2010/main" xmlns="">
+              <a14:hiddenFill xmlns="" xmlns:a14="http://schemas.microsoft.com/office/drawing/2010/main">
                 <a:solidFill>
                   <a:srgbClr val="FFFFFF"/>
                 </a:solidFill>
               </a14:hiddenFill>
             </a:ext>
             <a:ext uri="{91240B29-F687-4f45-9708-019B960494DF}">
-              <a14:hiddenLine xmlns:a14="http://schemas.microsoft.com/office/drawing/2010/main" xmlns="" w="9525">
+              <a14:hiddenLine xmlns="" xmlns:a14="http://schemas.microsoft.com/office/drawing/2010/main" w="9525">
                 <a:solidFill>
                   <a:srgbClr val="000000"/>
                 </a:solidFill>
@@ -8439,14 +8439,14 @@
           </a:ln>
           <a:extLst>
             <a:ext uri="{909E8E84-426E-40dd-AFC4-6F175D3DCCD1}">
-              <a14:hiddenFill xmlns:a14="http://schemas.microsoft.com/office/drawing/2010/main" xmlns="">
+              <a14:hiddenFill xmlns="" xmlns:a14="http://schemas.microsoft.com/office/drawing/2010/main">
                 <a:solidFill>
                   <a:srgbClr val="FFFFFF"/>
                 </a:solidFill>
               </a14:hiddenFill>
             </a:ext>
             <a:ext uri="{91240B29-F687-4f45-9708-019B960494DF}">
-              <a14:hiddenLine xmlns:a14="http://schemas.microsoft.com/office/drawing/2010/main" xmlns="" w="9525">
+              <a14:hiddenLine xmlns="" xmlns:a14="http://schemas.microsoft.com/office/drawing/2010/main" w="9525">
                 <a:solidFill>
                   <a:srgbClr val="000000"/>
                 </a:solidFill>
@@ -8605,14 +8605,14 @@
           </a:ln>
           <a:extLst>
             <a:ext uri="{909E8E84-426E-40dd-AFC4-6F175D3DCCD1}">
-              <a14:hiddenFill xmlns:a14="http://schemas.microsoft.com/office/drawing/2010/main" xmlns="">
+              <a14:hiddenFill xmlns="" xmlns:a14="http://schemas.microsoft.com/office/drawing/2010/main">
                 <a:solidFill>
                   <a:srgbClr val="FFFFFF"/>
                 </a:solidFill>
               </a14:hiddenFill>
             </a:ext>
             <a:ext uri="{91240B29-F687-4f45-9708-019B960494DF}">
-              <a14:hiddenLine xmlns:a14="http://schemas.microsoft.com/office/drawing/2010/main" xmlns="" w="9525">
+              <a14:hiddenLine xmlns="" xmlns:a14="http://schemas.microsoft.com/office/drawing/2010/main" w="9525">
                 <a:solidFill>
                   <a:srgbClr val="000000"/>
                 </a:solidFill>
@@ -8771,14 +8771,14 @@
           </a:ln>
           <a:extLst>
             <a:ext uri="{909E8E84-426E-40dd-AFC4-6F175D3DCCD1}">
-              <a14:hiddenFill xmlns:a14="http://schemas.microsoft.com/office/drawing/2010/main" xmlns="">
+              <a14:hiddenFill xmlns="" xmlns:a14="http://schemas.microsoft.com/office/drawing/2010/main">
                 <a:solidFill>
                   <a:srgbClr val="FFFFFF"/>
                 </a:solidFill>
               </a14:hiddenFill>
             </a:ext>
             <a:ext uri="{91240B29-F687-4f45-9708-019B960494DF}">
-              <a14:hiddenLine xmlns:a14="http://schemas.microsoft.com/office/drawing/2010/main" xmlns="" w="9525">
+              <a14:hiddenLine xmlns="" xmlns:a14="http://schemas.microsoft.com/office/drawing/2010/main" w="9525">
                 <a:solidFill>
                   <a:srgbClr val="000000"/>
                 </a:solidFill>
@@ -8937,14 +8937,14 @@
           </a:ln>
           <a:extLst>
             <a:ext uri="{909E8E84-426E-40dd-AFC4-6F175D3DCCD1}">
-              <a14:hiddenFill xmlns:a14="http://schemas.microsoft.com/office/drawing/2010/main" xmlns="">
+              <a14:hiddenFill xmlns="" xmlns:a14="http://schemas.microsoft.com/office/drawing/2010/main">
                 <a:solidFill>
                   <a:srgbClr val="FFFFFF"/>
                 </a:solidFill>
               </a14:hiddenFill>
             </a:ext>
             <a:ext uri="{91240B29-F687-4f45-9708-019B960494DF}">
-              <a14:hiddenLine xmlns:a14="http://schemas.microsoft.com/office/drawing/2010/main" xmlns="" w="9525">
+              <a14:hiddenLine xmlns="" xmlns:a14="http://schemas.microsoft.com/office/drawing/2010/main" w="9525">
                 <a:solidFill>
                   <a:srgbClr val="000000"/>
                 </a:solidFill>
@@ -9103,14 +9103,14 @@
           </a:ln>
           <a:extLst>
             <a:ext uri="{909E8E84-426E-40dd-AFC4-6F175D3DCCD1}">
-              <a14:hiddenFill xmlns:a14="http://schemas.microsoft.com/office/drawing/2010/main" xmlns="">
+              <a14:hiddenFill xmlns="" xmlns:a14="http://schemas.microsoft.com/office/drawing/2010/main">
                 <a:solidFill>
                   <a:srgbClr val="FFFFFF"/>
                 </a:solidFill>
               </a14:hiddenFill>
             </a:ext>
             <a:ext uri="{91240B29-F687-4f45-9708-019B960494DF}">
-              <a14:hiddenLine xmlns:a14="http://schemas.microsoft.com/office/drawing/2010/main" xmlns="" w="9525">
+              <a14:hiddenLine xmlns="" xmlns:a14="http://schemas.microsoft.com/office/drawing/2010/main" w="9525">
                 <a:solidFill>
                   <a:srgbClr val="000000"/>
                 </a:solidFill>
@@ -9269,14 +9269,14 @@
           </a:ln>
           <a:extLst>
             <a:ext uri="{909E8E84-426E-40dd-AFC4-6F175D3DCCD1}">
-              <a14:hiddenFill xmlns:a14="http://schemas.microsoft.com/office/drawing/2010/main" xmlns="">
+              <a14:hiddenFill xmlns="" xmlns:a14="http://schemas.microsoft.com/office/drawing/2010/main">
                 <a:solidFill>
                   <a:srgbClr val="FFFFFF"/>
                 </a:solidFill>
               </a14:hiddenFill>
             </a:ext>
             <a:ext uri="{91240B29-F687-4f45-9708-019B960494DF}">
-              <a14:hiddenLine xmlns:a14="http://schemas.microsoft.com/office/drawing/2010/main" xmlns="" w="9525">
+              <a14:hiddenLine xmlns="" xmlns:a14="http://schemas.microsoft.com/office/drawing/2010/main" w="9525">
                 <a:solidFill>
                   <a:srgbClr val="000000"/>
                 </a:solidFill>
@@ -9435,14 +9435,14 @@
           </a:ln>
           <a:extLst>
             <a:ext uri="{909E8E84-426E-40dd-AFC4-6F175D3DCCD1}">
-              <a14:hiddenFill xmlns:a14="http://schemas.microsoft.com/office/drawing/2010/main" xmlns="">
+              <a14:hiddenFill xmlns="" xmlns:a14="http://schemas.microsoft.com/office/drawing/2010/main">
                 <a:solidFill>
                   <a:srgbClr val="FFFFFF"/>
                 </a:solidFill>
               </a14:hiddenFill>
             </a:ext>
             <a:ext uri="{91240B29-F687-4f45-9708-019B960494DF}">
-              <a14:hiddenLine xmlns:a14="http://schemas.microsoft.com/office/drawing/2010/main" xmlns="" w="9525">
+              <a14:hiddenLine xmlns="" xmlns:a14="http://schemas.microsoft.com/office/drawing/2010/main" w="9525">
                 <a:solidFill>
                   <a:srgbClr val="000000"/>
                 </a:solidFill>
@@ -9601,14 +9601,14 @@
           </a:ln>
           <a:extLst>
             <a:ext uri="{909E8E84-426E-40dd-AFC4-6F175D3DCCD1}">
-              <a14:hiddenFill xmlns:a14="http://schemas.microsoft.com/office/drawing/2010/main" xmlns="">
+              <a14:hiddenFill xmlns="" xmlns:a14="http://schemas.microsoft.com/office/drawing/2010/main">
                 <a:solidFill>
                   <a:srgbClr val="FFFFFF"/>
                 </a:solidFill>
               </a14:hiddenFill>
             </a:ext>
             <a:ext uri="{91240B29-F687-4f45-9708-019B960494DF}">
-              <a14:hiddenLine xmlns:a14="http://schemas.microsoft.com/office/drawing/2010/main" xmlns="" w="9525">
+              <a14:hiddenLine xmlns="" xmlns:a14="http://schemas.microsoft.com/office/drawing/2010/main" w="9525">
                 <a:solidFill>
                   <a:srgbClr val="000000"/>
                 </a:solidFill>
@@ -9767,14 +9767,14 @@
           </a:ln>
           <a:extLst>
             <a:ext uri="{909E8E84-426E-40dd-AFC4-6F175D3DCCD1}">
-              <a14:hiddenFill xmlns:a14="http://schemas.microsoft.com/office/drawing/2010/main" xmlns="">
+              <a14:hiddenFill xmlns="" xmlns:a14="http://schemas.microsoft.com/office/drawing/2010/main">
                 <a:solidFill>
                   <a:srgbClr val="FFFFFF"/>
                 </a:solidFill>
               </a14:hiddenFill>
             </a:ext>
             <a:ext uri="{91240B29-F687-4f45-9708-019B960494DF}">
-              <a14:hiddenLine xmlns:a14="http://schemas.microsoft.com/office/drawing/2010/main" xmlns="" w="9525">
+              <a14:hiddenLine xmlns="" xmlns:a14="http://schemas.microsoft.com/office/drawing/2010/main" w="9525">
                 <a:solidFill>
                   <a:srgbClr val="000000"/>
                 </a:solidFill>
@@ -9933,14 +9933,14 @@
           </a:ln>
           <a:extLst>
             <a:ext uri="{909E8E84-426E-40dd-AFC4-6F175D3DCCD1}">
-              <a14:hiddenFill xmlns:a14="http://schemas.microsoft.com/office/drawing/2010/main" xmlns="">
+              <a14:hiddenFill xmlns="" xmlns:a14="http://schemas.microsoft.com/office/drawing/2010/main">
                 <a:solidFill>
                   <a:srgbClr val="FFFFFF"/>
                 </a:solidFill>
               </a14:hiddenFill>
             </a:ext>
             <a:ext uri="{91240B29-F687-4f45-9708-019B960494DF}">
-              <a14:hiddenLine xmlns:a14="http://schemas.microsoft.com/office/drawing/2010/main" xmlns="" w="9525">
+              <a14:hiddenLine xmlns="" xmlns:a14="http://schemas.microsoft.com/office/drawing/2010/main" w="9525">
                 <a:solidFill>
                   <a:srgbClr val="000000"/>
                 </a:solidFill>
@@ -10099,14 +10099,14 @@
           </a:ln>
           <a:extLst>
             <a:ext uri="{909E8E84-426E-40dd-AFC4-6F175D3DCCD1}">
-              <a14:hiddenFill xmlns:a14="http://schemas.microsoft.com/office/drawing/2010/main" xmlns="">
+              <a14:hiddenFill xmlns="" xmlns:a14="http://schemas.microsoft.com/office/drawing/2010/main">
                 <a:solidFill>
                   <a:srgbClr val="FFFFFF"/>
                 </a:solidFill>
               </a14:hiddenFill>
             </a:ext>
             <a:ext uri="{91240B29-F687-4f45-9708-019B960494DF}">
-              <a14:hiddenLine xmlns:a14="http://schemas.microsoft.com/office/drawing/2010/main" xmlns="" w="9525">
+              <a14:hiddenLine xmlns="" xmlns:a14="http://schemas.microsoft.com/office/drawing/2010/main" w="9525">
                 <a:solidFill>
                   <a:srgbClr val="000000"/>
                 </a:solidFill>
@@ -10405,14 +10405,14 @@
           </a:ln>
           <a:extLst>
             <a:ext uri="{909E8E84-426E-40dd-AFC4-6F175D3DCCD1}">
-              <a14:hiddenFill xmlns:a14="http://schemas.microsoft.com/office/drawing/2010/main" xmlns="">
+              <a14:hiddenFill xmlns="" xmlns:a14="http://schemas.microsoft.com/office/drawing/2010/main">
                 <a:solidFill>
                   <a:srgbClr val="FFFFFF"/>
                 </a:solidFill>
               </a14:hiddenFill>
             </a:ext>
             <a:ext uri="{91240B29-F687-4f45-9708-019B960494DF}">
-              <a14:hiddenLine xmlns:a14="http://schemas.microsoft.com/office/drawing/2010/main" xmlns="" w="9525">
+              <a14:hiddenLine xmlns="" xmlns:a14="http://schemas.microsoft.com/office/drawing/2010/main" w="9525">
                 <a:solidFill>
                   <a:srgbClr val="000000"/>
                 </a:solidFill>
@@ -10471,14 +10471,14 @@
           </a:ln>
           <a:extLst>
             <a:ext uri="{909E8E84-426E-40dd-AFC4-6F175D3DCCD1}">
-              <a14:hiddenFill xmlns:a14="http://schemas.microsoft.com/office/drawing/2010/main" xmlns="">
+              <a14:hiddenFill xmlns="" xmlns:a14="http://schemas.microsoft.com/office/drawing/2010/main">
                 <a:solidFill>
                   <a:srgbClr val="FFFFFF"/>
                 </a:solidFill>
               </a14:hiddenFill>
             </a:ext>
             <a:ext uri="{91240B29-F687-4f45-9708-019B960494DF}">
-              <a14:hiddenLine xmlns:a14="http://schemas.microsoft.com/office/drawing/2010/main" xmlns="" w="9525">
+              <a14:hiddenLine xmlns="" xmlns:a14="http://schemas.microsoft.com/office/drawing/2010/main" w="9525">
                 <a:solidFill>
                   <a:srgbClr val="000000"/>
                 </a:solidFill>
@@ -10883,14 +10883,14 @@
           </a:ln>
           <a:extLst>
             <a:ext uri="{909E8E84-426E-40dd-AFC4-6F175D3DCCD1}">
-              <a14:hiddenFill xmlns:a14="http://schemas.microsoft.com/office/drawing/2010/main" xmlns="">
+              <a14:hiddenFill xmlns="" xmlns:a14="http://schemas.microsoft.com/office/drawing/2010/main">
                 <a:solidFill>
                   <a:srgbClr val="FFFFFF"/>
                 </a:solidFill>
               </a14:hiddenFill>
             </a:ext>
             <a:ext uri="{91240B29-F687-4f45-9708-019B960494DF}">
-              <a14:hiddenLine xmlns:a14="http://schemas.microsoft.com/office/drawing/2010/main" xmlns="" w="9525">
+              <a14:hiddenLine xmlns="" xmlns:a14="http://schemas.microsoft.com/office/drawing/2010/main" w="9525">
                 <a:solidFill>
                   <a:srgbClr val="000000"/>
                 </a:solidFill>
@@ -11221,14 +11221,14 @@
           </a:ln>
           <a:extLst>
             <a:ext uri="{909E8E84-426E-40dd-AFC4-6F175D3DCCD1}">
-              <a14:hiddenFill xmlns:a14="http://schemas.microsoft.com/office/drawing/2010/main" xmlns="">
+              <a14:hiddenFill xmlns="" xmlns:a14="http://schemas.microsoft.com/office/drawing/2010/main">
                 <a:solidFill>
                   <a:srgbClr val="FFFFFF"/>
                 </a:solidFill>
               </a14:hiddenFill>
             </a:ext>
             <a:ext uri="{91240B29-F687-4f45-9708-019B960494DF}">
-              <a14:hiddenLine xmlns:a14="http://schemas.microsoft.com/office/drawing/2010/main" xmlns="" w="9525">
+              <a14:hiddenLine xmlns="" xmlns:a14="http://schemas.microsoft.com/office/drawing/2010/main" w="9525">
                 <a:solidFill>
                   <a:srgbClr val="000000"/>
                 </a:solidFill>
@@ -11275,14 +11275,14 @@
           </a:ln>
           <a:extLst>
             <a:ext uri="{909E8E84-426E-40dd-AFC4-6F175D3DCCD1}">
-              <a14:hiddenFill xmlns:a14="http://schemas.microsoft.com/office/drawing/2010/main" xmlns="">
+              <a14:hiddenFill xmlns="" xmlns:a14="http://schemas.microsoft.com/office/drawing/2010/main">
                 <a:solidFill>
                   <a:srgbClr val="FFFFFF"/>
                 </a:solidFill>
               </a14:hiddenFill>
             </a:ext>
             <a:ext uri="{91240B29-F687-4f45-9708-019B960494DF}">
-              <a14:hiddenLine xmlns:a14="http://schemas.microsoft.com/office/drawing/2010/main" xmlns="" w="9525">
+              <a14:hiddenLine xmlns="" xmlns:a14="http://schemas.microsoft.com/office/drawing/2010/main" w="9525">
                 <a:solidFill>
                   <a:srgbClr val="000000"/>
                 </a:solidFill>
@@ -11517,7 +11517,7 @@
           </a:ln>
           <a:extLst>
             <a:ext uri="{909E8E84-426E-40dd-AFC4-6F175D3DCCD1}">
-              <a14:hiddenFill xmlns:a14="http://schemas.microsoft.com/office/drawing/2010/main" xmlns="">
+              <a14:hiddenFill xmlns="" xmlns:a14="http://schemas.microsoft.com/office/drawing/2010/main">
                 <a:solidFill>
                   <a:srgbClr val="FFFFFF"/>
                 </a:solidFill>
@@ -13042,14 +13042,14 @@
           </a:ln>
           <a:extLst>
             <a:ext uri="{909E8E84-426E-40dd-AFC4-6F175D3DCCD1}">
-              <a14:hiddenFill xmlns:a14="http://schemas.microsoft.com/office/drawing/2010/main" xmlns="">
+              <a14:hiddenFill xmlns="" xmlns:a14="http://schemas.microsoft.com/office/drawing/2010/main">
                 <a:solidFill>
                   <a:srgbClr val="FFFFFF"/>
                 </a:solidFill>
               </a14:hiddenFill>
             </a:ext>
             <a:ext uri="{91240B29-F687-4f45-9708-019B960494DF}">
-              <a14:hiddenLine xmlns:a14="http://schemas.microsoft.com/office/drawing/2010/main" xmlns="" w="9525">
+              <a14:hiddenLine xmlns="" xmlns:a14="http://schemas.microsoft.com/office/drawing/2010/main" w="9525">
                 <a:solidFill>
                   <a:srgbClr val="000000"/>
                 </a:solidFill>
@@ -13260,6 +13260,50 @@
           </a:p>
         </p:txBody>
       </p:sp>
+      <p:sp>
+        <p:nvSpPr>
+          <p:cNvPr id="20" name="文字方塊 19">
+            <a:extLst>
+              <a:ext uri="{FF2B5EF4-FFF2-40B4-BE49-F238E27FC236}">
+                <a16:creationId xmlns:a16="http://schemas.microsoft.com/office/drawing/2014/main" id="{64448C0D-B45B-CD9A-6FCA-30E5DF9C8CBB}"/>
+              </a:ext>
+            </a:extLst>
+          </p:cNvPr>
+          <p:cNvSpPr txBox="1"/>
+          <p:nvPr/>
+        </p:nvSpPr>
+        <p:spPr>
+          <a:xfrm>
+            <a:off x="8623875" y="798523"/>
+            <a:ext cx="3396440" cy="369332"/>
+          </a:xfrm>
+          <a:prstGeom prst="rect">
+            <a:avLst/>
+          </a:prstGeom>
+          <a:noFill/>
+        </p:spPr>
+        <p:txBody>
+          <a:bodyPr wrap="square" rtlCol="0">
+            <a:spAutoFit/>
+          </a:bodyPr>
+          <a:lstStyle/>
+          <a:p>
+            <a:r>
+              <a:rPr lang="en-US" altLang="zh-TW" dirty="0">
+                <a:solidFill>
+                  <a:srgbClr val="FF0000"/>
+                </a:solidFill>
+              </a:rPr>
+              <a:t>Improved a lot with LLMs!</a:t>
+            </a:r>
+            <a:endParaRPr lang="zh-TW" altLang="en-US" dirty="0">
+              <a:solidFill>
+                <a:srgbClr val="FF0000"/>
+              </a:solidFill>
+            </a:endParaRPr>
+          </a:p>
+        </p:txBody>
+      </p:sp>
     </p:spTree>
     <p:extLst>
       <p:ext uri="{BB962C8B-B14F-4D97-AF65-F5344CB8AC3E}">
@@ -13270,6 +13314,84 @@
   <p:clrMapOvr>
     <a:masterClrMapping/>
   </p:clrMapOvr>
+  <p:timing>
+    <p:tnLst>
+      <p:par>
+        <p:cTn id="1" dur="indefinite" restart="never" nodeType="tmRoot">
+          <p:childTnLst>
+            <p:seq concurrent="1" nextAc="seek">
+              <p:cTn id="2" dur="indefinite" nodeType="mainSeq">
+                <p:childTnLst>
+                  <p:par>
+                    <p:cTn id="3" fill="hold">
+                      <p:stCondLst>
+                        <p:cond delay="indefinite"/>
+                      </p:stCondLst>
+                      <p:childTnLst>
+                        <p:par>
+                          <p:cTn id="4" fill="hold">
+                            <p:stCondLst>
+                              <p:cond delay="0"/>
+                            </p:stCondLst>
+                            <p:childTnLst>
+                              <p:par>
+                                <p:cTn id="5" presetID="1" presetClass="entr" presetSubtype="0" fill="hold" grpId="0" nodeType="clickEffect">
+                                  <p:stCondLst>
+                                    <p:cond delay="0"/>
+                                  </p:stCondLst>
+                                  <p:childTnLst>
+                                    <p:set>
+                                      <p:cBhvr>
+                                        <p:cTn id="6" dur="1" fill="hold">
+                                          <p:stCondLst>
+                                            <p:cond delay="0"/>
+                                          </p:stCondLst>
+                                        </p:cTn>
+                                        <p:tgtEl>
+                                          <p:spTgt spid="20"/>
+                                        </p:tgtEl>
+                                        <p:attrNameLst>
+                                          <p:attrName>style.visibility</p:attrName>
+                                        </p:attrNameLst>
+                                      </p:cBhvr>
+                                      <p:to>
+                                        <p:strVal val="visible"/>
+                                      </p:to>
+                                    </p:set>
+                                  </p:childTnLst>
+                                </p:cTn>
+                              </p:par>
+                            </p:childTnLst>
+                          </p:cTn>
+                        </p:par>
+                      </p:childTnLst>
+                    </p:cTn>
+                  </p:par>
+                </p:childTnLst>
+              </p:cTn>
+              <p:prevCondLst>
+                <p:cond evt="onPrev" delay="0">
+                  <p:tgtEl>
+                    <p:sldTgt/>
+                  </p:tgtEl>
+                </p:cond>
+              </p:prevCondLst>
+              <p:nextCondLst>
+                <p:cond evt="onNext" delay="0">
+                  <p:tgtEl>
+                    <p:sldTgt/>
+                  </p:tgtEl>
+                </p:cond>
+              </p:nextCondLst>
+            </p:seq>
+          </p:childTnLst>
+        </p:cTn>
+      </p:par>
+    </p:tnLst>
+    <p:bldLst>
+      <p:bldP spid="20" grpId="0"/>
+    </p:bldLst>
+  </p:timing>
 </p:sld>
 </file>
 
@@ -19527,7 +19649,7 @@
           <a:lstStyle/>
           <a:p>
             <a:r>
-              <a:rPr lang="en-US" altLang="zh-TW" dirty="0" err="1">
+              <a:rPr lang="en-US" altLang="zh-TW" dirty="0">
                 <a:solidFill>
                   <a:srgbClr val="FF0000"/>
                 </a:solidFill>
@@ -19559,18 +19681,13 @@
               <a:t>DeepSeek</a:t>
             </a:r>
             <a:r>
-              <a:rPr lang="en-US" altLang="zh-TW">
+              <a:rPr lang="en-US" altLang="zh-TW" dirty="0">
                 <a:solidFill>
                   <a:srgbClr val="FF0000"/>
                 </a:solidFill>
               </a:rPr>
               <a:t>, …</a:t>
             </a:r>
-            <a:endParaRPr lang="en-US" altLang="zh-TW" dirty="0">
-              <a:solidFill>
-                <a:srgbClr val="FF0000"/>
-              </a:solidFill>
-            </a:endParaRPr>
           </a:p>
           <a:p>
             <a:r>
@@ -19609,7 +19726,7 @@
           <a:p>
             <a:r>
               <a:rPr lang="en-US" altLang="zh-TW" dirty="0"/>
-              <a:t>Other applications:</a:t>
+              <a:t>Some application scenarios:</a:t>
             </a:r>
           </a:p>
           <a:p>

--- a/NLP_TM/01-IntroNLP.pptx
+++ b/NLP_TM/01-IntroNLP.pptx
@@ -229,7 +229,7 @@
           <a:p>
             <a:fld id="{EEEDA64F-9691-4C16-A5F5-351C9E284E88}" type="datetimeFigureOut">
               <a:rPr lang="zh-TW" altLang="en-US" smtClean="0"/>
-              <a:t>2026/2/12</a:t>
+              <a:t>2026/2/23</a:t>
             </a:fld>
             <a:endParaRPr lang="zh-TW" altLang="en-US"/>
           </a:p>
@@ -394,7 +394,7 @@
           <a:p>
             <a:fld id="{237A1F7D-5885-4D4C-9A33-90047810F50B}" type="datetimeFigureOut">
               <a:rPr lang="zh-TW" altLang="en-US" smtClean="0"/>
-              <a:t>2026/2/12</a:t>
+              <a:t>2026/2/23</a:t>
             </a:fld>
             <a:endParaRPr lang="zh-TW" altLang="en-US"/>
           </a:p>
@@ -959,14 +959,14 @@
           <a:ln/>
           <a:extLst>
             <a:ext uri="{909E8E84-426E-40dd-AFC4-6F175D3DCCD1}">
-              <a14:hiddenFill xmlns="" xmlns:a14="http://schemas.microsoft.com/office/drawing/2010/main">
+              <a14:hiddenFill xmlns:a14="http://schemas.microsoft.com/office/drawing/2010/main" xmlns="">
                 <a:solidFill>
                   <a:srgbClr val="FFFFFF"/>
                 </a:solidFill>
               </a14:hiddenFill>
             </a:ext>
             <a:ext uri="{91240B29-F687-4f45-9708-019B960494DF}">
-              <a14:hiddenLine xmlns="" xmlns:a14="http://schemas.microsoft.com/office/drawing/2010/main" w="9525">
+              <a14:hiddenLine xmlns:a14="http://schemas.microsoft.com/office/drawing/2010/main" xmlns="" w="9525">
                 <a:solidFill>
                   <a:srgbClr val="000000"/>
                 </a:solidFill>
@@ -1004,14 +1004,14 @@
           <a:ln/>
           <a:extLst>
             <a:ext uri="{909E8E84-426E-40dd-AFC4-6F175D3DCCD1}">
-              <a14:hiddenFill xmlns="" xmlns:a14="http://schemas.microsoft.com/office/drawing/2010/main">
+              <a14:hiddenFill xmlns:a14="http://schemas.microsoft.com/office/drawing/2010/main" xmlns="">
                 <a:solidFill>
                   <a:srgbClr val="FFFFFF"/>
                 </a:solidFill>
               </a14:hiddenFill>
             </a:ext>
             <a:ext uri="{91240B29-F687-4f45-9708-019B960494DF}">
-              <a14:hiddenLine xmlns="" xmlns:a14="http://schemas.microsoft.com/office/drawing/2010/main" w="9525">
+              <a14:hiddenLine xmlns:a14="http://schemas.microsoft.com/office/drawing/2010/main" xmlns="" w="9525">
                 <a:solidFill>
                   <a:srgbClr val="000000"/>
                 </a:solidFill>
@@ -2234,14 +2234,14 @@
           <a:ln/>
           <a:extLst>
             <a:ext uri="{909E8E84-426E-40dd-AFC4-6F175D3DCCD1}">
-              <a14:hiddenFill xmlns="" xmlns:a14="http://schemas.microsoft.com/office/drawing/2010/main">
+              <a14:hiddenFill xmlns:a14="http://schemas.microsoft.com/office/drawing/2010/main" xmlns="">
                 <a:solidFill>
                   <a:srgbClr val="FFFFFF"/>
                 </a:solidFill>
               </a14:hiddenFill>
             </a:ext>
             <a:ext uri="{91240B29-F687-4f45-9708-019B960494DF}">
-              <a14:hiddenLine xmlns="" xmlns:a14="http://schemas.microsoft.com/office/drawing/2010/main" w="9525">
+              <a14:hiddenLine xmlns:a14="http://schemas.microsoft.com/office/drawing/2010/main" xmlns="" w="9525">
                 <a:solidFill>
                   <a:srgbClr val="000000"/>
                 </a:solidFill>
@@ -5496,7 +5496,15 @@
           <a:p>
             <a:r>
               <a:rPr lang="en-US" altLang="zh-TW" dirty="0"/>
-              <a:t>Feb. 12, 2026</a:t>
+              <a:t>Feb. </a:t>
+            </a:r>
+            <a:r>
+              <a:rPr lang="en-US" altLang="zh-TW"/>
+              <a:t>23, </a:t>
+            </a:r>
+            <a:r>
+              <a:rPr lang="en-US" altLang="zh-TW" dirty="0"/>
+              <a:t>2026</a:t>
             </a:r>
             <a:endParaRPr lang="zh-TW" altLang="en-US" dirty="0"/>
           </a:p>
@@ -5725,14 +5733,14 @@
           </a:ln>
           <a:extLst>
             <a:ext uri="{909E8E84-426E-40dd-AFC4-6F175D3DCCD1}">
-              <a14:hiddenFill xmlns="" xmlns:a14="http://schemas.microsoft.com/office/drawing/2010/main">
+              <a14:hiddenFill xmlns:a14="http://schemas.microsoft.com/office/drawing/2010/main" xmlns="">
                 <a:solidFill>
                   <a:srgbClr val="FFFFFF"/>
                 </a:solidFill>
               </a14:hiddenFill>
             </a:ext>
             <a:ext uri="{91240B29-F687-4f45-9708-019B960494DF}">
-              <a14:hiddenLine xmlns="" xmlns:a14="http://schemas.microsoft.com/office/drawing/2010/main" w="9525">
+              <a14:hiddenLine xmlns:a14="http://schemas.microsoft.com/office/drawing/2010/main" xmlns="" w="9525">
                 <a:solidFill>
                   <a:srgbClr val="000000"/>
                 </a:solidFill>
@@ -5742,7 +5750,7 @@
               </a14:hiddenLine>
             </a:ext>
             <a:ext uri="{FAA26D3D-D897-4be2-8F04-BA451C77F1D7}">
-              <ma14:placeholderFlag xmlns="" xmlns:ma14="http://schemas.microsoft.com/office/mac/drawingml/2011/main" val="1"/>
+              <ma14:placeholderFlag xmlns:ma14="http://schemas.microsoft.com/office/mac/drawingml/2011/main" xmlns="" val="1"/>
             </a:ext>
           </a:extLst>
         </p:spPr>
@@ -7443,14 +7451,14 @@
           </a:ln>
           <a:extLst>
             <a:ext uri="{909E8E84-426E-40dd-AFC4-6F175D3DCCD1}">
-              <a14:hiddenFill xmlns="" xmlns:a14="http://schemas.microsoft.com/office/drawing/2010/main">
+              <a14:hiddenFill xmlns:a14="http://schemas.microsoft.com/office/drawing/2010/main" xmlns="">
                 <a:solidFill>
                   <a:srgbClr val="FFFFFF"/>
                 </a:solidFill>
               </a14:hiddenFill>
             </a:ext>
             <a:ext uri="{91240B29-F687-4f45-9708-019B960494DF}">
-              <a14:hiddenLine xmlns="" xmlns:a14="http://schemas.microsoft.com/office/drawing/2010/main" w="9525">
+              <a14:hiddenLine xmlns:a14="http://schemas.microsoft.com/office/drawing/2010/main" xmlns="" w="9525">
                 <a:solidFill>
                   <a:srgbClr val="000000"/>
                 </a:solidFill>
@@ -7609,14 +7617,14 @@
           </a:ln>
           <a:extLst>
             <a:ext uri="{909E8E84-426E-40dd-AFC4-6F175D3DCCD1}">
-              <a14:hiddenFill xmlns="" xmlns:a14="http://schemas.microsoft.com/office/drawing/2010/main">
+              <a14:hiddenFill xmlns:a14="http://schemas.microsoft.com/office/drawing/2010/main" xmlns="">
                 <a:solidFill>
                   <a:srgbClr val="FFFFFF"/>
                 </a:solidFill>
               </a14:hiddenFill>
             </a:ext>
             <a:ext uri="{91240B29-F687-4f45-9708-019B960494DF}">
-              <a14:hiddenLine xmlns="" xmlns:a14="http://schemas.microsoft.com/office/drawing/2010/main" w="9525">
+              <a14:hiddenLine xmlns:a14="http://schemas.microsoft.com/office/drawing/2010/main" xmlns="" w="9525">
                 <a:solidFill>
                   <a:srgbClr val="000000"/>
                 </a:solidFill>
@@ -7775,14 +7783,14 @@
           </a:ln>
           <a:extLst>
             <a:ext uri="{909E8E84-426E-40dd-AFC4-6F175D3DCCD1}">
-              <a14:hiddenFill xmlns="" xmlns:a14="http://schemas.microsoft.com/office/drawing/2010/main">
+              <a14:hiddenFill xmlns:a14="http://schemas.microsoft.com/office/drawing/2010/main" xmlns="">
                 <a:solidFill>
                   <a:srgbClr val="FFFFFF"/>
                 </a:solidFill>
               </a14:hiddenFill>
             </a:ext>
             <a:ext uri="{91240B29-F687-4f45-9708-019B960494DF}">
-              <a14:hiddenLine xmlns="" xmlns:a14="http://schemas.microsoft.com/office/drawing/2010/main" w="9525">
+              <a14:hiddenLine xmlns:a14="http://schemas.microsoft.com/office/drawing/2010/main" xmlns="" w="9525">
                 <a:solidFill>
                   <a:srgbClr val="000000"/>
                 </a:solidFill>
@@ -7941,14 +7949,14 @@
           </a:ln>
           <a:extLst>
             <a:ext uri="{909E8E84-426E-40dd-AFC4-6F175D3DCCD1}">
-              <a14:hiddenFill xmlns="" xmlns:a14="http://schemas.microsoft.com/office/drawing/2010/main">
+              <a14:hiddenFill xmlns:a14="http://schemas.microsoft.com/office/drawing/2010/main" xmlns="">
                 <a:solidFill>
                   <a:srgbClr val="FFFFFF"/>
                 </a:solidFill>
               </a14:hiddenFill>
             </a:ext>
             <a:ext uri="{91240B29-F687-4f45-9708-019B960494DF}">
-              <a14:hiddenLine xmlns="" xmlns:a14="http://schemas.microsoft.com/office/drawing/2010/main" w="9525">
+              <a14:hiddenLine xmlns:a14="http://schemas.microsoft.com/office/drawing/2010/main" xmlns="" w="9525">
                 <a:solidFill>
                   <a:srgbClr val="000000"/>
                 </a:solidFill>
@@ -8107,14 +8115,14 @@
           </a:ln>
           <a:extLst>
             <a:ext uri="{909E8E84-426E-40dd-AFC4-6F175D3DCCD1}">
-              <a14:hiddenFill xmlns="" xmlns:a14="http://schemas.microsoft.com/office/drawing/2010/main">
+              <a14:hiddenFill xmlns:a14="http://schemas.microsoft.com/office/drawing/2010/main" xmlns="">
                 <a:solidFill>
                   <a:srgbClr val="FFFFFF"/>
                 </a:solidFill>
               </a14:hiddenFill>
             </a:ext>
             <a:ext uri="{91240B29-F687-4f45-9708-019B960494DF}">
-              <a14:hiddenLine xmlns="" xmlns:a14="http://schemas.microsoft.com/office/drawing/2010/main" w="9525">
+              <a14:hiddenLine xmlns:a14="http://schemas.microsoft.com/office/drawing/2010/main" xmlns="" w="9525">
                 <a:solidFill>
                   <a:srgbClr val="000000"/>
                 </a:solidFill>
@@ -8273,14 +8281,14 @@
           </a:ln>
           <a:extLst>
             <a:ext uri="{909E8E84-426E-40dd-AFC4-6F175D3DCCD1}">
-              <a14:hiddenFill xmlns="" xmlns:a14="http://schemas.microsoft.com/office/drawing/2010/main">
+              <a14:hiddenFill xmlns:a14="http://schemas.microsoft.com/office/drawing/2010/main" xmlns="">
                 <a:solidFill>
                   <a:srgbClr val="FFFFFF"/>
                 </a:solidFill>
               </a14:hiddenFill>
             </a:ext>
             <a:ext uri="{91240B29-F687-4f45-9708-019B960494DF}">
-              <a14:hiddenLine xmlns="" xmlns:a14="http://schemas.microsoft.com/office/drawing/2010/main" w="9525">
+              <a14:hiddenLine xmlns:a14="http://schemas.microsoft.com/office/drawing/2010/main" xmlns="" w="9525">
                 <a:solidFill>
                   <a:srgbClr val="000000"/>
                 </a:solidFill>
@@ -8439,14 +8447,14 @@
           </a:ln>
           <a:extLst>
             <a:ext uri="{909E8E84-426E-40dd-AFC4-6F175D3DCCD1}">
-              <a14:hiddenFill xmlns="" xmlns:a14="http://schemas.microsoft.com/office/drawing/2010/main">
+              <a14:hiddenFill xmlns:a14="http://schemas.microsoft.com/office/drawing/2010/main" xmlns="">
                 <a:solidFill>
                   <a:srgbClr val="FFFFFF"/>
                 </a:solidFill>
               </a14:hiddenFill>
             </a:ext>
             <a:ext uri="{91240B29-F687-4f45-9708-019B960494DF}">
-              <a14:hiddenLine xmlns="" xmlns:a14="http://schemas.microsoft.com/office/drawing/2010/main" w="9525">
+              <a14:hiddenLine xmlns:a14="http://schemas.microsoft.com/office/drawing/2010/main" xmlns="" w="9525">
                 <a:solidFill>
                   <a:srgbClr val="000000"/>
                 </a:solidFill>
@@ -8605,14 +8613,14 @@
           </a:ln>
           <a:extLst>
             <a:ext uri="{909E8E84-426E-40dd-AFC4-6F175D3DCCD1}">
-              <a14:hiddenFill xmlns="" xmlns:a14="http://schemas.microsoft.com/office/drawing/2010/main">
+              <a14:hiddenFill xmlns:a14="http://schemas.microsoft.com/office/drawing/2010/main" xmlns="">
                 <a:solidFill>
                   <a:srgbClr val="FFFFFF"/>
                 </a:solidFill>
               </a14:hiddenFill>
             </a:ext>
             <a:ext uri="{91240B29-F687-4f45-9708-019B960494DF}">
-              <a14:hiddenLine xmlns="" xmlns:a14="http://schemas.microsoft.com/office/drawing/2010/main" w="9525">
+              <a14:hiddenLine xmlns:a14="http://schemas.microsoft.com/office/drawing/2010/main" xmlns="" w="9525">
                 <a:solidFill>
                   <a:srgbClr val="000000"/>
                 </a:solidFill>
@@ -8771,14 +8779,14 @@
           </a:ln>
           <a:extLst>
             <a:ext uri="{909E8E84-426E-40dd-AFC4-6F175D3DCCD1}">
-              <a14:hiddenFill xmlns="" xmlns:a14="http://schemas.microsoft.com/office/drawing/2010/main">
+              <a14:hiddenFill xmlns:a14="http://schemas.microsoft.com/office/drawing/2010/main" xmlns="">
                 <a:solidFill>
                   <a:srgbClr val="FFFFFF"/>
                 </a:solidFill>
               </a14:hiddenFill>
             </a:ext>
             <a:ext uri="{91240B29-F687-4f45-9708-019B960494DF}">
-              <a14:hiddenLine xmlns="" xmlns:a14="http://schemas.microsoft.com/office/drawing/2010/main" w="9525">
+              <a14:hiddenLine xmlns:a14="http://schemas.microsoft.com/office/drawing/2010/main" xmlns="" w="9525">
                 <a:solidFill>
                   <a:srgbClr val="000000"/>
                 </a:solidFill>
@@ -8937,14 +8945,14 @@
           </a:ln>
           <a:extLst>
             <a:ext uri="{909E8E84-426E-40dd-AFC4-6F175D3DCCD1}">
-              <a14:hiddenFill xmlns="" xmlns:a14="http://schemas.microsoft.com/office/drawing/2010/main">
+              <a14:hiddenFill xmlns:a14="http://schemas.microsoft.com/office/drawing/2010/main" xmlns="">
                 <a:solidFill>
                   <a:srgbClr val="FFFFFF"/>
                 </a:solidFill>
               </a14:hiddenFill>
             </a:ext>
             <a:ext uri="{91240B29-F687-4f45-9708-019B960494DF}">
-              <a14:hiddenLine xmlns="" xmlns:a14="http://schemas.microsoft.com/office/drawing/2010/main" w="9525">
+              <a14:hiddenLine xmlns:a14="http://schemas.microsoft.com/office/drawing/2010/main" xmlns="" w="9525">
                 <a:solidFill>
                   <a:srgbClr val="000000"/>
                 </a:solidFill>
@@ -9103,14 +9111,14 @@
           </a:ln>
           <a:extLst>
             <a:ext uri="{909E8E84-426E-40dd-AFC4-6F175D3DCCD1}">
-              <a14:hiddenFill xmlns="" xmlns:a14="http://schemas.microsoft.com/office/drawing/2010/main">
+              <a14:hiddenFill xmlns:a14="http://schemas.microsoft.com/office/drawing/2010/main" xmlns="">
                 <a:solidFill>
                   <a:srgbClr val="FFFFFF"/>
                 </a:solidFill>
               </a14:hiddenFill>
             </a:ext>
             <a:ext uri="{91240B29-F687-4f45-9708-019B960494DF}">
-              <a14:hiddenLine xmlns="" xmlns:a14="http://schemas.microsoft.com/office/drawing/2010/main" w="9525">
+              <a14:hiddenLine xmlns:a14="http://schemas.microsoft.com/office/drawing/2010/main" xmlns="" w="9525">
                 <a:solidFill>
                   <a:srgbClr val="000000"/>
                 </a:solidFill>
@@ -9269,14 +9277,14 @@
           </a:ln>
           <a:extLst>
             <a:ext uri="{909E8E84-426E-40dd-AFC4-6F175D3DCCD1}">
-              <a14:hiddenFill xmlns="" xmlns:a14="http://schemas.microsoft.com/office/drawing/2010/main">
+              <a14:hiddenFill xmlns:a14="http://schemas.microsoft.com/office/drawing/2010/main" xmlns="">
                 <a:solidFill>
                   <a:srgbClr val="FFFFFF"/>
                 </a:solidFill>
               </a14:hiddenFill>
             </a:ext>
             <a:ext uri="{91240B29-F687-4f45-9708-019B960494DF}">
-              <a14:hiddenLine xmlns="" xmlns:a14="http://schemas.microsoft.com/office/drawing/2010/main" w="9525">
+              <a14:hiddenLine xmlns:a14="http://schemas.microsoft.com/office/drawing/2010/main" xmlns="" w="9525">
                 <a:solidFill>
                   <a:srgbClr val="000000"/>
                 </a:solidFill>
@@ -9435,14 +9443,14 @@
           </a:ln>
           <a:extLst>
             <a:ext uri="{909E8E84-426E-40dd-AFC4-6F175D3DCCD1}">
-              <a14:hiddenFill xmlns="" xmlns:a14="http://schemas.microsoft.com/office/drawing/2010/main">
+              <a14:hiddenFill xmlns:a14="http://schemas.microsoft.com/office/drawing/2010/main" xmlns="">
                 <a:solidFill>
                   <a:srgbClr val="FFFFFF"/>
                 </a:solidFill>
               </a14:hiddenFill>
             </a:ext>
             <a:ext uri="{91240B29-F687-4f45-9708-019B960494DF}">
-              <a14:hiddenLine xmlns="" xmlns:a14="http://schemas.microsoft.com/office/drawing/2010/main" w="9525">
+              <a14:hiddenLine xmlns:a14="http://schemas.microsoft.com/office/drawing/2010/main" xmlns="" w="9525">
                 <a:solidFill>
                   <a:srgbClr val="000000"/>
                 </a:solidFill>
@@ -9601,14 +9609,14 @@
           </a:ln>
           <a:extLst>
             <a:ext uri="{909E8E84-426E-40dd-AFC4-6F175D3DCCD1}">
-              <a14:hiddenFill xmlns="" xmlns:a14="http://schemas.microsoft.com/office/drawing/2010/main">
+              <a14:hiddenFill xmlns:a14="http://schemas.microsoft.com/office/drawing/2010/main" xmlns="">
                 <a:solidFill>
                   <a:srgbClr val="FFFFFF"/>
                 </a:solidFill>
               </a14:hiddenFill>
             </a:ext>
             <a:ext uri="{91240B29-F687-4f45-9708-019B960494DF}">
-              <a14:hiddenLine xmlns="" xmlns:a14="http://schemas.microsoft.com/office/drawing/2010/main" w="9525">
+              <a14:hiddenLine xmlns:a14="http://schemas.microsoft.com/office/drawing/2010/main" xmlns="" w="9525">
                 <a:solidFill>
                   <a:srgbClr val="000000"/>
                 </a:solidFill>
@@ -9767,14 +9775,14 @@
           </a:ln>
           <a:extLst>
             <a:ext uri="{909E8E84-426E-40dd-AFC4-6F175D3DCCD1}">
-              <a14:hiddenFill xmlns="" xmlns:a14="http://schemas.microsoft.com/office/drawing/2010/main">
+              <a14:hiddenFill xmlns:a14="http://schemas.microsoft.com/office/drawing/2010/main" xmlns="">
                 <a:solidFill>
                   <a:srgbClr val="FFFFFF"/>
                 </a:solidFill>
               </a14:hiddenFill>
             </a:ext>
             <a:ext uri="{91240B29-F687-4f45-9708-019B960494DF}">
-              <a14:hiddenLine xmlns="" xmlns:a14="http://schemas.microsoft.com/office/drawing/2010/main" w="9525">
+              <a14:hiddenLine xmlns:a14="http://schemas.microsoft.com/office/drawing/2010/main" xmlns="" w="9525">
                 <a:solidFill>
                   <a:srgbClr val="000000"/>
                 </a:solidFill>
@@ -9933,14 +9941,14 @@
           </a:ln>
           <a:extLst>
             <a:ext uri="{909E8E84-426E-40dd-AFC4-6F175D3DCCD1}">
-              <a14:hiddenFill xmlns="" xmlns:a14="http://schemas.microsoft.com/office/drawing/2010/main">
+              <a14:hiddenFill xmlns:a14="http://schemas.microsoft.com/office/drawing/2010/main" xmlns="">
                 <a:solidFill>
                   <a:srgbClr val="FFFFFF"/>
                 </a:solidFill>
               </a14:hiddenFill>
             </a:ext>
             <a:ext uri="{91240B29-F687-4f45-9708-019B960494DF}">
-              <a14:hiddenLine xmlns="" xmlns:a14="http://schemas.microsoft.com/office/drawing/2010/main" w="9525">
+              <a14:hiddenLine xmlns:a14="http://schemas.microsoft.com/office/drawing/2010/main" xmlns="" w="9525">
                 <a:solidFill>
                   <a:srgbClr val="000000"/>
                 </a:solidFill>
@@ -10099,14 +10107,14 @@
           </a:ln>
           <a:extLst>
             <a:ext uri="{909E8E84-426E-40dd-AFC4-6F175D3DCCD1}">
-              <a14:hiddenFill xmlns="" xmlns:a14="http://schemas.microsoft.com/office/drawing/2010/main">
+              <a14:hiddenFill xmlns:a14="http://schemas.microsoft.com/office/drawing/2010/main" xmlns="">
                 <a:solidFill>
                   <a:srgbClr val="FFFFFF"/>
                 </a:solidFill>
               </a14:hiddenFill>
             </a:ext>
             <a:ext uri="{91240B29-F687-4f45-9708-019B960494DF}">
-              <a14:hiddenLine xmlns="" xmlns:a14="http://schemas.microsoft.com/office/drawing/2010/main" w="9525">
+              <a14:hiddenLine xmlns:a14="http://schemas.microsoft.com/office/drawing/2010/main" xmlns="" w="9525">
                 <a:solidFill>
                   <a:srgbClr val="000000"/>
                 </a:solidFill>
@@ -10405,14 +10413,14 @@
           </a:ln>
           <a:extLst>
             <a:ext uri="{909E8E84-426E-40dd-AFC4-6F175D3DCCD1}">
-              <a14:hiddenFill xmlns="" xmlns:a14="http://schemas.microsoft.com/office/drawing/2010/main">
+              <a14:hiddenFill xmlns:a14="http://schemas.microsoft.com/office/drawing/2010/main" xmlns="">
                 <a:solidFill>
                   <a:srgbClr val="FFFFFF"/>
                 </a:solidFill>
               </a14:hiddenFill>
             </a:ext>
             <a:ext uri="{91240B29-F687-4f45-9708-019B960494DF}">
-              <a14:hiddenLine xmlns="" xmlns:a14="http://schemas.microsoft.com/office/drawing/2010/main" w="9525">
+              <a14:hiddenLine xmlns:a14="http://schemas.microsoft.com/office/drawing/2010/main" xmlns="" w="9525">
                 <a:solidFill>
                   <a:srgbClr val="000000"/>
                 </a:solidFill>
@@ -10471,14 +10479,14 @@
           </a:ln>
           <a:extLst>
             <a:ext uri="{909E8E84-426E-40dd-AFC4-6F175D3DCCD1}">
-              <a14:hiddenFill xmlns="" xmlns:a14="http://schemas.microsoft.com/office/drawing/2010/main">
+              <a14:hiddenFill xmlns:a14="http://schemas.microsoft.com/office/drawing/2010/main" xmlns="">
                 <a:solidFill>
                   <a:srgbClr val="FFFFFF"/>
                 </a:solidFill>
               </a14:hiddenFill>
             </a:ext>
             <a:ext uri="{91240B29-F687-4f45-9708-019B960494DF}">
-              <a14:hiddenLine xmlns="" xmlns:a14="http://schemas.microsoft.com/office/drawing/2010/main" w="9525">
+              <a14:hiddenLine xmlns:a14="http://schemas.microsoft.com/office/drawing/2010/main" xmlns="" w="9525">
                 <a:solidFill>
                   <a:srgbClr val="000000"/>
                 </a:solidFill>
@@ -10883,14 +10891,14 @@
           </a:ln>
           <a:extLst>
             <a:ext uri="{909E8E84-426E-40dd-AFC4-6F175D3DCCD1}">
-              <a14:hiddenFill xmlns="" xmlns:a14="http://schemas.microsoft.com/office/drawing/2010/main">
+              <a14:hiddenFill xmlns:a14="http://schemas.microsoft.com/office/drawing/2010/main" xmlns="">
                 <a:solidFill>
                   <a:srgbClr val="FFFFFF"/>
                 </a:solidFill>
               </a14:hiddenFill>
             </a:ext>
             <a:ext uri="{91240B29-F687-4f45-9708-019B960494DF}">
-              <a14:hiddenLine xmlns="" xmlns:a14="http://schemas.microsoft.com/office/drawing/2010/main" w="9525">
+              <a14:hiddenLine xmlns:a14="http://schemas.microsoft.com/office/drawing/2010/main" xmlns="" w="9525">
                 <a:solidFill>
                   <a:srgbClr val="000000"/>
                 </a:solidFill>
@@ -11221,14 +11229,14 @@
           </a:ln>
           <a:extLst>
             <a:ext uri="{909E8E84-426E-40dd-AFC4-6F175D3DCCD1}">
-              <a14:hiddenFill xmlns="" xmlns:a14="http://schemas.microsoft.com/office/drawing/2010/main">
+              <a14:hiddenFill xmlns:a14="http://schemas.microsoft.com/office/drawing/2010/main" xmlns="">
                 <a:solidFill>
                   <a:srgbClr val="FFFFFF"/>
                 </a:solidFill>
               </a14:hiddenFill>
             </a:ext>
             <a:ext uri="{91240B29-F687-4f45-9708-019B960494DF}">
-              <a14:hiddenLine xmlns="" xmlns:a14="http://schemas.microsoft.com/office/drawing/2010/main" w="9525">
+              <a14:hiddenLine xmlns:a14="http://schemas.microsoft.com/office/drawing/2010/main" xmlns="" w="9525">
                 <a:solidFill>
                   <a:srgbClr val="000000"/>
                 </a:solidFill>
@@ -11275,14 +11283,14 @@
           </a:ln>
           <a:extLst>
             <a:ext uri="{909E8E84-426E-40dd-AFC4-6F175D3DCCD1}">
-              <a14:hiddenFill xmlns="" xmlns:a14="http://schemas.microsoft.com/office/drawing/2010/main">
+              <a14:hiddenFill xmlns:a14="http://schemas.microsoft.com/office/drawing/2010/main" xmlns="">
                 <a:solidFill>
                   <a:srgbClr val="FFFFFF"/>
                 </a:solidFill>
               </a14:hiddenFill>
             </a:ext>
             <a:ext uri="{91240B29-F687-4f45-9708-019B960494DF}">
-              <a14:hiddenLine xmlns="" xmlns:a14="http://schemas.microsoft.com/office/drawing/2010/main" w="9525">
+              <a14:hiddenLine xmlns:a14="http://schemas.microsoft.com/office/drawing/2010/main" xmlns="" w="9525">
                 <a:solidFill>
                   <a:srgbClr val="000000"/>
                 </a:solidFill>
@@ -11517,7 +11525,7 @@
           </a:ln>
           <a:extLst>
             <a:ext uri="{909E8E84-426E-40dd-AFC4-6F175D3DCCD1}">
-              <a14:hiddenFill xmlns="" xmlns:a14="http://schemas.microsoft.com/office/drawing/2010/main">
+              <a14:hiddenFill xmlns:a14="http://schemas.microsoft.com/office/drawing/2010/main" xmlns="">
                 <a:solidFill>
                   <a:srgbClr val="FFFFFF"/>
                 </a:solidFill>
@@ -13042,14 +13050,14 @@
           </a:ln>
           <a:extLst>
             <a:ext uri="{909E8E84-426E-40dd-AFC4-6F175D3DCCD1}">
-              <a14:hiddenFill xmlns="" xmlns:a14="http://schemas.microsoft.com/office/drawing/2010/main">
+              <a14:hiddenFill xmlns:a14="http://schemas.microsoft.com/office/drawing/2010/main" xmlns="">
                 <a:solidFill>
                   <a:srgbClr val="FFFFFF"/>
                 </a:solidFill>
               </a14:hiddenFill>
             </a:ext>
             <a:ext uri="{91240B29-F687-4f45-9708-019B960494DF}">
-              <a14:hiddenLine xmlns="" xmlns:a14="http://schemas.microsoft.com/office/drawing/2010/main" w="9525">
+              <a14:hiddenLine xmlns:a14="http://schemas.microsoft.com/office/drawing/2010/main" xmlns="" w="9525">
                 <a:solidFill>
                   <a:srgbClr val="000000"/>
                 </a:solidFill>
@@ -13275,7 +13283,7 @@
         <p:spPr>
           <a:xfrm>
             <a:off x="8623875" y="798523"/>
-            <a:ext cx="3396440" cy="369332"/>
+            <a:ext cx="3396440" cy="646331"/>
           </a:xfrm>
           <a:prstGeom prst="rect">
             <a:avLst/>
@@ -13295,6 +13303,21 @@
                 </a:solidFill>
               </a:rPr>
               <a:t>Improved a lot with LLMs!</a:t>
+            </a:r>
+            <a:br>
+              <a:rPr lang="en-US" altLang="zh-TW" dirty="0">
+                <a:solidFill>
+                  <a:srgbClr val="FF0000"/>
+                </a:solidFill>
+              </a:rPr>
+            </a:br>
+            <a:r>
+              <a:rPr lang="en-US" altLang="zh-TW" dirty="0">
+                <a:solidFill>
+                  <a:srgbClr val="FF0000"/>
+                </a:solidFill>
+              </a:rPr>
+              <a:t>But still many issues…</a:t>
             </a:r>
             <a:endParaRPr lang="zh-TW" altLang="en-US" dirty="0">
               <a:solidFill>
